--- a/ietf124-Montreal/Slides/chair-slides-bmwg-ippm.pptx
+++ b/ietf124-Montreal/Slides/chair-slides-bmwg-ippm.pptx
@@ -6,7 +6,7 @@
     <p:sldMasterId id="2147483665" r:id="rId5"/>
   </p:sldMasterIdLst>
   <p:notesMasterIdLst>
-    <p:notesMasterId r:id="rId21"/>
+    <p:notesMasterId r:id="rId20"/>
   </p:notesMasterIdLst>
   <p:sldIdLst>
     <p:sldId id="256" r:id="rId6"/>
@@ -21,52 +21,51 @@
     <p:sldId id="264" r:id="rId15"/>
     <p:sldId id="271" r:id="rId16"/>
     <p:sldId id="266" r:id="rId17"/>
-    <p:sldId id="272" r:id="rId18"/>
-    <p:sldId id="269" r:id="rId19"/>
-    <p:sldId id="260" r:id="rId20"/>
+    <p:sldId id="269" r:id="rId18"/>
+    <p:sldId id="260" r:id="rId19"/>
   </p:sldIdLst>
   <p:sldSz cx="9144000" cy="5143500" type="screen16x9"/>
   <p:notesSz cx="6858000" cy="9144000"/>
   <p:embeddedFontLst>
     <p:embeddedFont>
       <p:font typeface="Inter" panose="020B0604020202020204" charset="0"/>
-      <p:regular r:id="rId22"/>
-      <p:bold r:id="rId23"/>
-      <p:italic r:id="rId24"/>
-      <p:boldItalic r:id="rId25"/>
+      <p:regular r:id="rId21"/>
+      <p:bold r:id="rId22"/>
+      <p:italic r:id="rId23"/>
+      <p:boldItalic r:id="rId24"/>
     </p:embeddedFont>
     <p:embeddedFont>
       <p:font typeface="Montserrat" panose="00000500000000000000" pitchFamily="2" charset="0"/>
-      <p:regular r:id="rId26"/>
-      <p:bold r:id="rId27"/>
-      <p:italic r:id="rId28"/>
-      <p:boldItalic r:id="rId29"/>
+      <p:regular r:id="rId25"/>
+      <p:bold r:id="rId26"/>
+      <p:italic r:id="rId27"/>
+      <p:boldItalic r:id="rId28"/>
     </p:embeddedFont>
     <p:embeddedFont>
       <p:font typeface="Open Sans" panose="020B0606030504020204" pitchFamily="34" charset="0"/>
-      <p:regular r:id="rId30"/>
-      <p:bold r:id="rId31"/>
-      <p:italic r:id="rId32"/>
-      <p:boldItalic r:id="rId33"/>
+      <p:regular r:id="rId29"/>
+      <p:bold r:id="rId30"/>
+      <p:italic r:id="rId31"/>
+      <p:boldItalic r:id="rId32"/>
     </p:embeddedFont>
     <p:embeddedFont>
       <p:font typeface="Open Sans Medium" panose="020B0604020202020204" charset="0"/>
-      <p:regular r:id="rId34"/>
-      <p:bold r:id="rId35"/>
-      <p:italic r:id="rId36"/>
-      <p:boldItalic r:id="rId37"/>
+      <p:regular r:id="rId33"/>
+      <p:bold r:id="rId34"/>
+      <p:italic r:id="rId35"/>
+      <p:boldItalic r:id="rId36"/>
     </p:embeddedFont>
     <p:embeddedFont>
       <p:font typeface="Open Sans SemiBold" panose="020B0706030804020204" pitchFamily="34" charset="0"/>
-      <p:bold r:id="rId38"/>
-      <p:boldItalic r:id="rId39"/>
+      <p:bold r:id="rId37"/>
+      <p:boldItalic r:id="rId38"/>
     </p:embeddedFont>
     <p:embeddedFont>
       <p:font typeface="Roboto" panose="02000000000000000000" pitchFamily="2" charset="0"/>
-      <p:regular r:id="rId40"/>
-      <p:bold r:id="rId41"/>
-      <p:italic r:id="rId42"/>
-      <p:boldItalic r:id="rId43"/>
+      <p:regular r:id="rId39"/>
+      <p:bold r:id="rId40"/>
+      <p:italic r:id="rId41"/>
+      <p:boldItalic r:id="rId42"/>
     </p:embeddedFont>
   </p:embeddedFontLst>
   <p:defaultTextStyle>
@@ -317,6 +316,14 @@
 </p:presentation>
 </file>
 
+<file path=ppt/revisionInfo.xml><?xml version="1.0" encoding="utf-8"?>
+<p1510:revInfo xmlns:a="http://schemas.openxmlformats.org/drawingml/2006/main" xmlns:r="http://schemas.openxmlformats.org/officeDocument/2006/relationships" xmlns:p1510="http://schemas.microsoft.com/office/powerpoint/2015/10/main">
+  <p1510:revLst>
+    <p1510:client id="{4725F99E-EFE0-4780-BB38-6BDDFB9F73C4}" v="5" dt="2025-10-27T07:46:21.020"/>
+  </p1510:revLst>
+</p1510:revInfo>
+</file>
+
 <file path=ppt/changesInfos/changesInfo1.xml><?xml version="1.0" encoding="utf-8"?>
 <pc:chgInfo xmlns:a="http://schemas.openxmlformats.org/drawingml/2006/main" xmlns:r="http://schemas.openxmlformats.org/officeDocument/2006/relationships" xmlns:ac="http://schemas.microsoft.com/office/drawing/2013/main/command" xmlns:pc="http://schemas.microsoft.com/office/powerpoint/2013/main/command">
   <pc:docChgLst>
@@ -332,14 +339,6 @@
           <pc:docMk/>
           <pc:sldMk cId="0" sldId="256"/>
         </pc:sldMkLst>
-        <pc:spChg chg="mod">
-          <ac:chgData name="Marcus Ihlar" userId="3466507a-8f95-47f2-ae1b-ce7d6ca611a4" providerId="ADAL" clId="{AED546ED-D998-4FD7-8756-673BE2DDCF49}" dt="2025-07-16T10:35:22.434" v="10" actId="20577"/>
-          <ac:spMkLst>
-            <pc:docMk/>
-            <pc:sldMk cId="0" sldId="256"/>
-            <ac:spMk id="100" creationId="{00000000-0000-0000-0000-000000000000}"/>
-          </ac:spMkLst>
-        </pc:spChg>
       </pc:sldChg>
       <pc:sldChg chg="modSp mod">
         <pc:chgData name="Marcus Ihlar" userId="3466507a-8f95-47f2-ae1b-ce7d6ca611a4" providerId="ADAL" clId="{AED546ED-D998-4FD7-8756-673BE2DDCF49}" dt="2025-07-16T10:18:57.833" v="8" actId="20577"/>
@@ -347,14 +346,6 @@
           <pc:docMk/>
           <pc:sldMk cId="2128497270" sldId="269"/>
         </pc:sldMkLst>
-        <pc:spChg chg="mod">
-          <ac:chgData name="Marcus Ihlar" userId="3466507a-8f95-47f2-ae1b-ce7d6ca611a4" providerId="ADAL" clId="{AED546ED-D998-4FD7-8756-673BE2DDCF49}" dt="2025-07-16T10:18:57.833" v="8" actId="20577"/>
-          <ac:spMkLst>
-            <pc:docMk/>
-            <pc:sldMk cId="2128497270" sldId="269"/>
-            <ac:spMk id="3" creationId="{FED4E835-D652-159B-D0CD-7FC58A509645}"/>
-          </ac:spMkLst>
-        </pc:spChg>
       </pc:sldChg>
     </pc:docChg>
   </pc:docChgLst>
@@ -371,14 +362,6 @@
           <pc:docMk/>
           <pc:sldMk cId="0" sldId="256"/>
         </pc:sldMkLst>
-        <pc:spChg chg="mod">
-          <ac:chgData name="Graf Thomas, SCS-INI-NET-VNC-E2E" userId="487bc3e3-9ce7-4cdd-b7b4-8899ea88d289" providerId="ADAL" clId="{4403439A-50EC-49D8-B7F6-3D7264685FDE}" dt="2025-07-10T05:43:59.555" v="6" actId="20577"/>
-          <ac:spMkLst>
-            <pc:docMk/>
-            <pc:sldMk cId="0" sldId="256"/>
-            <ac:spMk id="99" creationId="{00000000-0000-0000-0000-000000000000}"/>
-          </ac:spMkLst>
-        </pc:spChg>
       </pc:sldChg>
       <pc:sldChg chg="ord">
         <pc:chgData name="Graf Thomas, SCS-INI-NET-VNC-E2E" userId="487bc3e3-9ce7-4cdd-b7b4-8899ea88d289" providerId="ADAL" clId="{4403439A-50EC-49D8-B7F6-3D7264685FDE}" dt="2025-07-10T06:22:20.341" v="686"/>
@@ -393,14 +376,6 @@
           <pc:docMk/>
           <pc:sldMk cId="0" sldId="260"/>
         </pc:sldMkLst>
-        <pc:spChg chg="mod">
-          <ac:chgData name="Graf Thomas, SCS-INI-NET-VNC-E2E" userId="487bc3e3-9ce7-4cdd-b7b4-8899ea88d289" providerId="ADAL" clId="{4403439A-50EC-49D8-B7F6-3D7264685FDE}" dt="2025-07-10T05:48:14.572" v="76" actId="20577"/>
-          <ac:spMkLst>
-            <pc:docMk/>
-            <pc:sldMk cId="0" sldId="260"/>
-            <ac:spMk id="128" creationId="{00000000-0000-0000-0000-000000000000}"/>
-          </ac:spMkLst>
-        </pc:spChg>
       </pc:sldChg>
       <pc:sldChg chg="modSp mod">
         <pc:chgData name="Graf Thomas, SCS-INI-NET-VNC-E2E" userId="487bc3e3-9ce7-4cdd-b7b4-8899ea88d289" providerId="ADAL" clId="{4403439A-50EC-49D8-B7F6-3D7264685FDE}" dt="2025-07-10T05:44:34.935" v="15" actId="20577"/>
@@ -408,14 +383,6 @@
           <pc:docMk/>
           <pc:sldMk cId="3471097262" sldId="261"/>
         </pc:sldMkLst>
-        <pc:spChg chg="mod">
-          <ac:chgData name="Graf Thomas, SCS-INI-NET-VNC-E2E" userId="487bc3e3-9ce7-4cdd-b7b4-8899ea88d289" providerId="ADAL" clId="{4403439A-50EC-49D8-B7F6-3D7264685FDE}" dt="2025-07-10T05:44:34.935" v="15" actId="20577"/>
-          <ac:spMkLst>
-            <pc:docMk/>
-            <pc:sldMk cId="3471097262" sldId="261"/>
-            <ac:spMk id="3" creationId="{DA4A6F5D-9442-B583-BAB9-5A102B90EC22}"/>
-          </ac:spMkLst>
-        </pc:spChg>
       </pc:sldChg>
       <pc:sldChg chg="addSp delSp modSp mod">
         <pc:chgData name="Graf Thomas, SCS-INI-NET-VNC-E2E" userId="487bc3e3-9ce7-4cdd-b7b4-8899ea88d289" providerId="ADAL" clId="{4403439A-50EC-49D8-B7F6-3D7264685FDE}" dt="2025-07-21T05:25:01.641" v="1423" actId="1076"/>
@@ -423,32 +390,275 @@
           <pc:docMk/>
           <pc:sldMk cId="2332748115" sldId="263"/>
         </pc:sldMkLst>
+      </pc:sldChg>
+      <pc:sldChg chg="addSp delSp modSp mod">
+        <pc:chgData name="Graf Thomas, SCS-INI-NET-VNC-E2E" userId="487bc3e3-9ce7-4cdd-b7b4-8899ea88d289" providerId="ADAL" clId="{4403439A-50EC-49D8-B7F6-3D7264685FDE}" dt="2025-07-14T15:38:27.636" v="757" actId="1076"/>
+        <pc:sldMkLst>
+          <pc:docMk/>
+          <pc:sldMk cId="703495152" sldId="264"/>
+        </pc:sldMkLst>
+      </pc:sldChg>
+      <pc:sldChg chg="modSp mod">
+        <pc:chgData name="Graf Thomas, SCS-INI-NET-VNC-E2E" userId="487bc3e3-9ce7-4cdd-b7b4-8899ea88d289" providerId="ADAL" clId="{4403439A-50EC-49D8-B7F6-3D7264685FDE}" dt="2025-07-10T06:06:38.835" v="223" actId="14100"/>
+        <pc:sldMkLst>
+          <pc:docMk/>
+          <pc:sldMk cId="1372742302" sldId="266"/>
+        </pc:sldMkLst>
+      </pc:sldChg>
+      <pc:sldChg chg="modSp add mod">
+        <pc:chgData name="Graf Thomas, SCS-INI-NET-VNC-E2E" userId="487bc3e3-9ce7-4cdd-b7b4-8899ea88d289" providerId="ADAL" clId="{4403439A-50EC-49D8-B7F6-3D7264685FDE}" dt="2025-07-10T06:00:40.529" v="209" actId="20577"/>
+        <pc:sldMkLst>
+          <pc:docMk/>
+          <pc:sldMk cId="1383312952" sldId="267"/>
+        </pc:sldMkLst>
+      </pc:sldChg>
+      <pc:sldChg chg="modSp add mod ord">
+        <pc:chgData name="Graf Thomas, SCS-INI-NET-VNC-E2E" userId="487bc3e3-9ce7-4cdd-b7b4-8899ea88d289" providerId="ADAL" clId="{4403439A-50EC-49D8-B7F6-3D7264685FDE}" dt="2025-07-10T06:00:34.413" v="207" actId="20577"/>
+        <pc:sldMkLst>
+          <pc:docMk/>
+          <pc:sldMk cId="1659843495" sldId="268"/>
+        </pc:sldMkLst>
+      </pc:sldChg>
+      <pc:sldChg chg="modSp add mod">
+        <pc:chgData name="Graf Thomas, SCS-INI-NET-VNC-E2E" userId="487bc3e3-9ce7-4cdd-b7b4-8899ea88d289" providerId="ADAL" clId="{4403439A-50EC-49D8-B7F6-3D7264685FDE}" dt="2025-07-10T06:19:40.757" v="684" actId="20577"/>
+        <pc:sldMkLst>
+          <pc:docMk/>
+          <pc:sldMk cId="2128497270" sldId="269"/>
+        </pc:sldMkLst>
+      </pc:sldChg>
+      <pc:sldChg chg="modSp add mod ord">
+        <pc:chgData name="Graf Thomas, SCS-INI-NET-VNC-E2E" userId="487bc3e3-9ce7-4cdd-b7b4-8899ea88d289" providerId="ADAL" clId="{4403439A-50EC-49D8-B7F6-3D7264685FDE}" dt="2025-07-15T09:01:50.650" v="1407" actId="20577"/>
+        <pc:sldMkLst>
+          <pc:docMk/>
+          <pc:sldMk cId="2434865477" sldId="270"/>
+        </pc:sldMkLst>
+      </pc:sldChg>
+      <pc:sldChg chg="addSp delSp modSp add mod">
+        <pc:chgData name="Graf Thomas, SCS-INI-NET-VNC-E2E" userId="487bc3e3-9ce7-4cdd-b7b4-8899ea88d289" providerId="ADAL" clId="{4403439A-50EC-49D8-B7F6-3D7264685FDE}" dt="2025-07-14T15:38:57.390" v="780" actId="1076"/>
+        <pc:sldMkLst>
+          <pc:docMk/>
+          <pc:sldMk cId="1859012803" sldId="271"/>
+        </pc:sldMkLst>
+      </pc:sldChg>
+    </pc:docChg>
+  </pc:docChgLst>
+  <pc:docChgLst>
+    <pc:chgData name="Graf Thomas, SCS-INI-NET-VNC-E2E" userId="487bc3e3-9ce7-4cdd-b7b4-8899ea88d289" providerId="ADAL" clId="{4725F99E-EFE0-4780-BB38-6BDDFB9F73C4}"/>
+    <pc:docChg chg="undo custSel delSld modSld">
+      <pc:chgData name="Graf Thomas, SCS-INI-NET-VNC-E2E" userId="487bc3e3-9ce7-4cdd-b7b4-8899ea88d289" providerId="ADAL" clId="{4725F99E-EFE0-4780-BB38-6BDDFB9F73C4}" dt="2025-10-27T07:49:36.115" v="1042" actId="20577"/>
+      <pc:docMkLst>
+        <pc:docMk/>
+      </pc:docMkLst>
+      <pc:sldChg chg="modSp mod">
+        <pc:chgData name="Graf Thomas, SCS-INI-NET-VNC-E2E" userId="487bc3e3-9ce7-4cdd-b7b4-8899ea88d289" providerId="ADAL" clId="{4725F99E-EFE0-4780-BB38-6BDDFB9F73C4}" dt="2025-10-27T07:43:43.844" v="1022" actId="790"/>
+        <pc:sldMkLst>
+          <pc:docMk/>
+          <pc:sldMk cId="0" sldId="256"/>
+        </pc:sldMkLst>
         <pc:spChg chg="mod">
-          <ac:chgData name="Graf Thomas, SCS-INI-NET-VNC-E2E" userId="487bc3e3-9ce7-4cdd-b7b4-8899ea88d289" providerId="ADAL" clId="{4403439A-50EC-49D8-B7F6-3D7264685FDE}" dt="2025-07-10T05:46:52.279" v="39" actId="20577"/>
+          <ac:chgData name="Graf Thomas, SCS-INI-NET-VNC-E2E" userId="487bc3e3-9ce7-4cdd-b7b4-8899ea88d289" providerId="ADAL" clId="{4725F99E-EFE0-4780-BB38-6BDDFB9F73C4}" dt="2025-10-27T07:43:43.844" v="1022" actId="790"/>
+          <ac:spMkLst>
+            <pc:docMk/>
+            <pc:sldMk cId="0" sldId="256"/>
+            <ac:spMk id="99" creationId="{00000000-0000-0000-0000-000000000000}"/>
+          </ac:spMkLst>
+        </pc:spChg>
+        <pc:spChg chg="mod">
+          <ac:chgData name="Graf Thomas, SCS-INI-NET-VNC-E2E" userId="487bc3e3-9ce7-4cdd-b7b4-8899ea88d289" providerId="ADAL" clId="{4725F99E-EFE0-4780-BB38-6BDDFB9F73C4}" dt="2025-10-27T07:43:43.844" v="1022" actId="790"/>
+          <ac:spMkLst>
+            <pc:docMk/>
+            <pc:sldMk cId="0" sldId="256"/>
+            <ac:spMk id="100" creationId="{00000000-0000-0000-0000-000000000000}"/>
+          </ac:spMkLst>
+        </pc:spChg>
+        <pc:spChg chg="mod">
+          <ac:chgData name="Graf Thomas, SCS-INI-NET-VNC-E2E" userId="487bc3e3-9ce7-4cdd-b7b4-8899ea88d289" providerId="ADAL" clId="{4725F99E-EFE0-4780-BB38-6BDDFB9F73C4}" dt="2025-10-27T07:43:43.844" v="1022" actId="790"/>
+          <ac:spMkLst>
+            <pc:docMk/>
+            <pc:sldMk cId="0" sldId="256"/>
+            <ac:spMk id="101" creationId="{00000000-0000-0000-0000-000000000000}"/>
+          </ac:spMkLst>
+        </pc:spChg>
+        <pc:spChg chg="mod">
+          <ac:chgData name="Graf Thomas, SCS-INI-NET-VNC-E2E" userId="487bc3e3-9ce7-4cdd-b7b4-8899ea88d289" providerId="ADAL" clId="{4725F99E-EFE0-4780-BB38-6BDDFB9F73C4}" dt="2025-10-27T07:43:43.844" v="1022" actId="790"/>
+          <ac:spMkLst>
+            <pc:docMk/>
+            <pc:sldMk cId="0" sldId="256"/>
+            <ac:spMk id="102" creationId="{00000000-0000-0000-0000-000000000000}"/>
+          </ac:spMkLst>
+        </pc:spChg>
+      </pc:sldChg>
+      <pc:sldChg chg="modSp mod">
+        <pc:chgData name="Graf Thomas, SCS-INI-NET-VNC-E2E" userId="487bc3e3-9ce7-4cdd-b7b4-8899ea88d289" providerId="ADAL" clId="{4725F99E-EFE0-4780-BB38-6BDDFB9F73C4}" dt="2025-10-27T07:43:53.689" v="1023" actId="790"/>
+        <pc:sldMkLst>
+          <pc:docMk/>
+          <pc:sldMk cId="0" sldId="257"/>
+        </pc:sldMkLst>
+        <pc:spChg chg="mod">
+          <ac:chgData name="Graf Thomas, SCS-INI-NET-VNC-E2E" userId="487bc3e3-9ce7-4cdd-b7b4-8899ea88d289" providerId="ADAL" clId="{4725F99E-EFE0-4780-BB38-6BDDFB9F73C4}" dt="2025-10-27T07:43:53.689" v="1023" actId="790"/>
+          <ac:spMkLst>
+            <pc:docMk/>
+            <pc:sldMk cId="0" sldId="257"/>
+            <ac:spMk id="107" creationId="{00000000-0000-0000-0000-000000000000}"/>
+          </ac:spMkLst>
+        </pc:spChg>
+        <pc:spChg chg="mod">
+          <ac:chgData name="Graf Thomas, SCS-INI-NET-VNC-E2E" userId="487bc3e3-9ce7-4cdd-b7b4-8899ea88d289" providerId="ADAL" clId="{4725F99E-EFE0-4780-BB38-6BDDFB9F73C4}" dt="2025-10-27T07:43:53.689" v="1023" actId="790"/>
+          <ac:spMkLst>
+            <pc:docMk/>
+            <pc:sldMk cId="0" sldId="257"/>
+            <ac:spMk id="108" creationId="{00000000-0000-0000-0000-000000000000}"/>
+          </ac:spMkLst>
+        </pc:spChg>
+      </pc:sldChg>
+      <pc:sldChg chg="modSp mod">
+        <pc:chgData name="Graf Thomas, SCS-INI-NET-VNC-E2E" userId="487bc3e3-9ce7-4cdd-b7b4-8899ea88d289" providerId="ADAL" clId="{4725F99E-EFE0-4780-BB38-6BDDFB9F73C4}" dt="2025-10-27T07:44:00.397" v="1024" actId="790"/>
+        <pc:sldMkLst>
+          <pc:docMk/>
+          <pc:sldMk cId="0" sldId="258"/>
+        </pc:sldMkLst>
+        <pc:spChg chg="mod">
+          <ac:chgData name="Graf Thomas, SCS-INI-NET-VNC-E2E" userId="487bc3e3-9ce7-4cdd-b7b4-8899ea88d289" providerId="ADAL" clId="{4725F99E-EFE0-4780-BB38-6BDDFB9F73C4}" dt="2025-10-27T07:44:00.397" v="1024" actId="790"/>
+          <ac:spMkLst>
+            <pc:docMk/>
+            <pc:sldMk cId="0" sldId="258"/>
+            <ac:spMk id="113" creationId="{00000000-0000-0000-0000-000000000000}"/>
+          </ac:spMkLst>
+        </pc:spChg>
+        <pc:spChg chg="mod">
+          <ac:chgData name="Graf Thomas, SCS-INI-NET-VNC-E2E" userId="487bc3e3-9ce7-4cdd-b7b4-8899ea88d289" providerId="ADAL" clId="{4725F99E-EFE0-4780-BB38-6BDDFB9F73C4}" dt="2025-10-27T07:44:00.397" v="1024" actId="790"/>
+          <ac:spMkLst>
+            <pc:docMk/>
+            <pc:sldMk cId="0" sldId="258"/>
+            <ac:spMk id="114" creationId="{00000000-0000-0000-0000-000000000000}"/>
+          </ac:spMkLst>
+        </pc:spChg>
+      </pc:sldChg>
+      <pc:sldChg chg="modSp mod">
+        <pc:chgData name="Graf Thomas, SCS-INI-NET-VNC-E2E" userId="487bc3e3-9ce7-4cdd-b7b4-8899ea88d289" providerId="ADAL" clId="{4725F99E-EFE0-4780-BB38-6BDDFB9F73C4}" dt="2025-10-27T07:44:05.500" v="1025" actId="790"/>
+        <pc:sldMkLst>
+          <pc:docMk/>
+          <pc:sldMk cId="0" sldId="259"/>
+        </pc:sldMkLst>
+        <pc:spChg chg="mod">
+          <ac:chgData name="Graf Thomas, SCS-INI-NET-VNC-E2E" userId="487bc3e3-9ce7-4cdd-b7b4-8899ea88d289" providerId="ADAL" clId="{4725F99E-EFE0-4780-BB38-6BDDFB9F73C4}" dt="2025-10-27T07:44:05.500" v="1025" actId="790"/>
+          <ac:spMkLst>
+            <pc:docMk/>
+            <pc:sldMk cId="0" sldId="259"/>
+            <ac:spMk id="119" creationId="{00000000-0000-0000-0000-000000000000}"/>
+          </ac:spMkLst>
+        </pc:spChg>
+        <pc:spChg chg="mod">
+          <ac:chgData name="Graf Thomas, SCS-INI-NET-VNC-E2E" userId="487bc3e3-9ce7-4cdd-b7b4-8899ea88d289" providerId="ADAL" clId="{4725F99E-EFE0-4780-BB38-6BDDFB9F73C4}" dt="2025-10-27T07:44:05.500" v="1025" actId="790"/>
+          <ac:spMkLst>
+            <pc:docMk/>
+            <pc:sldMk cId="0" sldId="259"/>
+            <ac:spMk id="120" creationId="{00000000-0000-0000-0000-000000000000}"/>
+          </ac:spMkLst>
+        </pc:spChg>
+        <pc:spChg chg="mod">
+          <ac:chgData name="Graf Thomas, SCS-INI-NET-VNC-E2E" userId="487bc3e3-9ce7-4cdd-b7b4-8899ea88d289" providerId="ADAL" clId="{4725F99E-EFE0-4780-BB38-6BDDFB9F73C4}" dt="2025-10-27T07:44:05.500" v="1025" actId="790"/>
+          <ac:spMkLst>
+            <pc:docMk/>
+            <pc:sldMk cId="0" sldId="259"/>
+            <ac:spMk id="121" creationId="{00000000-0000-0000-0000-000000000000}"/>
+          </ac:spMkLst>
+        </pc:spChg>
+        <pc:spChg chg="mod">
+          <ac:chgData name="Graf Thomas, SCS-INI-NET-VNC-E2E" userId="487bc3e3-9ce7-4cdd-b7b4-8899ea88d289" providerId="ADAL" clId="{4725F99E-EFE0-4780-BB38-6BDDFB9F73C4}" dt="2025-10-27T07:44:05.500" v="1025" actId="790"/>
+          <ac:spMkLst>
+            <pc:docMk/>
+            <pc:sldMk cId="0" sldId="259"/>
+            <ac:spMk id="122" creationId="{00000000-0000-0000-0000-000000000000}"/>
+          </ac:spMkLst>
+        </pc:spChg>
+      </pc:sldChg>
+      <pc:sldChg chg="modSp mod">
+        <pc:chgData name="Graf Thomas, SCS-INI-NET-VNC-E2E" userId="487bc3e3-9ce7-4cdd-b7b4-8899ea88d289" providerId="ADAL" clId="{4725F99E-EFE0-4780-BB38-6BDDFB9F73C4}" dt="2025-10-27T07:48:29.201" v="1038" actId="14100"/>
+        <pc:sldMkLst>
+          <pc:docMk/>
+          <pc:sldMk cId="0" sldId="260"/>
+        </pc:sldMkLst>
+        <pc:spChg chg="mod">
+          <ac:chgData name="Graf Thomas, SCS-INI-NET-VNC-E2E" userId="487bc3e3-9ce7-4cdd-b7b4-8899ea88d289" providerId="ADAL" clId="{4725F99E-EFE0-4780-BB38-6BDDFB9F73C4}" dt="2025-10-27T07:29:40.824" v="870" actId="20577"/>
+          <ac:spMkLst>
+            <pc:docMk/>
+            <pc:sldMk cId="0" sldId="260"/>
+            <ac:spMk id="128" creationId="{00000000-0000-0000-0000-000000000000}"/>
+          </ac:spMkLst>
+        </pc:spChg>
+        <pc:spChg chg="mod">
+          <ac:chgData name="Graf Thomas, SCS-INI-NET-VNC-E2E" userId="487bc3e3-9ce7-4cdd-b7b4-8899ea88d289" providerId="ADAL" clId="{4725F99E-EFE0-4780-BB38-6BDDFB9F73C4}" dt="2025-10-27T07:48:29.201" v="1038" actId="14100"/>
+          <ac:spMkLst>
+            <pc:docMk/>
+            <pc:sldMk cId="0" sldId="260"/>
+            <ac:spMk id="130" creationId="{00000000-0000-0000-0000-000000000000}"/>
+          </ac:spMkLst>
+        </pc:spChg>
+      </pc:sldChg>
+      <pc:sldChg chg="modSp mod">
+        <pc:chgData name="Graf Thomas, SCS-INI-NET-VNC-E2E" userId="487bc3e3-9ce7-4cdd-b7b4-8899ea88d289" providerId="ADAL" clId="{4725F99E-EFE0-4780-BB38-6BDDFB9F73C4}" dt="2025-10-27T07:44:34.772" v="1029" actId="790"/>
+        <pc:sldMkLst>
+          <pc:docMk/>
+          <pc:sldMk cId="3471097262" sldId="261"/>
+        </pc:sldMkLst>
+        <pc:spChg chg="mod">
+          <ac:chgData name="Graf Thomas, SCS-INI-NET-VNC-E2E" userId="487bc3e3-9ce7-4cdd-b7b4-8899ea88d289" providerId="ADAL" clId="{4725F99E-EFE0-4780-BB38-6BDDFB9F73C4}" dt="2025-10-27T07:44:34.772" v="1029" actId="790"/>
+          <ac:spMkLst>
+            <pc:docMk/>
+            <pc:sldMk cId="3471097262" sldId="261"/>
+            <ac:spMk id="2" creationId="{0B9E15DC-F076-98D2-1BDF-BC01FEC9047B}"/>
+          </ac:spMkLst>
+        </pc:spChg>
+        <pc:spChg chg="mod">
+          <ac:chgData name="Graf Thomas, SCS-INI-NET-VNC-E2E" userId="487bc3e3-9ce7-4cdd-b7b4-8899ea88d289" providerId="ADAL" clId="{4725F99E-EFE0-4780-BB38-6BDDFB9F73C4}" dt="2025-10-27T07:44:34.772" v="1029" actId="790"/>
+          <ac:spMkLst>
+            <pc:docMk/>
+            <pc:sldMk cId="3471097262" sldId="261"/>
+            <ac:spMk id="3" creationId="{DA4A6F5D-9442-B583-BAB9-5A102B90EC22}"/>
+          </ac:spMkLst>
+        </pc:spChg>
+        <pc:spChg chg="mod">
+          <ac:chgData name="Graf Thomas, SCS-INI-NET-VNC-E2E" userId="487bc3e3-9ce7-4cdd-b7b4-8899ea88d289" providerId="ADAL" clId="{4725F99E-EFE0-4780-BB38-6BDDFB9F73C4}" dt="2025-10-27T07:44:34.772" v="1029" actId="790"/>
+          <ac:spMkLst>
+            <pc:docMk/>
+            <pc:sldMk cId="3471097262" sldId="261"/>
+            <ac:spMk id="4" creationId="{D216BDC7-4DE9-D9D5-0725-BBEF6CFE8DF1}"/>
+          </ac:spMkLst>
+        </pc:spChg>
+      </pc:sldChg>
+      <pc:sldChg chg="addSp delSp modSp mod">
+        <pc:chgData name="Graf Thomas, SCS-INI-NET-VNC-E2E" userId="487bc3e3-9ce7-4cdd-b7b4-8899ea88d289" providerId="ADAL" clId="{4725F99E-EFE0-4780-BB38-6BDDFB9F73C4}" dt="2025-10-27T07:44:42.065" v="1030" actId="790"/>
+        <pc:sldMkLst>
+          <pc:docMk/>
+          <pc:sldMk cId="2332748115" sldId="263"/>
+        </pc:sldMkLst>
+        <pc:spChg chg="mod">
+          <ac:chgData name="Graf Thomas, SCS-INI-NET-VNC-E2E" userId="487bc3e3-9ce7-4cdd-b7b4-8899ea88d289" providerId="ADAL" clId="{4725F99E-EFE0-4780-BB38-6BDDFB9F73C4}" dt="2025-10-27T07:44:42.065" v="1030" actId="790"/>
           <ac:spMkLst>
             <pc:docMk/>
             <pc:sldMk cId="2332748115" sldId="263"/>
             <ac:spMk id="2" creationId="{0B9E15DC-F076-98D2-1BDF-BC01FEC9047B}"/>
           </ac:spMkLst>
         </pc:spChg>
-        <pc:picChg chg="add del mod">
-          <ac:chgData name="Graf Thomas, SCS-INI-NET-VNC-E2E" userId="487bc3e3-9ce7-4cdd-b7b4-8899ea88d289" providerId="ADAL" clId="{4403439A-50EC-49D8-B7F6-3D7264685FDE}" dt="2025-07-21T05:24:59.612" v="1422" actId="478"/>
+        <pc:spChg chg="mod">
+          <ac:chgData name="Graf Thomas, SCS-INI-NET-VNC-E2E" userId="487bc3e3-9ce7-4cdd-b7b4-8899ea88d289" providerId="ADAL" clId="{4725F99E-EFE0-4780-BB38-6BDDFB9F73C4}" dt="2025-10-27T07:44:42.065" v="1030" actId="790"/>
+          <ac:spMkLst>
+            <pc:docMk/>
+            <pc:sldMk cId="2332748115" sldId="263"/>
+            <ac:spMk id="4" creationId="{D216BDC7-4DE9-D9D5-0725-BBEF6CFE8DF1}"/>
+          </ac:spMkLst>
+        </pc:spChg>
+        <pc:picChg chg="add mod">
+          <ac:chgData name="Graf Thomas, SCS-INI-NET-VNC-E2E" userId="487bc3e3-9ce7-4cdd-b7b4-8899ea88d289" providerId="ADAL" clId="{4725F99E-EFE0-4780-BB38-6BDDFB9F73C4}" dt="2025-10-27T07:37:15.090" v="980" actId="1076"/>
           <ac:picMkLst>
             <pc:docMk/>
             <pc:sldMk cId="2332748115" sldId="263"/>
-            <ac:picMk id="5" creationId="{D3B1A1F3-3D81-6490-3FFD-0EF242AB0EF3}"/>
+            <ac:picMk id="5" creationId="{C77538C2-7C9A-3216-1AE2-BF708EE8B9D4}"/>
           </ac:picMkLst>
         </pc:picChg>
-        <pc:picChg chg="add del mod">
-          <ac:chgData name="Graf Thomas, SCS-INI-NET-VNC-E2E" userId="487bc3e3-9ce7-4cdd-b7b4-8899ea88d289" providerId="ADAL" clId="{4403439A-50EC-49D8-B7F6-3D7264685FDE}" dt="2025-07-21T05:24:18.513" v="1411" actId="478"/>
-          <ac:picMkLst>
-            <pc:docMk/>
-            <pc:sldMk cId="2332748115" sldId="263"/>
-            <ac:picMk id="6" creationId="{399F01CF-D8ED-6B9B-6F68-E9E3EDFB133E}"/>
-          </ac:picMkLst>
-        </pc:picChg>
-        <pc:picChg chg="add mod">
-          <ac:chgData name="Graf Thomas, SCS-INI-NET-VNC-E2E" userId="487bc3e3-9ce7-4cdd-b7b4-8899ea88d289" providerId="ADAL" clId="{4403439A-50EC-49D8-B7F6-3D7264685FDE}" dt="2025-07-21T05:25:01.641" v="1423" actId="1076"/>
+        <pc:picChg chg="del">
+          <ac:chgData name="Graf Thomas, SCS-INI-NET-VNC-E2E" userId="487bc3e3-9ce7-4cdd-b7b4-8899ea88d289" providerId="ADAL" clId="{4725F99E-EFE0-4780-BB38-6BDDFB9F73C4}" dt="2025-10-27T07:37:12.161" v="978" actId="478"/>
           <ac:picMkLst>
             <pc:docMk/>
             <pc:sldMk cId="2332748115" sldId="263"/>
@@ -457,21 +667,37 @@
         </pc:picChg>
       </pc:sldChg>
       <pc:sldChg chg="addSp delSp modSp mod">
-        <pc:chgData name="Graf Thomas, SCS-INI-NET-VNC-E2E" userId="487bc3e3-9ce7-4cdd-b7b4-8899ea88d289" providerId="ADAL" clId="{4403439A-50EC-49D8-B7F6-3D7264685FDE}" dt="2025-07-14T15:38:27.636" v="757" actId="1076"/>
+        <pc:chgData name="Graf Thomas, SCS-INI-NET-VNC-E2E" userId="487bc3e3-9ce7-4cdd-b7b4-8899ea88d289" providerId="ADAL" clId="{4725F99E-EFE0-4780-BB38-6BDDFB9F73C4}" dt="2025-10-27T07:48:38.632" v="1041" actId="14100"/>
         <pc:sldMkLst>
           <pc:docMk/>
           <pc:sldMk cId="703495152" sldId="264"/>
         </pc:sldMkLst>
         <pc:spChg chg="mod">
-          <ac:chgData name="Graf Thomas, SCS-INI-NET-VNC-E2E" userId="487bc3e3-9ce7-4cdd-b7b4-8899ea88d289" providerId="ADAL" clId="{4403439A-50EC-49D8-B7F6-3D7264685FDE}" dt="2025-07-10T05:47:22.926" v="64" actId="20577"/>
+          <ac:chgData name="Graf Thomas, SCS-INI-NET-VNC-E2E" userId="487bc3e3-9ce7-4cdd-b7b4-8899ea88d289" providerId="ADAL" clId="{4725F99E-EFE0-4780-BB38-6BDDFB9F73C4}" dt="2025-10-27T07:44:47.943" v="1031" actId="790"/>
           <ac:spMkLst>
             <pc:docMk/>
             <pc:sldMk cId="703495152" sldId="264"/>
             <ac:spMk id="2" creationId="{0B9E15DC-F076-98D2-1BDF-BC01FEC9047B}"/>
           </ac:spMkLst>
         </pc:spChg>
+        <pc:spChg chg="mod">
+          <ac:chgData name="Graf Thomas, SCS-INI-NET-VNC-E2E" userId="487bc3e3-9ce7-4cdd-b7b4-8899ea88d289" providerId="ADAL" clId="{4725F99E-EFE0-4780-BB38-6BDDFB9F73C4}" dt="2025-10-27T07:48:38.632" v="1041" actId="14100"/>
+          <ac:spMkLst>
+            <pc:docMk/>
+            <pc:sldMk cId="703495152" sldId="264"/>
+            <ac:spMk id="4" creationId="{D216BDC7-4DE9-D9D5-0725-BBEF6CFE8DF1}"/>
+          </ac:spMkLst>
+        </pc:spChg>
         <pc:picChg chg="add mod">
-          <ac:chgData name="Graf Thomas, SCS-INI-NET-VNC-E2E" userId="487bc3e3-9ce7-4cdd-b7b4-8899ea88d289" providerId="ADAL" clId="{4403439A-50EC-49D8-B7F6-3D7264685FDE}" dt="2025-07-14T15:38:27.636" v="757" actId="1076"/>
+          <ac:chgData name="Graf Thomas, SCS-INI-NET-VNC-E2E" userId="487bc3e3-9ce7-4cdd-b7b4-8899ea88d289" providerId="ADAL" clId="{4725F99E-EFE0-4780-BB38-6BDDFB9F73C4}" dt="2025-10-27T07:37:48.587" v="984" actId="1076"/>
+          <ac:picMkLst>
+            <pc:docMk/>
+            <pc:sldMk cId="703495152" sldId="264"/>
+            <ac:picMk id="5" creationId="{955DED86-4359-400B-59BB-069A3354E9A8}"/>
+          </ac:picMkLst>
+        </pc:picChg>
+        <pc:picChg chg="del">
+          <ac:chgData name="Graf Thomas, SCS-INI-NET-VNC-E2E" userId="487bc3e3-9ce7-4cdd-b7b4-8899ea88d289" providerId="ADAL" clId="{4725F99E-EFE0-4780-BB38-6BDDFB9F73C4}" dt="2025-10-27T07:37:42.540" v="981" actId="478"/>
           <ac:picMkLst>
             <pc:docMk/>
             <pc:sldMk cId="703495152" sldId="264"/>
@@ -480,28 +706,44 @@
         </pc:picChg>
       </pc:sldChg>
       <pc:sldChg chg="modSp mod">
-        <pc:chgData name="Graf Thomas, SCS-INI-NET-VNC-E2E" userId="487bc3e3-9ce7-4cdd-b7b4-8899ea88d289" providerId="ADAL" clId="{4403439A-50EC-49D8-B7F6-3D7264685FDE}" dt="2025-07-10T06:06:38.835" v="223" actId="14100"/>
+        <pc:chgData name="Graf Thomas, SCS-INI-NET-VNC-E2E" userId="487bc3e3-9ce7-4cdd-b7b4-8899ea88d289" providerId="ADAL" clId="{4725F99E-EFE0-4780-BB38-6BDDFB9F73C4}" dt="2025-10-27T07:48:32.985" v="1039" actId="14100"/>
         <pc:sldMkLst>
           <pc:docMk/>
           <pc:sldMk cId="1372742302" sldId="266"/>
         </pc:sldMkLst>
         <pc:spChg chg="mod">
-          <ac:chgData name="Graf Thomas, SCS-INI-NET-VNC-E2E" userId="487bc3e3-9ce7-4cdd-b7b4-8899ea88d289" providerId="ADAL" clId="{4403439A-50EC-49D8-B7F6-3D7264685FDE}" dt="2025-07-10T06:06:38.835" v="223" actId="14100"/>
+          <ac:chgData name="Graf Thomas, SCS-INI-NET-VNC-E2E" userId="487bc3e3-9ce7-4cdd-b7b4-8899ea88d289" providerId="ADAL" clId="{4725F99E-EFE0-4780-BB38-6BDDFB9F73C4}" dt="2025-10-27T07:44:54.836" v="1032" actId="790"/>
           <ac:spMkLst>
             <pc:docMk/>
             <pc:sldMk cId="1372742302" sldId="266"/>
             <ac:spMk id="2" creationId="{0B9E15DC-F076-98D2-1BDF-BC01FEC9047B}"/>
           </ac:spMkLst>
         </pc:spChg>
+        <pc:spChg chg="mod">
+          <ac:chgData name="Graf Thomas, SCS-INI-NET-VNC-E2E" userId="487bc3e3-9ce7-4cdd-b7b4-8899ea88d289" providerId="ADAL" clId="{4725F99E-EFE0-4780-BB38-6BDDFB9F73C4}" dt="2025-10-27T07:44:54.836" v="1032" actId="790"/>
+          <ac:spMkLst>
+            <pc:docMk/>
+            <pc:sldMk cId="1372742302" sldId="266"/>
+            <ac:spMk id="3" creationId="{FED4E835-D652-159B-D0CD-7FC58A509645}"/>
+          </ac:spMkLst>
+        </pc:spChg>
+        <pc:spChg chg="mod">
+          <ac:chgData name="Graf Thomas, SCS-INI-NET-VNC-E2E" userId="487bc3e3-9ce7-4cdd-b7b4-8899ea88d289" providerId="ADAL" clId="{4725F99E-EFE0-4780-BB38-6BDDFB9F73C4}" dt="2025-10-27T07:48:32.985" v="1039" actId="14100"/>
+          <ac:spMkLst>
+            <pc:docMk/>
+            <pc:sldMk cId="1372742302" sldId="266"/>
+            <ac:spMk id="4" creationId="{D216BDC7-4DE9-D9D5-0725-BBEF6CFE8DF1}"/>
+          </ac:spMkLst>
+        </pc:spChg>
       </pc:sldChg>
-      <pc:sldChg chg="modSp add mod">
-        <pc:chgData name="Graf Thomas, SCS-INI-NET-VNC-E2E" userId="487bc3e3-9ce7-4cdd-b7b4-8899ea88d289" providerId="ADAL" clId="{4403439A-50EC-49D8-B7F6-3D7264685FDE}" dt="2025-07-10T06:00:40.529" v="209" actId="20577"/>
+      <pc:sldChg chg="modSp mod">
+        <pc:chgData name="Graf Thomas, SCS-INI-NET-VNC-E2E" userId="487bc3e3-9ce7-4cdd-b7b4-8899ea88d289" providerId="ADAL" clId="{4725F99E-EFE0-4780-BB38-6BDDFB9F73C4}" dt="2025-10-27T07:44:28.099" v="1028" actId="790"/>
         <pc:sldMkLst>
           <pc:docMk/>
           <pc:sldMk cId="1383312952" sldId="267"/>
         </pc:sldMkLst>
         <pc:spChg chg="mod">
-          <ac:chgData name="Graf Thomas, SCS-INI-NET-VNC-E2E" userId="487bc3e3-9ce7-4cdd-b7b4-8899ea88d289" providerId="ADAL" clId="{4403439A-50EC-49D8-B7F6-3D7264685FDE}" dt="2025-07-10T05:53:23.418" v="89" actId="20577"/>
+          <ac:chgData name="Graf Thomas, SCS-INI-NET-VNC-E2E" userId="487bc3e3-9ce7-4cdd-b7b4-8899ea88d289" providerId="ADAL" clId="{4725F99E-EFE0-4780-BB38-6BDDFB9F73C4}" dt="2025-10-27T07:44:28.099" v="1028" actId="790"/>
           <ac:spMkLst>
             <pc:docMk/>
             <pc:sldMk cId="1383312952" sldId="267"/>
@@ -509,7 +751,7 @@
           </ac:spMkLst>
         </pc:spChg>
         <pc:spChg chg="mod">
-          <ac:chgData name="Graf Thomas, SCS-INI-NET-VNC-E2E" userId="487bc3e3-9ce7-4cdd-b7b4-8899ea88d289" providerId="ADAL" clId="{4403439A-50EC-49D8-B7F6-3D7264685FDE}" dt="2025-07-10T06:00:40.529" v="209" actId="20577"/>
+          <ac:chgData name="Graf Thomas, SCS-INI-NET-VNC-E2E" userId="487bc3e3-9ce7-4cdd-b7b4-8899ea88d289" providerId="ADAL" clId="{4725F99E-EFE0-4780-BB38-6BDDFB9F73C4}" dt="2025-10-27T07:44:28.099" v="1028" actId="790"/>
           <ac:spMkLst>
             <pc:docMk/>
             <pc:sldMk cId="1383312952" sldId="267"/>
@@ -517,14 +759,14 @@
           </ac:spMkLst>
         </pc:spChg>
       </pc:sldChg>
-      <pc:sldChg chg="modSp add mod ord">
-        <pc:chgData name="Graf Thomas, SCS-INI-NET-VNC-E2E" userId="487bc3e3-9ce7-4cdd-b7b4-8899ea88d289" providerId="ADAL" clId="{4403439A-50EC-49D8-B7F6-3D7264685FDE}" dt="2025-07-10T06:00:34.413" v="207" actId="20577"/>
+      <pc:sldChg chg="modSp mod">
+        <pc:chgData name="Graf Thomas, SCS-INI-NET-VNC-E2E" userId="487bc3e3-9ce7-4cdd-b7b4-8899ea88d289" providerId="ADAL" clId="{4725F99E-EFE0-4780-BB38-6BDDFB9F73C4}" dt="2025-10-27T07:44:19.944" v="1027" actId="790"/>
         <pc:sldMkLst>
           <pc:docMk/>
           <pc:sldMk cId="1659843495" sldId="268"/>
         </pc:sldMkLst>
         <pc:spChg chg="mod">
-          <ac:chgData name="Graf Thomas, SCS-INI-NET-VNC-E2E" userId="487bc3e3-9ce7-4cdd-b7b4-8899ea88d289" providerId="ADAL" clId="{4403439A-50EC-49D8-B7F6-3D7264685FDE}" dt="2025-07-10T05:56:49.046" v="141" actId="20577"/>
+          <ac:chgData name="Graf Thomas, SCS-INI-NET-VNC-E2E" userId="487bc3e3-9ce7-4cdd-b7b4-8899ea88d289" providerId="ADAL" clId="{4725F99E-EFE0-4780-BB38-6BDDFB9F73C4}" dt="2025-10-27T07:44:19.944" v="1027" actId="790"/>
           <ac:spMkLst>
             <pc:docMk/>
             <pc:sldMk cId="1659843495" sldId="268"/>
@@ -532,7 +774,7 @@
           </ac:spMkLst>
         </pc:spChg>
         <pc:spChg chg="mod">
-          <ac:chgData name="Graf Thomas, SCS-INI-NET-VNC-E2E" userId="487bc3e3-9ce7-4cdd-b7b4-8899ea88d289" providerId="ADAL" clId="{4403439A-50EC-49D8-B7F6-3D7264685FDE}" dt="2025-07-10T06:00:34.413" v="207" actId="20577"/>
+          <ac:chgData name="Graf Thomas, SCS-INI-NET-VNC-E2E" userId="487bc3e3-9ce7-4cdd-b7b4-8899ea88d289" providerId="ADAL" clId="{4725F99E-EFE0-4780-BB38-6BDDFB9F73C4}" dt="2025-10-27T07:44:19.944" v="1027" actId="790"/>
           <ac:spMkLst>
             <pc:docMk/>
             <pc:sldMk cId="1659843495" sldId="268"/>
@@ -540,29 +782,45 @@
           </ac:spMkLst>
         </pc:spChg>
       </pc:sldChg>
-      <pc:sldChg chg="modSp add mod">
-        <pc:chgData name="Graf Thomas, SCS-INI-NET-VNC-E2E" userId="487bc3e3-9ce7-4cdd-b7b4-8899ea88d289" providerId="ADAL" clId="{4403439A-50EC-49D8-B7F6-3D7264685FDE}" dt="2025-07-10T06:19:40.757" v="684" actId="20577"/>
+      <pc:sldChg chg="modSp mod">
+        <pc:chgData name="Graf Thomas, SCS-INI-NET-VNC-E2E" userId="487bc3e3-9ce7-4cdd-b7b4-8899ea88d289" providerId="ADAL" clId="{4725F99E-EFE0-4780-BB38-6BDDFB9F73C4}" dt="2025-10-27T07:48:26.232" v="1037" actId="14100"/>
         <pc:sldMkLst>
           <pc:docMk/>
           <pc:sldMk cId="2128497270" sldId="269"/>
         </pc:sldMkLst>
         <pc:spChg chg="mod">
-          <ac:chgData name="Graf Thomas, SCS-INI-NET-VNC-E2E" userId="487bc3e3-9ce7-4cdd-b7b4-8899ea88d289" providerId="ADAL" clId="{4403439A-50EC-49D8-B7F6-3D7264685FDE}" dt="2025-07-10T06:19:40.757" v="684" actId="20577"/>
+          <ac:chgData name="Graf Thomas, SCS-INI-NET-VNC-E2E" userId="487bc3e3-9ce7-4cdd-b7b4-8899ea88d289" providerId="ADAL" clId="{4725F99E-EFE0-4780-BB38-6BDDFB9F73C4}" dt="2025-10-27T07:45:01.423" v="1033" actId="790"/>
+          <ac:spMkLst>
+            <pc:docMk/>
+            <pc:sldMk cId="2128497270" sldId="269"/>
+            <ac:spMk id="2" creationId="{0B9E15DC-F076-98D2-1BDF-BC01FEC9047B}"/>
+          </ac:spMkLst>
+        </pc:spChg>
+        <pc:spChg chg="mod">
+          <ac:chgData name="Graf Thomas, SCS-INI-NET-VNC-E2E" userId="487bc3e3-9ce7-4cdd-b7b4-8899ea88d289" providerId="ADAL" clId="{4725F99E-EFE0-4780-BB38-6BDDFB9F73C4}" dt="2025-10-27T07:48:05.605" v="1036" actId="20577"/>
           <ac:spMkLst>
             <pc:docMk/>
             <pc:sldMk cId="2128497270" sldId="269"/>
             <ac:spMk id="3" creationId="{FED4E835-D652-159B-D0CD-7FC58A509645}"/>
           </ac:spMkLst>
         </pc:spChg>
+        <pc:spChg chg="mod">
+          <ac:chgData name="Graf Thomas, SCS-INI-NET-VNC-E2E" userId="487bc3e3-9ce7-4cdd-b7b4-8899ea88d289" providerId="ADAL" clId="{4725F99E-EFE0-4780-BB38-6BDDFB9F73C4}" dt="2025-10-27T07:48:26.232" v="1037" actId="14100"/>
+          <ac:spMkLst>
+            <pc:docMk/>
+            <pc:sldMk cId="2128497270" sldId="269"/>
+            <ac:spMk id="4" creationId="{D216BDC7-4DE9-D9D5-0725-BBEF6CFE8DF1}"/>
+          </ac:spMkLst>
+        </pc:spChg>
       </pc:sldChg>
-      <pc:sldChg chg="modSp add mod ord">
-        <pc:chgData name="Graf Thomas, SCS-INI-NET-VNC-E2E" userId="487bc3e3-9ce7-4cdd-b7b4-8899ea88d289" providerId="ADAL" clId="{4403439A-50EC-49D8-B7F6-3D7264685FDE}" dt="2025-07-15T09:01:50.650" v="1407" actId="20577"/>
+      <pc:sldChg chg="modSp mod">
+        <pc:chgData name="Graf Thomas, SCS-INI-NET-VNC-E2E" userId="487bc3e3-9ce7-4cdd-b7b4-8899ea88d289" providerId="ADAL" clId="{4725F99E-EFE0-4780-BB38-6BDDFB9F73C4}" dt="2025-10-27T07:49:36.115" v="1042" actId="20577"/>
         <pc:sldMkLst>
           <pc:docMk/>
           <pc:sldMk cId="2434865477" sldId="270"/>
         </pc:sldMkLst>
         <pc:spChg chg="mod">
-          <ac:chgData name="Graf Thomas, SCS-INI-NET-VNC-E2E" userId="487bc3e3-9ce7-4cdd-b7b4-8899ea88d289" providerId="ADAL" clId="{4403439A-50EC-49D8-B7F6-3D7264685FDE}" dt="2025-07-10T06:23:00.206" v="716" actId="20577"/>
+          <ac:chgData name="Graf Thomas, SCS-INI-NET-VNC-E2E" userId="487bc3e3-9ce7-4cdd-b7b4-8899ea88d289" providerId="ADAL" clId="{4725F99E-EFE0-4780-BB38-6BDDFB9F73C4}" dt="2025-10-27T07:44:12.337" v="1026" actId="790"/>
           <ac:spMkLst>
             <pc:docMk/>
             <pc:sldMk cId="2434865477" sldId="270"/>
@@ -570,36 +828,67 @@
           </ac:spMkLst>
         </pc:spChg>
         <pc:spChg chg="mod">
-          <ac:chgData name="Graf Thomas, SCS-INI-NET-VNC-E2E" userId="487bc3e3-9ce7-4cdd-b7b4-8899ea88d289" providerId="ADAL" clId="{4403439A-50EC-49D8-B7F6-3D7264685FDE}" dt="2025-07-15T09:01:50.650" v="1407" actId="20577"/>
+          <ac:chgData name="Graf Thomas, SCS-INI-NET-VNC-E2E" userId="487bc3e3-9ce7-4cdd-b7b4-8899ea88d289" providerId="ADAL" clId="{4725F99E-EFE0-4780-BB38-6BDDFB9F73C4}" dt="2025-10-27T07:49:36.115" v="1042" actId="20577"/>
           <ac:spMkLst>
             <pc:docMk/>
             <pc:sldMk cId="2434865477" sldId="270"/>
             <ac:spMk id="3" creationId="{DA4A6F5D-9442-B583-BAB9-5A102B90EC22}"/>
           </ac:spMkLst>
         </pc:spChg>
+        <pc:spChg chg="mod">
+          <ac:chgData name="Graf Thomas, SCS-INI-NET-VNC-E2E" userId="487bc3e3-9ce7-4cdd-b7b4-8899ea88d289" providerId="ADAL" clId="{4725F99E-EFE0-4780-BB38-6BDDFB9F73C4}" dt="2025-10-27T07:44:12.337" v="1026" actId="790"/>
+          <ac:spMkLst>
+            <pc:docMk/>
+            <pc:sldMk cId="2434865477" sldId="270"/>
+            <ac:spMk id="4" creationId="{D216BDC7-4DE9-D9D5-0725-BBEF6CFE8DF1}"/>
+          </ac:spMkLst>
+        </pc:spChg>
       </pc:sldChg>
-      <pc:sldChg chg="addSp delSp modSp add mod">
-        <pc:chgData name="Graf Thomas, SCS-INI-NET-VNC-E2E" userId="487bc3e3-9ce7-4cdd-b7b4-8899ea88d289" providerId="ADAL" clId="{4403439A-50EC-49D8-B7F6-3D7264685FDE}" dt="2025-07-14T15:38:57.390" v="780" actId="1076"/>
+      <pc:sldChg chg="addSp delSp modSp mod">
+        <pc:chgData name="Graf Thomas, SCS-INI-NET-VNC-E2E" userId="487bc3e3-9ce7-4cdd-b7b4-8899ea88d289" providerId="ADAL" clId="{4725F99E-EFE0-4780-BB38-6BDDFB9F73C4}" dt="2025-10-27T07:48:35.751" v="1040" actId="14100"/>
         <pc:sldMkLst>
           <pc:docMk/>
           <pc:sldMk cId="1859012803" sldId="271"/>
         </pc:sldMkLst>
         <pc:spChg chg="mod">
-          <ac:chgData name="Graf Thomas, SCS-INI-NET-VNC-E2E" userId="487bc3e3-9ce7-4cdd-b7b4-8899ea88d289" providerId="ADAL" clId="{4403439A-50EC-49D8-B7F6-3D7264685FDE}" dt="2025-07-14T15:38:38.557" v="777" actId="20577"/>
+          <ac:chgData name="Graf Thomas, SCS-INI-NET-VNC-E2E" userId="487bc3e3-9ce7-4cdd-b7b4-8899ea88d289" providerId="ADAL" clId="{4725F99E-EFE0-4780-BB38-6BDDFB9F73C4}" dt="2025-10-27T07:38:34.436" v="1021" actId="20577"/>
           <ac:spMkLst>
             <pc:docMk/>
             <pc:sldMk cId="1859012803" sldId="271"/>
             <ac:spMk id="2" creationId="{0B9E15DC-F076-98D2-1BDF-BC01FEC9047B}"/>
           </ac:spMkLst>
         </pc:spChg>
+        <pc:spChg chg="mod">
+          <ac:chgData name="Graf Thomas, SCS-INI-NET-VNC-E2E" userId="487bc3e3-9ce7-4cdd-b7b4-8899ea88d289" providerId="ADAL" clId="{4725F99E-EFE0-4780-BB38-6BDDFB9F73C4}" dt="2025-10-27T07:48:35.751" v="1040" actId="14100"/>
+          <ac:spMkLst>
+            <pc:docMk/>
+            <pc:sldMk cId="1859012803" sldId="271"/>
+            <ac:spMk id="4" creationId="{D216BDC7-4DE9-D9D5-0725-BBEF6CFE8DF1}"/>
+          </ac:spMkLst>
+        </pc:spChg>
         <pc:picChg chg="add mod">
-          <ac:chgData name="Graf Thomas, SCS-INI-NET-VNC-E2E" userId="487bc3e3-9ce7-4cdd-b7b4-8899ea88d289" providerId="ADAL" clId="{4403439A-50EC-49D8-B7F6-3D7264685FDE}" dt="2025-07-14T15:38:57.390" v="780" actId="1076"/>
+          <ac:chgData name="Graf Thomas, SCS-INI-NET-VNC-E2E" userId="487bc3e3-9ce7-4cdd-b7b4-8899ea88d289" providerId="ADAL" clId="{4725F99E-EFE0-4780-BB38-6BDDFB9F73C4}" dt="2025-10-27T07:38:15.639" v="987" actId="1076"/>
+          <ac:picMkLst>
+            <pc:docMk/>
+            <pc:sldMk cId="1859012803" sldId="271"/>
+            <ac:picMk id="5" creationId="{45D31BC4-5700-0D94-0AC5-B7C45E3F062E}"/>
+          </ac:picMkLst>
+        </pc:picChg>
+        <pc:picChg chg="del">
+          <ac:chgData name="Graf Thomas, SCS-INI-NET-VNC-E2E" userId="487bc3e3-9ce7-4cdd-b7b4-8899ea88d289" providerId="ADAL" clId="{4725F99E-EFE0-4780-BB38-6BDDFB9F73C4}" dt="2025-10-27T07:38:13.368" v="985" actId="478"/>
           <ac:picMkLst>
             <pc:docMk/>
             <pc:sldMk cId="1859012803" sldId="271"/>
             <ac:picMk id="8" creationId="{697269CB-B267-81D6-58B2-8188C7BB4F46}"/>
           </ac:picMkLst>
         </pc:picChg>
+      </pc:sldChg>
+      <pc:sldChg chg="del">
+        <pc:chgData name="Graf Thomas, SCS-INI-NET-VNC-E2E" userId="487bc3e3-9ce7-4cdd-b7b4-8899ea88d289" providerId="ADAL" clId="{4725F99E-EFE0-4780-BB38-6BDDFB9F73C4}" dt="2025-10-27T07:29:31.409" v="861" actId="2696"/>
+        <pc:sldMkLst>
+          <pc:docMk/>
+          <pc:sldMk cId="333926329" sldId="272"/>
+        </pc:sldMkLst>
       </pc:sldChg>
     </pc:docChg>
   </pc:docChgLst>
@@ -1389,7 +1678,7 @@
     </p:spTree>
     <p:extLst>
       <p:ext uri="{BB962C8B-B14F-4D97-AF65-F5344CB8AC3E}">
-        <p14:creationId xmlns:p14="http://schemas.microsoft.com/office/powerpoint/2010/main" val="3041220016"/>
+        <p14:creationId xmlns:p14="http://schemas.microsoft.com/office/powerpoint/2010/main" val="2444723583"/>
       </p:ext>
     </p:extLst>
   </p:cSld>
@@ -1400,72 +1689,6 @@
 </file>
 
 <file path=ppt/notesSlides/notesSlide13.xml><?xml version="1.0" encoding="utf-8"?>
-<p:notes xmlns:a="http://schemas.openxmlformats.org/drawingml/2006/main" xmlns:r="http://schemas.openxmlformats.org/officeDocument/2006/relationships" xmlns:p="http://schemas.openxmlformats.org/presentationml/2006/main">
-  <p:cSld>
-    <p:spTree>
-      <p:nvGrpSpPr>
-        <p:cNvPr id="1" name=""/>
-        <p:cNvGrpSpPr/>
-        <p:nvPr/>
-      </p:nvGrpSpPr>
-      <p:grpSpPr>
-        <a:xfrm>
-          <a:off x="0" y="0"/>
-          <a:ext cx="0" cy="0"/>
-          <a:chOff x="0" y="0"/>
-          <a:chExt cx="0" cy="0"/>
-        </a:xfrm>
-      </p:grpSpPr>
-      <p:sp>
-        <p:nvSpPr>
-          <p:cNvPr id="2" name="Slide Image Placeholder 1"/>
-          <p:cNvSpPr>
-            <a:spLocks noGrp="1" noRot="1" noChangeAspect="1"/>
-          </p:cNvSpPr>
-          <p:nvPr>
-            <p:ph type="sldImg"/>
-          </p:nvPr>
-        </p:nvSpPr>
-        <p:spPr>
-          <a:xfrm>
-            <a:off x="381000" y="685800"/>
-            <a:ext cx="6096000" cy="3429000"/>
-          </a:xfrm>
-        </p:spPr>
-      </p:sp>
-      <p:sp>
-        <p:nvSpPr>
-          <p:cNvPr id="3" name="Notes Placeholder 2"/>
-          <p:cNvSpPr>
-            <a:spLocks noGrp="1"/>
-          </p:cNvSpPr>
-          <p:nvPr>
-            <p:ph type="body" idx="1"/>
-          </p:nvPr>
-        </p:nvSpPr>
-        <p:spPr/>
-        <p:txBody>
-          <a:bodyPr/>
-          <a:lstStyle/>
-          <a:p>
-            <a:endParaRPr lang="en-US" dirty="0"/>
-          </a:p>
-        </p:txBody>
-      </p:sp>
-    </p:spTree>
-    <p:extLst>
-      <p:ext uri="{BB962C8B-B14F-4D97-AF65-F5344CB8AC3E}">
-        <p14:creationId xmlns:p14="http://schemas.microsoft.com/office/powerpoint/2010/main" val="2444723583"/>
-      </p:ext>
-    </p:extLst>
-  </p:cSld>
-  <p:clrMapOvr>
-    <a:masterClrMapping/>
-  </p:clrMapOvr>
-</p:notes>
-</file>
-
-<file path=ppt/notesSlides/notesSlide14.xml><?xml version="1.0" encoding="utf-8"?>
 <p:notes xmlns:a="http://schemas.openxmlformats.org/drawingml/2006/main" xmlns:r="http://schemas.openxmlformats.org/officeDocument/2006/relationships" xmlns:p="http://schemas.openxmlformats.org/presentationml/2006/main" showMasterSp="0" showMasterPhAnim="0">
   <p:cSld>
     <p:spTree>
@@ -18811,7 +19034,7 @@
             </a:r>
             <a:r>
               <a:rPr lang="en-US" sz="3600" dirty="0"/>
-              <a:t>23</a:t>
+              <a:t>24</a:t>
             </a:r>
             <a:r>
               <a:rPr lang="en-US" sz="3600" dirty="0">
@@ -18822,12 +19045,6 @@
               </a:rPr>
               <a:t> BMWG &amp; IPPM</a:t>
             </a:r>
-            <a:endParaRPr sz="3600" dirty="0">
-              <a:latin typeface="Inter"/>
-              <a:ea typeface="Inter"/>
-              <a:cs typeface="Inter"/>
-              <a:sym typeface="Inter"/>
-            </a:endParaRPr>
           </a:p>
         </p:txBody>
       </p:sp>
@@ -18874,7 +19091,7 @@
               <a:buNone/>
             </a:pPr>
             <a:r>
-              <a:rPr lang="en-US" sz="2100">
+              <a:rPr lang="en-US" sz="2100" dirty="0">
                 <a:solidFill>
                   <a:srgbClr val="FFFFFF"/>
                 </a:solidFill>
@@ -18883,21 +19100,9 @@
                 <a:cs typeface="Inter"/>
                 <a:sym typeface="Inter"/>
               </a:rPr>
-              <a:t>21 </a:t>
+              <a:t>5 November 2025</a:t>
             </a:r>
-            <a:r>
-              <a:rPr lang="en-US" sz="2100" dirty="0">
-                <a:solidFill>
-                  <a:srgbClr val="FFFFFF"/>
-                </a:solidFill>
-                <a:latin typeface="Inter"/>
-                <a:ea typeface="Inter"/>
-                <a:cs typeface="Inter"/>
-                <a:sym typeface="Inter"/>
-              </a:rPr>
-              <a:t>July 2025</a:t>
-            </a:r>
-            <a:endParaRPr sz="1100" dirty="0">
+            <a:endParaRPr lang="en-US" sz="1100" dirty="0">
               <a:latin typeface="Inter"/>
               <a:ea typeface="Inter"/>
               <a:cs typeface="Inter"/>
@@ -18941,7 +19146,7 @@
               <a:buNone/>
             </a:pPr>
             <a:r>
-              <a:rPr lang="en-US" sz="1200">
+              <a:rPr lang="en-US" sz="1200" dirty="0">
                 <a:latin typeface="Inter"/>
                 <a:ea typeface="Inter"/>
                 <a:cs typeface="Inter"/>
@@ -18949,12 +19154,6 @@
               </a:rPr>
               <a:t>Internet Engineering Task Force</a:t>
             </a:r>
-            <a:endParaRPr sz="1200">
-              <a:latin typeface="Inter"/>
-              <a:ea typeface="Inter"/>
-              <a:cs typeface="Inter"/>
-              <a:sym typeface="Inter"/>
-            </a:endParaRPr>
           </a:p>
           <a:p>
             <a:pPr marL="0" lvl="0" indent="0" algn="l" rtl="0">
@@ -18967,7 +19166,7 @@
               <a:buNone/>
             </a:pPr>
             <a:r>
-              <a:rPr lang="en-US" sz="1200">
+              <a:rPr lang="en-US" sz="1200" dirty="0">
                 <a:latin typeface="Inter"/>
                 <a:ea typeface="Inter"/>
                 <a:cs typeface="Inter"/>
@@ -18975,12 +19174,6 @@
               </a:rPr>
               <a:t>© 2025 IETF Trust </a:t>
             </a:r>
-            <a:endParaRPr sz="1200">
-              <a:latin typeface="Inter"/>
-              <a:ea typeface="Inter"/>
-              <a:cs typeface="Inter"/>
-              <a:sym typeface="Inter"/>
-            </a:endParaRPr>
           </a:p>
           <a:p>
             <a:pPr marL="0" lvl="0" indent="0" algn="l" rtl="0">
@@ -18993,15 +19186,24 @@
               <a:buNone/>
             </a:pPr>
             <a:r>
-              <a:rPr lang="en-US" sz="1200">
+              <a:rPr lang="en-US" sz="1200" dirty="0">
                 <a:latin typeface="Inter"/>
                 <a:ea typeface="Inter"/>
                 <a:cs typeface="Inter"/>
                 <a:sym typeface="Inter"/>
               </a:rPr>
-              <a:t>Production by Meetecho</a:t>
+              <a:t>Production by </a:t>
             </a:r>
-            <a:endParaRPr sz="1200">
+            <a:r>
+              <a:rPr lang="en-US" sz="1200" dirty="0" err="1">
+                <a:latin typeface="Inter"/>
+                <a:ea typeface="Inter"/>
+                <a:cs typeface="Inter"/>
+                <a:sym typeface="Inter"/>
+              </a:rPr>
+              <a:t>Meetecho</a:t>
+            </a:r>
+            <a:endParaRPr lang="en-US" sz="1200" dirty="0">
               <a:latin typeface="Inter"/>
               <a:ea typeface="Inter"/>
               <a:cs typeface="Inter"/>
@@ -19048,7 +19250,7 @@
               <a:buNone/>
             </a:pPr>
             <a:r>
-              <a:rPr lang="en-US" sz="2400">
+              <a:rPr lang="en-US" sz="2400" dirty="0">
                 <a:solidFill>
                   <a:srgbClr val="FFF2CC"/>
                 </a:solidFill>
@@ -19059,15 +19261,6 @@
               </a:rPr>
               <a:t>This session is being recorded</a:t>
             </a:r>
-            <a:endParaRPr sz="2400">
-              <a:solidFill>
-                <a:srgbClr val="FFF2CC"/>
-              </a:solidFill>
-              <a:latin typeface="Inter"/>
-              <a:ea typeface="Inter"/>
-              <a:cs typeface="Inter"/>
-              <a:sym typeface="Inter"/>
-            </a:endParaRPr>
           </a:p>
         </p:txBody>
       </p:sp>
@@ -19119,21 +19312,8 @@
           <a:p>
             <a:r>
               <a:rPr lang="en-US" dirty="0"/>
-              <a:t>Agenda</a:t>
+              <a:t>Agenda – Proposed Work</a:t>
             </a:r>
-            <a:r>
-              <a:rPr lang="en-001" dirty="0"/>
-              <a:t> – </a:t>
-            </a:r>
-            <a:r>
-              <a:rPr lang="de-CH" dirty="0" err="1"/>
-              <a:t>Proposed</a:t>
-            </a:r>
-            <a:r>
-              <a:rPr lang="de-CH" dirty="0"/>
-              <a:t> Work</a:t>
-            </a:r>
-            <a:endParaRPr lang="en-US" dirty="0"/>
           </a:p>
         </p:txBody>
       </p:sp>
@@ -19153,7 +19333,12 @@
             <p:ph type="sldNum" idx="12"/>
           </p:nvPr>
         </p:nvSpPr>
-        <p:spPr/>
+        <p:spPr>
+          <a:xfrm>
+            <a:off x="8694000" y="4724798"/>
+            <a:ext cx="378241" cy="335251"/>
+          </a:xfrm>
+        </p:spPr>
         <p:txBody>
           <a:bodyPr/>
           <a:lstStyle/>
@@ -19171,16 +19356,16 @@
               <a:rPr lang="en-US" smtClean="0"/>
               <a:t>10</a:t>
             </a:fld>
-            <a:endParaRPr lang="en-US"/>
+            <a:endParaRPr lang="en-US" dirty="0"/>
           </a:p>
         </p:txBody>
       </p:sp>
       <p:pic>
         <p:nvPicPr>
-          <p:cNvPr id="7" name="Picture 6">
+          <p:cNvPr id="5" name="Picture 4">
             <a:extLst>
               <a:ext uri="{FF2B5EF4-FFF2-40B4-BE49-F238E27FC236}">
-                <a16:creationId xmlns:a16="http://schemas.microsoft.com/office/drawing/2014/main" id="{6908B6E2-39A5-0021-F9FA-09A16DCAD2EF}"/>
+                <a16:creationId xmlns:a16="http://schemas.microsoft.com/office/drawing/2014/main" id="{955DED86-4359-400B-59BB-069A3354E9A8}"/>
               </a:ext>
             </a:extLst>
           </p:cNvPr>
@@ -19197,8 +19382,8 @@
         </p:blipFill>
         <p:spPr>
           <a:xfrm>
-            <a:off x="471900" y="2261602"/>
-            <a:ext cx="7716327" cy="2172003"/>
+            <a:off x="471900" y="2361717"/>
+            <a:ext cx="7344800" cy="1543265"/>
           </a:xfrm>
           <a:prstGeom prst="rect">
             <a:avLst/>
@@ -19257,20 +19442,16 @@
           <a:lstStyle/>
           <a:p>
             <a:r>
-              <a:rPr lang="en-US" dirty="0"/>
-              <a:t>Agenda</a:t>
-            </a:r>
-            <a:r>
-              <a:rPr lang="en-001" dirty="0"/>
-              <a:t> – </a:t>
+              <a:rPr lang="de-CH" dirty="0"/>
+              <a:t>Joint </a:t>
             </a:r>
             <a:r>
               <a:rPr lang="de-CH" dirty="0" err="1"/>
-              <a:t>If</a:t>
+              <a:t>Chartering</a:t>
             </a:r>
             <a:r>
               <a:rPr lang="de-CH" dirty="0"/>
-              <a:t> Time Permits</a:t>
+              <a:t> Discussion</a:t>
             </a:r>
             <a:endParaRPr lang="en-US" dirty="0"/>
           </a:p>
@@ -19292,7 +19473,12 @@
             <p:ph type="sldNum" idx="12"/>
           </p:nvPr>
         </p:nvSpPr>
-        <p:spPr/>
+        <p:spPr>
+          <a:xfrm>
+            <a:off x="8640000" y="4724798"/>
+            <a:ext cx="432241" cy="335251"/>
+          </a:xfrm>
+        </p:spPr>
         <p:txBody>
           <a:bodyPr/>
           <a:lstStyle/>
@@ -19310,16 +19496,16 @@
               <a:rPr lang="en-US" smtClean="0"/>
               <a:t>11</a:t>
             </a:fld>
-            <a:endParaRPr lang="en-US"/>
+            <a:endParaRPr lang="en-US" dirty="0"/>
           </a:p>
         </p:txBody>
       </p:sp>
       <p:pic>
         <p:nvPicPr>
-          <p:cNvPr id="8" name="Picture 7">
+          <p:cNvPr id="5" name="Picture 4">
             <a:extLst>
               <a:ext uri="{FF2B5EF4-FFF2-40B4-BE49-F238E27FC236}">
-                <a16:creationId xmlns:a16="http://schemas.microsoft.com/office/drawing/2014/main" id="{697269CB-B267-81D6-58B2-8188C7BB4F46}"/>
+                <a16:creationId xmlns:a16="http://schemas.microsoft.com/office/drawing/2014/main" id="{45D31BC4-5700-0D94-0AC5-B7C45E3F062E}"/>
               </a:ext>
             </a:extLst>
           </p:cNvPr>
@@ -19336,8 +19522,8 @@
         </p:blipFill>
         <p:spPr>
           <a:xfrm>
-            <a:off x="471900" y="2250584"/>
-            <a:ext cx="7716327" cy="1133633"/>
+            <a:off x="524979" y="2147828"/>
+            <a:ext cx="7287642" cy="847843"/>
           </a:xfrm>
           <a:prstGeom prst="rect">
             <a:avLst/>
@@ -19401,18 +19587,9 @@
           <a:lstStyle/>
           <a:p>
             <a:r>
-              <a:rPr lang="de-CH" sz="3200" dirty="0"/>
-              <a:t>BMWG </a:t>
+              <a:rPr lang="en-US" sz="3200" dirty="0"/>
+              <a:t>BMWG Document Updates Since IETF 123</a:t>
             </a:r>
-            <a:r>
-              <a:rPr lang="en-001" sz="3200" dirty="0"/>
-              <a:t>Document Updates Since IETF 12</a:t>
-            </a:r>
-            <a:r>
-              <a:rPr lang="de-CH" sz="3200" dirty="0"/>
-              <a:t>2</a:t>
-            </a:r>
-            <a:endParaRPr lang="en-US" sz="3200" dirty="0"/>
           </a:p>
         </p:txBody>
       </p:sp>
@@ -19432,7 +19609,12 @@
             <p:ph type="sldNum" idx="12"/>
           </p:nvPr>
         </p:nvSpPr>
-        <p:spPr/>
+        <p:spPr>
+          <a:xfrm>
+            <a:off x="8694000" y="4724798"/>
+            <a:ext cx="378241" cy="335251"/>
+          </a:xfrm>
+        </p:spPr>
         <p:txBody>
           <a:bodyPr/>
           <a:lstStyle/>
@@ -19450,7 +19632,7 @@
               <a:rPr lang="en-US" smtClean="0"/>
               <a:t>12</a:t>
             </a:fld>
-            <a:endParaRPr lang="en-US"/>
+            <a:endParaRPr lang="en-US" dirty="0"/>
           </a:p>
         </p:txBody>
       </p:sp>
@@ -19480,105 +19662,8 @@
           <a:bodyPr/>
           <a:lstStyle/>
           <a:p>
-            <a:r>
-              <a:rPr lang="de-CH" sz="1400" b="1" dirty="0"/>
-              <a:t>draft-ietf-bmwg-mlrsearch </a:t>
-            </a:r>
-            <a:r>
-              <a:rPr lang="en-US" sz="1400" dirty="0"/>
-              <a:t>to be submitted to IESG for publication</a:t>
-            </a:r>
-          </a:p>
-          <a:p>
             <a:pPr lvl="1"/>
-            <a:r>
-              <a:rPr lang="de-CH" sz="1400" dirty="0"/>
-              <a:t>AD Review addressed in the latest version </a:t>
-            </a:r>
-          </a:p>
-          <a:p>
-            <a:r>
-              <a:rPr lang="de-CH" sz="1400" b="1" dirty="0"/>
-              <a:t>draft-ietf-bmwg-sr-bench-meth </a:t>
-            </a:r>
-            <a:r>
-              <a:rPr lang="de-CH" sz="1400" dirty="0"/>
-              <a:t>and </a:t>
-            </a:r>
-            <a:r>
-              <a:rPr lang="de-CH" sz="1400" b="1" dirty="0"/>
-              <a:t>draft-ietf-bmwg-network-tester-cfg</a:t>
-            </a:r>
-            <a:r>
-              <a:rPr lang="de-CH" sz="1400" dirty="0"/>
-              <a:t> preparing for the WGLC</a:t>
-            </a:r>
-          </a:p>
-          <a:p>
-            <a:pPr lvl="1"/>
-            <a:r>
-              <a:rPr lang="de-CH" sz="1400" dirty="0"/>
-              <a:t>Milestones to be revised accordingly</a:t>
-            </a:r>
-          </a:p>
-          <a:p>
-            <a:r>
-              <a:rPr lang="de-CH" sz="1400" b="1" dirty="0"/>
-              <a:t>draft-cprjgf-bmwg-powerbench</a:t>
-            </a:r>
-            <a:r>
-              <a:rPr lang="de-CH" sz="1400" dirty="0"/>
-              <a:t>, </a:t>
-            </a:r>
-            <a:r>
-              <a:rPr lang="de-CH" sz="1400" b="1" dirty="0"/>
-              <a:t>draft-chen-bmwg-savnet-sav-benchmarking</a:t>
-            </a:r>
-            <a:r>
-              <a:rPr lang="de-CH" sz="1400" dirty="0"/>
-              <a:t> and </a:t>
-            </a:r>
-            <a:r>
-              <a:rPr lang="de-CH" sz="1400" b="1" dirty="0"/>
-              <a:t>draft-lencse-bmwg-multiple-ip-addresses</a:t>
-            </a:r>
-            <a:r>
-              <a:rPr lang="de-CH" sz="1400" dirty="0"/>
-              <a:t> candidate for adoption</a:t>
-            </a:r>
-          </a:p>
-          <a:p>
-            <a:pPr lvl="1"/>
-            <a:r>
-              <a:rPr lang="de-CH" sz="1400" dirty="0"/>
-              <a:t>Recent discussion on the mailing list</a:t>
-            </a:r>
-          </a:p>
-          <a:p>
-            <a:r>
-              <a:rPr lang="de-CH" sz="1400" dirty="0"/>
-              <a:t>Proposals keep coming (see </a:t>
-            </a:r>
-            <a:r>
-              <a:rPr lang="de-CH" sz="1400" dirty="0">
-                <a:hlinkClick r:id="rId3"/>
-              </a:rPr>
-              <a:t>https://datatracker.ietf.org/wg/bmwg/documents/</a:t>
-            </a:r>
-            <a:r>
-              <a:rPr lang="de-CH" sz="1400" dirty="0"/>
-              <a:t>)</a:t>
-            </a:r>
-          </a:p>
-          <a:p>
-            <a:r>
-              <a:rPr lang="de-CH" sz="1400" dirty="0"/>
-              <a:t>Some discussion for revisiting BMWG RFCs in order to update RFC 2544</a:t>
-            </a:r>
-          </a:p>
-          <a:p>
-            <a:pPr lvl="1"/>
-            <a:endParaRPr lang="en-001" sz="1400" dirty="0"/>
+            <a:endParaRPr lang="en-US" sz="1400" dirty="0"/>
           </a:p>
         </p:txBody>
       </p:sp>
@@ -19628,33 +19713,14 @@
             <p:ph type="title"/>
           </p:nvPr>
         </p:nvSpPr>
-        <p:spPr>
-          <a:xfrm>
-            <a:off x="471899" y="218223"/>
-            <a:ext cx="8395009" cy="1288203"/>
-          </a:xfrm>
-          <a:noFill/>
-          <a:ln>
-            <a:noFill/>
-          </a:ln>
-        </p:spPr>
+        <p:spPr/>
         <p:txBody>
-          <a:bodyPr spcFirstLastPara="1" wrap="square" lIns="91400" tIns="91400" rIns="91400" bIns="91400" anchor="ctr" anchorCtr="0">
-            <a:noAutofit/>
-          </a:bodyPr>
+          <a:bodyPr anchor="ctr"/>
           <a:lstStyle/>
           <a:p>
             <a:r>
               <a:rPr lang="en-US" sz="3200" dirty="0"/>
-              <a:t>BMWG </a:t>
-            </a:r>
-            <a:r>
-              <a:rPr lang="en-US" sz="3200" dirty="0" err="1"/>
-              <a:t>MLRsearch</a:t>
-            </a:r>
-            <a:r>
-              <a:rPr lang="en-US" sz="3200" dirty="0"/>
-              <a:t> Update after WGLC</a:t>
+              <a:t>IPPM Document Updates Since IETF 123</a:t>
             </a:r>
           </a:p>
         </p:txBody>
@@ -19675,7 +19741,12 @@
             <p:ph type="sldNum" idx="12"/>
           </p:nvPr>
         </p:nvSpPr>
-        <p:spPr/>
+        <p:spPr>
+          <a:xfrm>
+            <a:off x="8694000" y="4724798"/>
+            <a:ext cx="378241" cy="335251"/>
+          </a:xfrm>
+        </p:spPr>
         <p:txBody>
           <a:bodyPr/>
           <a:lstStyle/>
@@ -19693,522 +19764,7 @@
               <a:rPr lang="en-US" smtClean="0"/>
               <a:t>13</a:t>
             </a:fld>
-            <a:endParaRPr lang="en-US"/>
-          </a:p>
-        </p:txBody>
-      </p:sp>
-      <p:sp>
-        <p:nvSpPr>
-          <p:cNvPr id="11" name="Content Placeholder 2">
-            <a:extLst>
-              <a:ext uri="{FF2B5EF4-FFF2-40B4-BE49-F238E27FC236}">
-                <a16:creationId xmlns:a16="http://schemas.microsoft.com/office/drawing/2014/main" id="{E9F6AFF0-EB64-476A-9819-34C50D74F1A0}"/>
-              </a:ext>
-            </a:extLst>
-          </p:cNvPr>
-          <p:cNvSpPr txBox="1">
-            <a:spLocks noGrp="1"/>
-          </p:cNvSpPr>
-          <p:nvPr>
-            <p:ph type="body" idx="1"/>
-          </p:nvPr>
-        </p:nvSpPr>
-        <p:spPr>
-          <a:xfrm>
-            <a:off x="471488" y="1919288"/>
-            <a:ext cx="8223250" cy="2709862"/>
-          </a:xfrm>
-        </p:spPr>
-        <p:txBody>
-          <a:bodyPr>
-            <a:noAutofit/>
-          </a:bodyPr>
-          <a:lstStyle/>
-          <a:p>
-            <a:pPr lvl="0">
-              <a:buFont typeface="Arial" panose="020B0604020202020204" pitchFamily="34" charset="0"/>
-              <a:buChar char="•"/>
-            </a:pPr>
-            <a:r>
-              <a:rPr lang="en-GB" sz="1000" i="1" dirty="0"/>
-              <a:t>draft-ietf-bmwg-mlrsearch-11</a:t>
-            </a:r>
-            <a:r>
-              <a:rPr lang="en-GB" sz="1000" dirty="0"/>
-              <a:t> posted on 2025-07-07.</a:t>
-            </a:r>
-            <a:endParaRPr lang="en-GB" sz="1000" dirty="0">
-              <a:ea typeface="Calibri"/>
-              <a:cs typeface="Calibri"/>
-            </a:endParaRPr>
-          </a:p>
-          <a:p>
-            <a:pPr lvl="0">
-              <a:buFont typeface="Arial" panose="020B0604020202020204" pitchFamily="34" charset="0"/>
-              <a:buChar char="•"/>
-            </a:pPr>
-            <a:r>
-              <a:rPr lang="en-GB" sz="1000" dirty="0">
-                <a:hlinkClick r:id="rId3"/>
-              </a:rPr>
-              <a:t>Changes</a:t>
-            </a:r>
-            <a:r>
-              <a:rPr lang="en-GB" sz="1000" dirty="0"/>
-              <a:t> from -10:</a:t>
-            </a:r>
-            <a:endParaRPr lang="en-GB" sz="1000" dirty="0">
-              <a:ea typeface="Calibri"/>
-              <a:cs typeface="Calibri"/>
-            </a:endParaRPr>
-          </a:p>
-          <a:p>
-            <a:pPr lvl="1">
-              <a:buFont typeface="Arial" panose="020B0604020202020204" pitchFamily="34" charset="0"/>
-              <a:buChar char="•"/>
-            </a:pPr>
-            <a:r>
-              <a:rPr lang="en-GB" sz="900" dirty="0">
-                <a:ea typeface="Calibri"/>
-                <a:cs typeface="Calibri"/>
-              </a:rPr>
-              <a:t>Addressed comments and suggestions from IETF AD review.</a:t>
-            </a:r>
-          </a:p>
-          <a:p>
-            <a:pPr lvl="2">
-              <a:buFont typeface="Arial" panose="020B0604020202020204" pitchFamily="34" charset="0"/>
-              <a:buChar char="•"/>
-            </a:pPr>
-            <a:r>
-              <a:rPr lang="en-GB" sz="800" dirty="0">
-                <a:ea typeface="Calibri"/>
-                <a:cs typeface="Calibri"/>
-              </a:rPr>
-              <a:t>Big Thanks to Mohamed Boucadair for a very thorough AD review - </a:t>
-            </a:r>
-            <a:r>
-              <a:rPr lang="en-GB" sz="800" dirty="0">
-                <a:ea typeface="Calibri"/>
-                <a:cs typeface="Calibri"/>
-                <a:hlinkClick r:id="rId4"/>
-              </a:rPr>
-              <a:t>PDF version</a:t>
-            </a:r>
-            <a:r>
-              <a:rPr lang="en-GB" sz="800" dirty="0">
-                <a:ea typeface="Calibri"/>
-                <a:cs typeface="Calibri"/>
-              </a:rPr>
-              <a:t> with 118 comments and improvement suggestions.</a:t>
-            </a:r>
-          </a:p>
-          <a:p>
-            <a:pPr lvl="2">
-              <a:buFont typeface="Arial" panose="020B0604020202020204" pitchFamily="34" charset="0"/>
-              <a:buChar char="•"/>
-            </a:pPr>
-            <a:r>
-              <a:rPr lang="en-GB" sz="800" dirty="0">
-                <a:ea typeface="Calibri"/>
-                <a:cs typeface="Calibri"/>
-              </a:rPr>
-              <a:t>Version -11 with notes and comments per each AD point available in </a:t>
-            </a:r>
-            <a:r>
-              <a:rPr lang="en-GB" sz="800" dirty="0" err="1">
-                <a:ea typeface="Calibri"/>
-                <a:cs typeface="Calibri"/>
-              </a:rPr>
-              <a:t>github</a:t>
-            </a:r>
-            <a:r>
-              <a:rPr lang="en-GB" sz="800" dirty="0">
-                <a:ea typeface="Calibri"/>
-                <a:cs typeface="Calibri"/>
-              </a:rPr>
-              <a:t> - </a:t>
-            </a:r>
-            <a:r>
-              <a:rPr lang="en-GB" sz="800" dirty="0" err="1">
-                <a:ea typeface="Calibri"/>
-                <a:cs typeface="Calibri"/>
-                <a:hlinkClick r:id="rId5"/>
-              </a:rPr>
-              <a:t>kramdown</a:t>
-            </a:r>
-            <a:r>
-              <a:rPr lang="en-GB" sz="800" dirty="0">
-                <a:ea typeface="Calibri"/>
-                <a:cs typeface="Calibri"/>
-                <a:hlinkClick r:id="rId5"/>
-              </a:rPr>
-              <a:t> md version</a:t>
-            </a:r>
-            <a:r>
-              <a:rPr lang="en-GB" sz="800" dirty="0">
-                <a:ea typeface="Calibri"/>
-                <a:cs typeface="Calibri"/>
-              </a:rPr>
-              <a:t>.</a:t>
-            </a:r>
-          </a:p>
-          <a:p>
-            <a:pPr lvl="1">
-              <a:buFont typeface="Arial" panose="020B0604020202020204" pitchFamily="34" charset="0"/>
-              <a:buChar char="•"/>
-            </a:pPr>
-            <a:r>
-              <a:rPr lang="en-GB" sz="900" dirty="0">
-                <a:ea typeface="Calibri"/>
-                <a:cs typeface="Calibri"/>
-              </a:rPr>
-              <a:t>Most other edits are minor improvements for clarity and general readability inspired by AD review.</a:t>
-            </a:r>
-          </a:p>
-          <a:p>
-            <a:pPr>
-              <a:buFont typeface="Arial" panose="020B0604020202020204" pitchFamily="34" charset="0"/>
-              <a:buChar char="•"/>
-            </a:pPr>
-            <a:r>
-              <a:rPr lang="en-GB" sz="1000" dirty="0">
-                <a:ea typeface="Calibri"/>
-                <a:cs typeface="Calibri"/>
-              </a:rPr>
-              <a:t>Two brand new sections:</a:t>
-            </a:r>
-          </a:p>
-          <a:p>
-            <a:pPr lvl="1">
-              <a:buFont typeface="Arial" panose="020B0604020202020204" pitchFamily="34" charset="0"/>
-              <a:buChar char="•"/>
-            </a:pPr>
-            <a:r>
-              <a:rPr lang="en-GB" sz="900" i="1" dirty="0">
-                <a:ea typeface="Calibri"/>
-                <a:cs typeface="Calibri"/>
-              </a:rPr>
-              <a:t>1.2. Positioning within BMWG Methodologies </a:t>
-            </a:r>
-            <a:r>
-              <a:rPr lang="en-GB" sz="900" dirty="0">
-                <a:ea typeface="Calibri"/>
-                <a:cs typeface="Calibri"/>
-              </a:rPr>
-              <a:t>– in the </a:t>
-            </a:r>
-            <a:r>
-              <a:rPr lang="en-GB" sz="900" i="1" dirty="0">
-                <a:ea typeface="Calibri"/>
-                <a:cs typeface="Calibri"/>
-              </a:rPr>
-              <a:t>Introduction</a:t>
-            </a:r>
-            <a:r>
-              <a:rPr lang="en-GB" sz="900" dirty="0">
-                <a:ea typeface="Calibri"/>
-                <a:cs typeface="Calibri"/>
-              </a:rPr>
-              <a:t> section.</a:t>
-            </a:r>
-          </a:p>
-          <a:p>
-            <a:pPr lvl="1">
-              <a:buFont typeface="Arial" panose="020B0604020202020204" pitchFamily="34" charset="0"/>
-              <a:buChar char="•"/>
-            </a:pPr>
-            <a:r>
-              <a:rPr lang="en-GB" sz="900" i="1" dirty="0">
-                <a:ea typeface="Calibri"/>
-                <a:cs typeface="Calibri"/>
-              </a:rPr>
-              <a:t>4.1. Scope </a:t>
-            </a:r>
-            <a:r>
-              <a:rPr lang="en-GB" sz="900" dirty="0">
-                <a:ea typeface="Calibri"/>
-                <a:cs typeface="Calibri"/>
-              </a:rPr>
-              <a:t>– in the </a:t>
-            </a:r>
-            <a:r>
-              <a:rPr lang="en-GB" sz="900" i="1" dirty="0" err="1">
-                <a:ea typeface="Calibri"/>
-                <a:cs typeface="Calibri"/>
-              </a:rPr>
-              <a:t>MLRsearch</a:t>
-            </a:r>
-            <a:r>
-              <a:rPr lang="en-GB" sz="900" i="1" dirty="0">
-                <a:ea typeface="Calibri"/>
-                <a:cs typeface="Calibri"/>
-              </a:rPr>
-              <a:t> Specification </a:t>
-            </a:r>
-            <a:r>
-              <a:rPr lang="en-GB" sz="900" dirty="0">
-                <a:ea typeface="Calibri"/>
-                <a:cs typeface="Calibri"/>
-              </a:rPr>
-              <a:t>section.</a:t>
-            </a:r>
-          </a:p>
-          <a:p>
-            <a:pPr lvl="1">
-              <a:buFont typeface="Arial" panose="020B0604020202020204" pitchFamily="34" charset="0"/>
-              <a:buChar char="•"/>
-            </a:pPr>
-            <a:r>
-              <a:rPr lang="en-GB" sz="900" dirty="0">
-                <a:ea typeface="Calibri"/>
-                <a:cs typeface="Calibri"/>
-              </a:rPr>
-              <a:t>Resulted from AD review and associated email thread re </a:t>
-            </a:r>
-            <a:r>
-              <a:rPr lang="en-GB" sz="900" dirty="0" err="1">
-                <a:ea typeface="Calibri"/>
-                <a:cs typeface="Calibri"/>
-              </a:rPr>
-              <a:t>mlrsearch</a:t>
-            </a:r>
-            <a:r>
-              <a:rPr lang="en-GB" sz="900" dirty="0">
-                <a:ea typeface="Calibri"/>
-                <a:cs typeface="Calibri"/>
-              </a:rPr>
-              <a:t> "positioning” with respect to the existing BMWG specs.</a:t>
-            </a:r>
-          </a:p>
-          <a:p>
-            <a:pPr>
-              <a:buFont typeface="Arial" panose="020B0604020202020204" pitchFamily="34" charset="0"/>
-              <a:buChar char="•"/>
-            </a:pPr>
-            <a:r>
-              <a:rPr lang="en-GB" sz="1000" dirty="0">
-                <a:ea typeface="Calibri"/>
-                <a:cs typeface="Calibri"/>
-                <a:hlinkClick r:id="rId6"/>
-              </a:rPr>
-              <a:t>"Revisiting BMWG RFCs” email thread</a:t>
-            </a:r>
-            <a:r>
-              <a:rPr lang="en-GB" sz="1000" dirty="0">
-                <a:ea typeface="Calibri"/>
-                <a:cs typeface="Calibri"/>
-              </a:rPr>
-              <a:t> that forked from </a:t>
-            </a:r>
-            <a:r>
-              <a:rPr lang="en-GB" sz="1000" dirty="0" err="1">
-                <a:ea typeface="Calibri"/>
-                <a:cs typeface="Calibri"/>
-              </a:rPr>
-              <a:t>mlrsearch</a:t>
-            </a:r>
-            <a:r>
-              <a:rPr lang="en-GB" sz="1000" dirty="0">
-                <a:ea typeface="Calibri"/>
-                <a:cs typeface="Calibri"/>
-              </a:rPr>
-              <a:t> AD review one:</a:t>
-            </a:r>
-          </a:p>
-          <a:p>
-            <a:pPr lvl="1">
-              <a:buFont typeface="Arial" panose="020B0604020202020204" pitchFamily="34" charset="0"/>
-              <a:buChar char="•"/>
-            </a:pPr>
-            <a:r>
-              <a:rPr lang="en-GB" sz="900" dirty="0">
-                <a:ea typeface="Calibri"/>
-                <a:cs typeface="Calibri"/>
-              </a:rPr>
-              <a:t>Larger discussion about potential shortcomings and gaps identified in a selection of BMWG RFCs.</a:t>
-            </a:r>
-          </a:p>
-          <a:p>
-            <a:pPr lvl="1">
-              <a:buFont typeface="Arial" panose="020B0604020202020204" pitchFamily="34" charset="0"/>
-              <a:buChar char="•"/>
-            </a:pPr>
-            <a:r>
-              <a:rPr lang="en-GB" sz="900" dirty="0">
-                <a:ea typeface="Calibri"/>
-                <a:cs typeface="Calibri"/>
-              </a:rPr>
-              <a:t>Including requirements language and security considerations boilerplate sections (see AD review comments to </a:t>
-            </a:r>
-            <a:r>
-              <a:rPr lang="en-GB" sz="900" dirty="0" err="1">
-                <a:ea typeface="Calibri"/>
-                <a:cs typeface="Calibri"/>
-              </a:rPr>
-              <a:t>mlrsearch</a:t>
-            </a:r>
-            <a:r>
-              <a:rPr lang="en-GB" sz="900" dirty="0">
-                <a:ea typeface="Calibri"/>
-                <a:cs typeface="Calibri"/>
-              </a:rPr>
-              <a:t>).</a:t>
-            </a:r>
-          </a:p>
-          <a:p>
-            <a:pPr>
-              <a:buFont typeface="Arial" panose="020B0604020202020204" pitchFamily="34" charset="0"/>
-              <a:buChar char="•"/>
-            </a:pPr>
-            <a:r>
-              <a:rPr lang="en-US" sz="1000" dirty="0"/>
-              <a:t>BMWG next steps</a:t>
-            </a:r>
-            <a:endParaRPr lang="en-US" sz="1000" dirty="0">
-              <a:ea typeface="Calibri"/>
-              <a:cs typeface="Calibri"/>
-            </a:endParaRPr>
-          </a:p>
-          <a:p>
-            <a:pPr lvl="1">
-              <a:buFont typeface="Arial" panose="020B0604020202020204" pitchFamily="34" charset="0"/>
-              <a:buChar char="•"/>
-            </a:pPr>
-            <a:r>
-              <a:rPr lang="en-US" sz="900" dirty="0">
-                <a:ea typeface="Calibri"/>
-                <a:cs typeface="Calibri"/>
-              </a:rPr>
-              <a:t>Based on AD decision, move it to IETF LC.</a:t>
-            </a:r>
-          </a:p>
-          <a:p>
-            <a:pPr lvl="1">
-              <a:buFont typeface="Arial" panose="020B0604020202020204" pitchFamily="34" charset="0"/>
-              <a:buChar char="•"/>
-            </a:pPr>
-            <a:r>
-              <a:rPr lang="en-US" sz="900" dirty="0">
-                <a:ea typeface="Calibri"/>
-                <a:cs typeface="Calibri"/>
-              </a:rPr>
-              <a:t>Publish.</a:t>
-            </a:r>
-          </a:p>
-          <a:p>
-            <a:pPr marL="114300" lvl="0" indent="0">
-              <a:buNone/>
-            </a:pPr>
-            <a:endParaRPr lang="en-US" sz="300" dirty="0">
-              <a:ea typeface="Calibri"/>
-              <a:cs typeface="Calibri"/>
-            </a:endParaRPr>
-          </a:p>
-        </p:txBody>
-      </p:sp>
-    </p:spTree>
-    <p:extLst>
-      <p:ext uri="{BB962C8B-B14F-4D97-AF65-F5344CB8AC3E}">
-        <p14:creationId xmlns:p14="http://schemas.microsoft.com/office/powerpoint/2010/main" val="333926329"/>
-      </p:ext>
-    </p:extLst>
-  </p:cSld>
-  <p:clrMapOvr>
-    <a:masterClrMapping/>
-  </p:clrMapOvr>
-</p:sld>
-</file>
-
-<file path=ppt/slides/slide14.xml><?xml version="1.0" encoding="utf-8"?>
-<p:sld xmlns:a="http://schemas.openxmlformats.org/drawingml/2006/main" xmlns:r="http://schemas.openxmlformats.org/officeDocument/2006/relationships" xmlns:p="http://schemas.openxmlformats.org/presentationml/2006/main">
-  <p:cSld>
-    <p:spTree>
-      <p:nvGrpSpPr>
-        <p:cNvPr id="1" name=""/>
-        <p:cNvGrpSpPr/>
-        <p:nvPr/>
-      </p:nvGrpSpPr>
-      <p:grpSpPr>
-        <a:xfrm>
-          <a:off x="0" y="0"/>
-          <a:ext cx="0" cy="0"/>
-          <a:chOff x="0" y="0"/>
-          <a:chExt cx="0" cy="0"/>
-        </a:xfrm>
-      </p:grpSpPr>
-      <p:sp>
-        <p:nvSpPr>
-          <p:cNvPr id="2" name="Title 1">
-            <a:extLst>
-              <a:ext uri="{FF2B5EF4-FFF2-40B4-BE49-F238E27FC236}">
-                <a16:creationId xmlns:a16="http://schemas.microsoft.com/office/drawing/2014/main" id="{0B9E15DC-F076-98D2-1BDF-BC01FEC9047B}"/>
-              </a:ext>
-            </a:extLst>
-          </p:cNvPr>
-          <p:cNvSpPr>
-            <a:spLocks noGrp="1"/>
-          </p:cNvSpPr>
-          <p:nvPr>
-            <p:ph type="title"/>
-          </p:nvPr>
-        </p:nvSpPr>
-        <p:spPr/>
-        <p:txBody>
-          <a:bodyPr anchor="ctr"/>
-          <a:lstStyle/>
-          <a:p>
-            <a:r>
-              <a:rPr lang="de-CH" sz="3200" dirty="0"/>
-              <a:t>IPPM </a:t>
-            </a:r>
-            <a:r>
-              <a:rPr lang="en-001" sz="3200" dirty="0"/>
-              <a:t>Document Updates Since IETF 12</a:t>
-            </a:r>
-            <a:r>
-              <a:rPr lang="de-CH" sz="3200" dirty="0"/>
-              <a:t>2</a:t>
-            </a:r>
-            <a:endParaRPr lang="en-US" sz="3200" dirty="0"/>
-          </a:p>
-        </p:txBody>
-      </p:sp>
-      <p:sp>
-        <p:nvSpPr>
-          <p:cNvPr id="4" name="Slide Number Placeholder 3">
-            <a:extLst>
-              <a:ext uri="{FF2B5EF4-FFF2-40B4-BE49-F238E27FC236}">
-                <a16:creationId xmlns:a16="http://schemas.microsoft.com/office/drawing/2014/main" id="{D216BDC7-4DE9-D9D5-0725-BBEF6CFE8DF1}"/>
-              </a:ext>
-            </a:extLst>
-          </p:cNvPr>
-          <p:cNvSpPr>
-            <a:spLocks noGrp="1"/>
-          </p:cNvSpPr>
-          <p:nvPr>
-            <p:ph type="sldNum" idx="12"/>
-          </p:nvPr>
-        </p:nvSpPr>
-        <p:spPr/>
-        <p:txBody>
-          <a:bodyPr/>
-          <a:lstStyle/>
-          <a:p>
-            <a:pPr marL="0" lvl="0" indent="0" algn="r" rtl="0">
-              <a:spcBef>
-                <a:spcPts val="0"/>
-              </a:spcBef>
-              <a:spcAft>
-                <a:spcPts val="0"/>
-              </a:spcAft>
-              <a:buNone/>
-            </a:pPr>
-            <a:fld id="{00000000-1234-1234-1234-123412341234}" type="slidenum">
-              <a:rPr lang="en-US" smtClean="0"/>
-              <a:t>14</a:t>
-            </a:fld>
-            <a:endParaRPr lang="en-US"/>
+            <a:endParaRPr lang="en-US" dirty="0"/>
           </a:p>
         </p:txBody>
       </p:sp>
@@ -20238,271 +19794,237 @@
           <a:bodyPr/>
           <a:lstStyle/>
           <a:p>
+            <a:pPr>
+              <a:spcBef>
+                <a:spcPts val="1200"/>
+              </a:spcBef>
+            </a:pPr>
             <a:r>
-              <a:rPr lang="de-CH" b="1" dirty="0"/>
+              <a:rPr lang="en-US" sz="1500" b="1" dirty="0">
+                <a:hlinkClick r:id="rId3"/>
+              </a:rPr>
               <a:t>draft-</a:t>
             </a:r>
             <a:r>
-              <a:rPr lang="de-CH" b="1" dirty="0" err="1"/>
+              <a:rPr lang="en-US" sz="1500" b="1" dirty="0" err="1">
+                <a:hlinkClick r:id="rId3"/>
+              </a:rPr>
               <a:t>ietf</a:t>
             </a:r>
             <a:r>
-              <a:rPr lang="de-CH" b="1" dirty="0"/>
+              <a:rPr lang="en-US" sz="1500" b="1" dirty="0">
+                <a:hlinkClick r:id="rId3"/>
+              </a:rPr>
+              <a:t>-ippm-capacity-protocol</a:t>
+            </a:r>
+            <a:r>
+              <a:rPr lang="en-US" sz="1500" b="1" dirty="0"/>
+              <a:t>, </a:t>
+            </a:r>
+            <a:r>
+              <a:rPr lang="en-US" sz="1500" dirty="0"/>
+              <a:t>security related challenges during IESG review process has been resolved and is now approved by IESG.</a:t>
+            </a:r>
+          </a:p>
+          <a:p>
+            <a:pPr>
+              <a:spcBef>
+                <a:spcPts val="1200"/>
+              </a:spcBef>
+            </a:pPr>
+            <a:r>
+              <a:rPr lang="en-US" sz="1500" b="1" dirty="0">
+                <a:hlinkClick r:id="rId4"/>
+              </a:rPr>
+              <a:t>draft-</a:t>
+            </a:r>
+            <a:r>
+              <a:rPr lang="en-US" sz="1500" b="1" dirty="0" err="1">
+                <a:hlinkClick r:id="rId4"/>
+              </a:rPr>
+              <a:t>ietf</a:t>
+            </a:r>
+            <a:r>
+              <a:rPr lang="en-US" sz="1500" b="1" dirty="0">
+                <a:hlinkClick r:id="rId4"/>
+              </a:rPr>
+              <a:t>-ippm-asymmetrical-pkts</a:t>
+            </a:r>
+            <a:r>
+              <a:rPr lang="en-US" sz="1500" b="1" dirty="0"/>
+              <a:t> </a:t>
+            </a:r>
+            <a:r>
+              <a:rPr lang="en-US" sz="1500" dirty="0"/>
+              <a:t>and</a:t>
+            </a:r>
+            <a:r>
+              <a:rPr lang="en-US" sz="1500" b="1" dirty="0"/>
+              <a:t> </a:t>
+            </a:r>
+            <a:r>
+              <a:rPr lang="en-US" sz="1500" b="1" dirty="0">
+                <a:hlinkClick r:id="rId5"/>
+              </a:rPr>
+              <a:t>draft-</a:t>
+            </a:r>
+            <a:r>
+              <a:rPr lang="en-US" sz="1500" b="1" dirty="0" err="1">
+                <a:hlinkClick r:id="rId5"/>
+              </a:rPr>
+              <a:t>ietf</a:t>
+            </a:r>
+            <a:r>
+              <a:rPr lang="en-US" sz="1500" b="1" dirty="0">
+                <a:hlinkClick r:id="rId5"/>
+              </a:rPr>
+              <a:t>-ippm-hybrid-two-step</a:t>
+            </a:r>
+            <a:r>
+              <a:rPr lang="en-US" sz="1500" b="1" dirty="0"/>
+              <a:t> </a:t>
+            </a:r>
+            <a:r>
+              <a:rPr lang="en-US" sz="1500" dirty="0"/>
+              <a:t>has been passed on to IESG. </a:t>
+            </a:r>
+            <a:r>
+              <a:rPr lang="en-US" sz="1500" b="1" dirty="0">
+                <a:hlinkClick r:id="rId5"/>
+              </a:rPr>
+              <a:t>draft-</a:t>
+            </a:r>
+            <a:r>
+              <a:rPr lang="en-US" sz="1500" b="1" dirty="0" err="1">
+                <a:hlinkClick r:id="rId5"/>
+              </a:rPr>
+              <a:t>ietf</a:t>
+            </a:r>
+            <a:r>
+              <a:rPr lang="en-US" sz="1500" b="1" dirty="0">
+                <a:hlinkClick r:id="rId5"/>
+              </a:rPr>
+              <a:t>-ippm-hybrid-two-step</a:t>
+            </a:r>
+            <a:r>
+              <a:rPr lang="en-US" sz="1500" b="1" dirty="0"/>
+              <a:t> </a:t>
+            </a:r>
+            <a:r>
+              <a:rPr lang="en-US" sz="1500" dirty="0"/>
+              <a:t>received OPS AD review.</a:t>
+            </a:r>
+          </a:p>
+          <a:p>
+            <a:pPr>
+              <a:spcBef>
+                <a:spcPts val="1200"/>
+              </a:spcBef>
+            </a:pPr>
+            <a:r>
+              <a:rPr lang="en-US" sz="1500" b="1" dirty="0">
+                <a:hlinkClick r:id="rId6"/>
+              </a:rPr>
+              <a:t>draft-</a:t>
+            </a:r>
+            <a:r>
+              <a:rPr lang="en-US" sz="1500" b="1" dirty="0" err="1">
+                <a:hlinkClick r:id="rId6"/>
+              </a:rPr>
+              <a:t>ietf</a:t>
+            </a:r>
+            <a:r>
+              <a:rPr lang="en-US" sz="1500" b="1" dirty="0">
+                <a:hlinkClick r:id="rId6"/>
+              </a:rPr>
               <a:t>-ippm-</a:t>
             </a:r>
             <a:r>
-              <a:rPr lang="de-CH" b="1" dirty="0" err="1"/>
-              <a:t>capacity</a:t>
+              <a:rPr lang="en-US" sz="1500" b="1" dirty="0" err="1">
+                <a:hlinkClick r:id="rId6"/>
+              </a:rPr>
+              <a:t>qoo</a:t>
             </a:r>
             <a:r>
-              <a:rPr lang="de-CH" b="1" dirty="0"/>
-              <a:t>-</a:t>
-            </a:r>
-            <a:r>
-              <a:rPr lang="de-CH" b="1" dirty="0" err="1"/>
-              <a:t>protocol</a:t>
-            </a:r>
-            <a:r>
-              <a:rPr lang="de-CH" dirty="0"/>
-              <a:t> at IESG</a:t>
-            </a:r>
-            <a:endParaRPr lang="en-001" dirty="0"/>
-          </a:p>
-          <a:p>
-            <a:pPr lvl="1"/>
-            <a:r>
-              <a:rPr lang="de-CH" dirty="0" err="1"/>
-              <a:t>Received</a:t>
-            </a:r>
-            <a:r>
-              <a:rPr lang="de-CH" dirty="0"/>
+              <a:rPr lang="en-US" sz="1500" b="1" dirty="0"/>
               <a:t> </a:t>
             </a:r>
             <a:r>
-              <a:rPr lang="de-CH" dirty="0" err="1"/>
-              <a:t>reviews</a:t>
+              <a:rPr lang="en-US" sz="1500" dirty="0"/>
+              <a:t>passed working group last call. Shepherd review pending.</a:t>
+            </a:r>
+          </a:p>
+          <a:p>
+            <a:pPr>
+              <a:spcBef>
+                <a:spcPts val="1200"/>
+              </a:spcBef>
+            </a:pPr>
+            <a:r>
+              <a:rPr lang="en-US" sz="1500" b="1" dirty="0">
+                <a:hlinkClick r:id="rId7"/>
+              </a:rPr>
+              <a:t>draft-</a:t>
             </a:r>
             <a:r>
-              <a:rPr lang="de-CH" dirty="0"/>
+              <a:rPr lang="en-US" sz="1500" b="1" dirty="0" err="1">
+                <a:hlinkClick r:id="rId7"/>
+              </a:rPr>
+              <a:t>ietf</a:t>
+            </a:r>
+            <a:r>
+              <a:rPr lang="en-US" sz="1500" b="1" dirty="0">
+                <a:hlinkClick r:id="rId7"/>
+              </a:rPr>
+              <a:t>-ippm-on-path-active-measurements</a:t>
+            </a:r>
+            <a:r>
+              <a:rPr lang="en-US" sz="1500" b="1" dirty="0"/>
               <a:t> </a:t>
             </a:r>
             <a:r>
-              <a:rPr lang="de-CH" dirty="0" err="1"/>
-              <a:t>from</a:t>
+              <a:rPr lang="en-US" sz="1500" dirty="0"/>
+              <a:t>passed working group adoption call and for </a:t>
             </a:r>
             <a:r>
-              <a:rPr lang="de-CH" dirty="0"/>
-              <a:t> PERFMETRDIR, GENART and OPSDIR</a:t>
-            </a:r>
-            <a:endParaRPr lang="en-001" dirty="0"/>
-          </a:p>
-          <a:p>
-            <a:r>
-              <a:rPr lang="de-CH" b="1" dirty="0"/>
+              <a:rPr lang="en-US" sz="1500" b="1" dirty="0">
+                <a:hlinkClick r:id="rId8"/>
+              </a:rPr>
               <a:t>draft-</a:t>
             </a:r>
             <a:r>
-              <a:rPr lang="de-CH" b="1" dirty="0" err="1"/>
-              <a:t>ietf</a:t>
+              <a:rPr lang="en-US" sz="1500" b="1" dirty="0" err="1">
+                <a:hlinkClick r:id="rId8"/>
+              </a:rPr>
+              <a:t>iuzh</a:t>
             </a:r>
             <a:r>
-              <a:rPr lang="de-CH" b="1" dirty="0"/>
+              <a:rPr lang="en-US" sz="1500" b="1" dirty="0">
+                <a:hlinkClick r:id="rId8"/>
+              </a:rPr>
               <a:t>-ippm-</a:t>
             </a:r>
             <a:r>
-              <a:rPr lang="de-CH" b="1" dirty="0" err="1"/>
-              <a:t>asymmetrical</a:t>
+              <a:rPr lang="en-US" sz="1500" b="1" dirty="0" err="1">
+                <a:hlinkClick r:id="rId8"/>
+              </a:rPr>
+              <a:t>ioam</a:t>
             </a:r>
             <a:r>
-              <a:rPr lang="de-CH" b="1" dirty="0"/>
-              <a:t>-</a:t>
+              <a:rPr lang="en-US" sz="1500" b="1" dirty="0">
+                <a:hlinkClick r:id="rId8"/>
+              </a:rPr>
+              <a:t>-integrity-yang</a:t>
             </a:r>
             <a:r>
-              <a:rPr lang="de-CH" b="1" dirty="0" err="1"/>
-              <a:t>pkts</a:t>
-            </a:r>
-            <a:r>
-              <a:rPr lang="de-CH" dirty="0"/>
+              <a:rPr lang="en-US" sz="1500" b="1" dirty="0"/>
               <a:t> </a:t>
             </a:r>
             <a:r>
-              <a:rPr lang="de-CH" dirty="0" err="1"/>
-              <a:t>working</a:t>
+              <a:rPr lang="en-US" sz="1500" dirty="0"/>
+              <a:t>an adoption call is currently running.</a:t>
             </a:r>
-            <a:r>
-              <a:rPr lang="de-CH" dirty="0"/>
-              <a:t> </a:t>
-            </a:r>
-            <a:r>
-              <a:rPr lang="de-CH" dirty="0" err="1"/>
-              <a:t>group</a:t>
-            </a:r>
-            <a:r>
-              <a:rPr lang="de-CH" dirty="0"/>
-              <a:t> last </a:t>
-            </a:r>
-            <a:r>
-              <a:rPr lang="de-CH" dirty="0" err="1"/>
-              <a:t>call</a:t>
-            </a:r>
-            <a:r>
-              <a:rPr lang="de-CH" dirty="0"/>
-              <a:t> </a:t>
-            </a:r>
-            <a:r>
-              <a:rPr lang="de-CH" dirty="0" err="1"/>
-              <a:t>concluded</a:t>
-            </a:r>
-            <a:endParaRPr lang="en-001" dirty="0"/>
-          </a:p>
-          <a:p>
-            <a:pPr lvl="1"/>
-            <a:r>
-              <a:rPr lang="de-CH" dirty="0"/>
-              <a:t>Shepherd </a:t>
-            </a:r>
-            <a:r>
-              <a:rPr lang="de-CH" dirty="0" err="1"/>
-              <a:t>write-up</a:t>
-            </a:r>
-            <a:r>
-              <a:rPr lang="de-CH" dirty="0"/>
-              <a:t> </a:t>
-            </a:r>
-            <a:r>
-              <a:rPr lang="de-CH" dirty="0" err="1"/>
-              <a:t>pending</a:t>
-            </a:r>
-            <a:endParaRPr lang="de-CH" dirty="0"/>
-          </a:p>
-          <a:p>
-            <a:r>
-              <a:rPr lang="de-CH" b="1" dirty="0"/>
-              <a:t>draft-</a:t>
-            </a:r>
-            <a:r>
-              <a:rPr lang="de-CH" b="1" dirty="0" err="1"/>
-              <a:t>ietf</a:t>
-            </a:r>
-            <a:r>
-              <a:rPr lang="de-CH" b="1" dirty="0"/>
-              <a:t>-ippm-on-</a:t>
-            </a:r>
-            <a:r>
-              <a:rPr lang="de-CH" b="1" dirty="0" err="1"/>
-              <a:t>path</a:t>
-            </a:r>
-            <a:r>
-              <a:rPr lang="de-CH" b="1" dirty="0"/>
-              <a:t>-</a:t>
-            </a:r>
-            <a:r>
-              <a:rPr lang="de-CH" b="1" dirty="0" err="1"/>
-              <a:t>telemetry-yang</a:t>
-            </a:r>
-            <a:r>
-              <a:rPr lang="de-CH" b="1" dirty="0"/>
-              <a:t> </a:t>
-            </a:r>
-            <a:r>
-              <a:rPr lang="de-CH" b="1" dirty="0" err="1"/>
-              <a:t>working</a:t>
-            </a:r>
-            <a:r>
-              <a:rPr lang="de-CH" b="1" dirty="0"/>
-              <a:t> </a:t>
-            </a:r>
-            <a:r>
-              <a:rPr lang="de-CH" dirty="0" err="1"/>
-              <a:t>group</a:t>
-            </a:r>
-            <a:r>
-              <a:rPr lang="de-CH" dirty="0"/>
-              <a:t> </a:t>
-            </a:r>
-            <a:r>
-              <a:rPr lang="de-CH" dirty="0" err="1"/>
-              <a:t>adopted</a:t>
-            </a:r>
-            <a:endParaRPr lang="en-001" dirty="0"/>
-          </a:p>
-          <a:p>
-            <a:pPr lvl="1"/>
-            <a:r>
-              <a:rPr lang="de-CH" dirty="0" err="1"/>
-              <a:t>Received</a:t>
-            </a:r>
-            <a:r>
-              <a:rPr lang="de-CH" dirty="0"/>
-              <a:t> and </a:t>
-            </a:r>
-            <a:r>
-              <a:rPr lang="de-CH" dirty="0" err="1"/>
-              <a:t>addressed</a:t>
-            </a:r>
-            <a:r>
-              <a:rPr lang="de-CH" dirty="0"/>
-              <a:t> a YANGDOCTORS review</a:t>
-            </a:r>
-          </a:p>
-          <a:p>
-            <a:r>
-              <a:rPr lang="de-CH" b="1" dirty="0"/>
-              <a:t>draft-</a:t>
-            </a:r>
-            <a:r>
-              <a:rPr lang="de-CH" b="1" dirty="0" err="1"/>
-              <a:t>ietf</a:t>
-            </a:r>
-            <a:r>
-              <a:rPr lang="de-CH" b="1" dirty="0"/>
-              <a:t>-</a:t>
-            </a:r>
-            <a:r>
-              <a:rPr lang="de-CH" b="1" dirty="0" err="1"/>
-              <a:t>ippm-qoo</a:t>
-            </a:r>
-            <a:r>
-              <a:rPr lang="de-CH" dirty="0"/>
-              <a:t> </a:t>
-            </a:r>
-            <a:r>
-              <a:rPr lang="de-CH" dirty="0" err="1"/>
-              <a:t>working</a:t>
-            </a:r>
-            <a:r>
-              <a:rPr lang="de-CH" dirty="0"/>
-              <a:t> </a:t>
-            </a:r>
-            <a:r>
-              <a:rPr lang="de-CH" dirty="0" err="1"/>
-              <a:t>group</a:t>
-            </a:r>
-            <a:r>
-              <a:rPr lang="de-CH" dirty="0"/>
-              <a:t> </a:t>
-            </a:r>
-            <a:r>
-              <a:rPr lang="en-001" dirty="0"/>
-              <a:t>last call</a:t>
-            </a:r>
-            <a:r>
-              <a:rPr lang="de-CH" dirty="0"/>
-              <a:t> in </a:t>
-            </a:r>
-            <a:r>
-              <a:rPr lang="de-CH" dirty="0" err="1"/>
-              <a:t>progress</a:t>
-            </a:r>
-            <a:endParaRPr lang="en-001" dirty="0"/>
-          </a:p>
-          <a:p>
-            <a:pPr lvl="1"/>
-            <a:r>
-              <a:rPr lang="de-CH" dirty="0"/>
-              <a:t>Received and addressed good feedback. Looking forward for more.</a:t>
-            </a:r>
-            <a:endParaRPr lang="en-001" dirty="0"/>
+            <a:endParaRPr lang="en-US" dirty="0"/>
           </a:p>
         </p:txBody>
       </p:sp>
@@ -20519,7 +20041,7 @@
 </p:sld>
 </file>
 
-<file path=ppt/slides/slide15.xml><?xml version="1.0" encoding="utf-8"?>
+<file path=ppt/slides/slide14.xml><?xml version="1.0" encoding="utf-8"?>
 <p:sld xmlns:a="http://schemas.openxmlformats.org/drawingml/2006/main" xmlns:r="http://schemas.openxmlformats.org/officeDocument/2006/relationships" xmlns:p="http://schemas.openxmlformats.org/presentationml/2006/main" show="0">
   <p:cSld>
     <p:spTree>
@@ -20600,11 +20122,11 @@
             </a:r>
             <a:r>
               <a:rPr lang="en-US" dirty="0"/>
-              <a:t>123 </a:t>
+              <a:t>124 </a:t>
             </a:r>
             <a:r>
               <a:rPr lang="de-CH" dirty="0"/>
-              <a:t>Madrid</a:t>
+              <a:t>Montreal</a:t>
             </a:r>
             <a:endParaRPr dirty="0"/>
           </a:p>
@@ -20833,8 +20355,8 @@
         </p:nvSpPr>
         <p:spPr>
           <a:xfrm>
-            <a:off x="8735428" y="4724798"/>
-            <a:ext cx="336900" cy="335400"/>
+            <a:off x="8694000" y="4724798"/>
+            <a:ext cx="378328" cy="335400"/>
           </a:xfrm>
           <a:prstGeom prst="rect">
             <a:avLst/>
@@ -20866,9 +20388,9 @@
             </a:pPr>
             <a:fld id="{00000000-1234-1234-1234-123412341234}" type="slidenum">
               <a:rPr lang="en-US"/>
-              <a:t>15</a:t>
+              <a:t>14</a:t>
             </a:fld>
-            <a:endParaRPr/>
+            <a:endParaRPr dirty="0"/>
           </a:p>
         </p:txBody>
       </p:sp>
@@ -20944,7 +20466,7 @@
               <a:buNone/>
             </a:pPr>
             <a:r>
-              <a:rPr lang="en-US" sz="2400">
+              <a:rPr lang="en-US" sz="2400" dirty="0">
                 <a:latin typeface="Inter"/>
                 <a:ea typeface="Inter"/>
                 <a:cs typeface="Inter"/>
@@ -20952,7 +20474,7 @@
               </a:rPr>
               <a:t>Note Well</a:t>
             </a:r>
-            <a:endParaRPr sz="2400" i="0" u="none" strike="noStrike" cap="none">
+            <a:endParaRPr lang="en-US" sz="2400" i="0" u="none" strike="noStrike" cap="none" dirty="0">
               <a:solidFill>
                 <a:schemeClr val="lt1"/>
               </a:solidFill>
@@ -21007,7 +20529,7 @@
               <a:buNone/>
             </a:pPr>
             <a:r>
-              <a:rPr lang="en-US" sz="1000">
+              <a:rPr lang="en-US" sz="1000" dirty="0">
                 <a:solidFill>
                   <a:srgbClr val="434343"/>
                 </a:solidFill>
@@ -21018,15 +20540,6 @@
               </a:rPr>
               <a:t>This is a reminder of IETF policies in effect on various topics such as patents or code of conduct. It is only meant to point you in the right direction. Exceptions may apply. The IETF's patent policy and the definition of an IETF "contribution" and "participation" are set forth in BCP 79; please read it carefully.</a:t>
             </a:r>
-            <a:endParaRPr sz="1000">
-              <a:solidFill>
-                <a:srgbClr val="434343"/>
-              </a:solidFill>
-              <a:latin typeface="Inter"/>
-              <a:ea typeface="Inter"/>
-              <a:cs typeface="Inter"/>
-              <a:sym typeface="Inter"/>
-            </a:endParaRPr>
           </a:p>
           <a:p>
             <a:pPr marL="0" lvl="0" indent="0" algn="l" rtl="0">
@@ -21043,7 +20556,7 @@
               <a:buNone/>
             </a:pPr>
             <a:r>
-              <a:rPr lang="en-US" sz="1000">
+              <a:rPr lang="en-US" sz="1000" dirty="0">
                 <a:solidFill>
                   <a:srgbClr val="434343"/>
                 </a:solidFill>
@@ -21054,15 +20567,6 @@
               </a:rPr>
               <a:t>As a reminder:</a:t>
             </a:r>
-            <a:endParaRPr sz="1000">
-              <a:solidFill>
-                <a:srgbClr val="434343"/>
-              </a:solidFill>
-              <a:latin typeface="Inter"/>
-              <a:ea typeface="Inter"/>
-              <a:cs typeface="Inter"/>
-              <a:sym typeface="Inter"/>
-            </a:endParaRPr>
           </a:p>
           <a:p>
             <a:pPr marL="457200" lvl="0" indent="-292100" algn="l" rtl="0">
@@ -21083,7 +20587,7 @@
               <a:buChar char="●"/>
             </a:pPr>
             <a:r>
-              <a:rPr lang="en-US" sz="1000">
+              <a:rPr lang="en-US" sz="1000" dirty="0">
                 <a:solidFill>
                   <a:srgbClr val="434343"/>
                 </a:solidFill>
@@ -21094,15 +20598,6 @@
               </a:rPr>
               <a:t>By participating in the IETF, you agree to follow IETF processes and policies.</a:t>
             </a:r>
-            <a:endParaRPr sz="1000">
-              <a:solidFill>
-                <a:srgbClr val="434343"/>
-              </a:solidFill>
-              <a:latin typeface="Inter"/>
-              <a:ea typeface="Inter"/>
-              <a:cs typeface="Inter"/>
-              <a:sym typeface="Inter"/>
-            </a:endParaRPr>
           </a:p>
           <a:p>
             <a:pPr marL="457200" lvl="0" indent="-292100" algn="l" rtl="0">
@@ -21123,7 +20618,7 @@
               <a:buChar char="●"/>
             </a:pPr>
             <a:r>
-              <a:rPr lang="en-US" sz="1000">
+              <a:rPr lang="en-US" sz="1000" dirty="0">
                 <a:solidFill>
                   <a:srgbClr val="434343"/>
                 </a:solidFill>
@@ -21134,15 +20629,6 @@
               </a:rPr>
               <a:t>If you are aware that any IETF contribution is covered by patents or patent applications that are owned or controlled by you or your sponsor, you must disclose that fact, or not participate in the discussion.</a:t>
             </a:r>
-            <a:endParaRPr sz="1000">
-              <a:solidFill>
-                <a:srgbClr val="434343"/>
-              </a:solidFill>
-              <a:latin typeface="Inter"/>
-              <a:ea typeface="Inter"/>
-              <a:cs typeface="Inter"/>
-              <a:sym typeface="Inter"/>
-            </a:endParaRPr>
           </a:p>
           <a:p>
             <a:pPr marL="457200" lvl="0" indent="-292100" algn="l" rtl="0">
@@ -21163,7 +20649,7 @@
               <a:buChar char="●"/>
             </a:pPr>
             <a:r>
-              <a:rPr lang="en-US" sz="1000">
+              <a:rPr lang="en-US" sz="1000" dirty="0">
                 <a:solidFill>
                   <a:srgbClr val="434343"/>
                 </a:solidFill>
@@ -21174,15 +20660,6 @@
               </a:rPr>
               <a:t>As a participant in or attendee to any IETF activity you acknowledge that written, audio, video, and photographic records of meetings may be made public.</a:t>
             </a:r>
-            <a:endParaRPr sz="1000">
-              <a:solidFill>
-                <a:srgbClr val="434343"/>
-              </a:solidFill>
-              <a:latin typeface="Inter"/>
-              <a:ea typeface="Inter"/>
-              <a:cs typeface="Inter"/>
-              <a:sym typeface="Inter"/>
-            </a:endParaRPr>
           </a:p>
           <a:p>
             <a:pPr marL="457200" lvl="0" indent="-292100" algn="l" rtl="0">
@@ -21203,7 +20680,7 @@
               <a:buChar char="●"/>
             </a:pPr>
             <a:r>
-              <a:rPr lang="en-US" sz="1000">
+              <a:rPr lang="en-US" sz="1000" dirty="0">
                 <a:solidFill>
                   <a:srgbClr val="434343"/>
                 </a:solidFill>
@@ -21214,15 +20691,6 @@
               </a:rPr>
               <a:t>Personal information that you provide to IETF will be handled in accordance with the IETF Privacy Statement.</a:t>
             </a:r>
-            <a:endParaRPr sz="1000">
-              <a:solidFill>
-                <a:srgbClr val="434343"/>
-              </a:solidFill>
-              <a:latin typeface="Inter"/>
-              <a:ea typeface="Inter"/>
-              <a:cs typeface="Inter"/>
-              <a:sym typeface="Inter"/>
-            </a:endParaRPr>
           </a:p>
           <a:p>
             <a:pPr marL="457200" lvl="0" indent="-292100" algn="l" rtl="0">
@@ -21243,7 +20711,7 @@
               <a:buChar char="●"/>
             </a:pPr>
             <a:r>
-              <a:rPr lang="en-US" sz="1000">
+              <a:rPr lang="en-US" sz="1000" dirty="0">
                 <a:solidFill>
                   <a:srgbClr val="434343"/>
                 </a:solidFill>
@@ -21252,10 +20720,34 @@
                 <a:cs typeface="Inter"/>
                 <a:sym typeface="Inter"/>
               </a:rPr>
-              <a:t>As a participant or attendee, you agree to work respectfully with other participants; please contact the ombudsteam (</a:t>
+              <a:t>As a participant or attendee, you agree to work respectfully with other participants; please contact the </a:t>
             </a:r>
             <a:r>
-              <a:rPr lang="en-US" sz="1000">
+              <a:rPr lang="en-US" sz="1000" dirty="0" err="1">
+                <a:solidFill>
+                  <a:srgbClr val="434343"/>
+                </a:solidFill>
+                <a:latin typeface="Inter"/>
+                <a:ea typeface="Inter"/>
+                <a:cs typeface="Inter"/>
+                <a:sym typeface="Inter"/>
+              </a:rPr>
+              <a:t>ombudsteam</a:t>
+            </a:r>
+            <a:r>
+              <a:rPr lang="en-US" sz="1000" dirty="0">
+                <a:solidFill>
+                  <a:srgbClr val="434343"/>
+                </a:solidFill>
+                <a:latin typeface="Inter"/>
+                <a:ea typeface="Inter"/>
+                <a:cs typeface="Inter"/>
+                <a:sym typeface="Inter"/>
+              </a:rPr>
+              <a:t> (</a:t>
+            </a:r>
+            <a:r>
+              <a:rPr lang="en-US" sz="1000" dirty="0">
                 <a:solidFill>
                   <a:schemeClr val="hlink"/>
                 </a:solidFill>
@@ -21271,7 +20763,7 @@
               <a:t>https://www.ietf.org/contact/ombudsteam/</a:t>
             </a:r>
             <a:r>
-              <a:rPr lang="en-US" sz="1000">
+              <a:rPr lang="en-US" sz="1000" dirty="0">
                 <a:solidFill>
                   <a:srgbClr val="434343"/>
                 </a:solidFill>
@@ -21282,15 +20774,6 @@
               </a:rPr>
               <a:t>) if you have questions or concerns about this.</a:t>
             </a:r>
-            <a:endParaRPr sz="1000">
-              <a:solidFill>
-                <a:srgbClr val="434343"/>
-              </a:solidFill>
-              <a:latin typeface="Inter"/>
-              <a:ea typeface="Inter"/>
-              <a:cs typeface="Inter"/>
-              <a:sym typeface="Inter"/>
-            </a:endParaRPr>
           </a:p>
           <a:p>
             <a:pPr marL="0" lvl="0" indent="0" algn="l" rtl="0">
@@ -21307,7 +20790,7 @@
               <a:buNone/>
             </a:pPr>
             <a:br>
-              <a:rPr lang="en-US" sz="1000">
+              <a:rPr lang="en-US" sz="1000" dirty="0">
                 <a:solidFill>
                   <a:srgbClr val="434343"/>
                 </a:solidFill>
@@ -21318,7 +20801,7 @@
               </a:rPr>
             </a:br>
             <a:r>
-              <a:rPr lang="en-US" sz="1000">
+              <a:rPr lang="en-US" sz="1000" dirty="0">
                 <a:solidFill>
                   <a:srgbClr val="434343"/>
                 </a:solidFill>
@@ -21329,15 +20812,6 @@
               </a:rPr>
               <a:t>Definitive information is in the documents listed below and other IETF BCPs. For advice, please talk to WG chairs or ADs:</a:t>
             </a:r>
-            <a:endParaRPr sz="1000">
-              <a:solidFill>
-                <a:srgbClr val="434343"/>
-              </a:solidFill>
-              <a:latin typeface="Inter"/>
-              <a:ea typeface="Inter"/>
-              <a:cs typeface="Inter"/>
-              <a:sym typeface="Inter"/>
-            </a:endParaRPr>
           </a:p>
           <a:p>
             <a:pPr marL="457200" lvl="0" indent="-292100" algn="l" rtl="0">
@@ -21358,7 +20832,7 @@
               <a:buChar char="●"/>
             </a:pPr>
             <a:r>
-              <a:rPr lang="en-US" sz="1000">
+              <a:rPr lang="en-US" sz="1000" dirty="0">
                 <a:solidFill>
                   <a:schemeClr val="hlink"/>
                 </a:solidFill>
@@ -21374,7 +20848,7 @@
               <a:t>BCP 9</a:t>
             </a:r>
             <a:r>
-              <a:rPr lang="en-US" sz="1000">
+              <a:rPr lang="en-US" sz="1000" dirty="0">
                 <a:solidFill>
                   <a:srgbClr val="434343"/>
                 </a:solidFill>
@@ -21385,15 +20859,6 @@
               </a:rPr>
               <a:t> (Internet Standards Process)</a:t>
             </a:r>
-            <a:endParaRPr sz="1000">
-              <a:solidFill>
-                <a:srgbClr val="434343"/>
-              </a:solidFill>
-              <a:latin typeface="Inter"/>
-              <a:ea typeface="Inter"/>
-              <a:cs typeface="Inter"/>
-              <a:sym typeface="Inter"/>
-            </a:endParaRPr>
           </a:p>
           <a:p>
             <a:pPr marL="457200" lvl="0" indent="-292100" algn="l" rtl="0">
@@ -21414,7 +20879,7 @@
               <a:buChar char="●"/>
             </a:pPr>
             <a:r>
-              <a:rPr lang="en-US" sz="1000">
+              <a:rPr lang="en-US" sz="1000" dirty="0">
                 <a:solidFill>
                   <a:schemeClr val="hlink"/>
                 </a:solidFill>
@@ -21430,7 +20895,7 @@
               <a:t>BCP 25</a:t>
             </a:r>
             <a:r>
-              <a:rPr lang="en-US" sz="1000">
+              <a:rPr lang="en-US" sz="1000" dirty="0">
                 <a:solidFill>
                   <a:srgbClr val="434343"/>
                 </a:solidFill>
@@ -21441,15 +20906,6 @@
               </a:rPr>
               <a:t> (Working Group processes)</a:t>
             </a:r>
-            <a:endParaRPr sz="1000">
-              <a:solidFill>
-                <a:srgbClr val="434343"/>
-              </a:solidFill>
-              <a:latin typeface="Inter"/>
-              <a:ea typeface="Inter"/>
-              <a:cs typeface="Inter"/>
-              <a:sym typeface="Inter"/>
-            </a:endParaRPr>
           </a:p>
           <a:p>
             <a:pPr marL="457200" lvl="0" indent="-292100" algn="l" rtl="0">
@@ -21470,7 +20926,7 @@
               <a:buChar char="●"/>
             </a:pPr>
             <a:r>
-              <a:rPr lang="en-US" sz="1000">
+              <a:rPr lang="en-US" sz="1000" dirty="0">
                 <a:solidFill>
                   <a:schemeClr val="hlink"/>
                 </a:solidFill>
@@ -21486,7 +20942,7 @@
               <a:t>BCP 25</a:t>
             </a:r>
             <a:r>
-              <a:rPr lang="en-US" sz="1000">
+              <a:rPr lang="en-US" sz="1000" dirty="0">
                 <a:solidFill>
                   <a:srgbClr val="434343"/>
                 </a:solidFill>
@@ -21497,15 +20953,6 @@
               </a:rPr>
               <a:t> (Anti-Harassment Procedures) </a:t>
             </a:r>
-            <a:endParaRPr sz="1000">
-              <a:solidFill>
-                <a:srgbClr val="434343"/>
-              </a:solidFill>
-              <a:latin typeface="Inter"/>
-              <a:ea typeface="Inter"/>
-              <a:cs typeface="Inter"/>
-              <a:sym typeface="Inter"/>
-            </a:endParaRPr>
           </a:p>
           <a:p>
             <a:pPr marL="457200" lvl="0" indent="-292100" algn="l" rtl="0">
@@ -21526,7 +20973,7 @@
               <a:buChar char="●"/>
             </a:pPr>
             <a:r>
-              <a:rPr lang="en-US" sz="1000">
+              <a:rPr lang="en-US" sz="1000" dirty="0">
                 <a:solidFill>
                   <a:schemeClr val="hlink"/>
                 </a:solidFill>
@@ -21542,7 +20989,7 @@
               <a:t>BCP 54</a:t>
             </a:r>
             <a:r>
-              <a:rPr lang="en-US" sz="1000">
+              <a:rPr lang="en-US" sz="1000" dirty="0">
                 <a:solidFill>
                   <a:srgbClr val="434343"/>
                 </a:solidFill>
@@ -21553,15 +21000,6 @@
               </a:rPr>
               <a:t> (Code of Conduct)</a:t>
             </a:r>
-            <a:endParaRPr sz="1000">
-              <a:solidFill>
-                <a:srgbClr val="434343"/>
-              </a:solidFill>
-              <a:latin typeface="Inter"/>
-              <a:ea typeface="Inter"/>
-              <a:cs typeface="Inter"/>
-              <a:sym typeface="Inter"/>
-            </a:endParaRPr>
           </a:p>
           <a:p>
             <a:pPr marL="457200" lvl="0" indent="-292100" algn="l" rtl="0">
@@ -21582,7 +21020,7 @@
               <a:buChar char="●"/>
             </a:pPr>
             <a:r>
-              <a:rPr lang="en-US" sz="1000">
+              <a:rPr lang="en-US" sz="1000" dirty="0">
                 <a:solidFill>
                   <a:schemeClr val="hlink"/>
                 </a:solidFill>
@@ -21598,7 +21036,7 @@
               <a:t>BCP 78</a:t>
             </a:r>
             <a:r>
-              <a:rPr lang="en-US" sz="1000">
+              <a:rPr lang="en-US" sz="1000" dirty="0">
                 <a:solidFill>
                   <a:srgbClr val="434343"/>
                 </a:solidFill>
@@ -21609,15 +21047,6 @@
               </a:rPr>
               <a:t> (Copyright)</a:t>
             </a:r>
-            <a:endParaRPr sz="1000">
-              <a:solidFill>
-                <a:srgbClr val="434343"/>
-              </a:solidFill>
-              <a:latin typeface="Inter"/>
-              <a:ea typeface="Inter"/>
-              <a:cs typeface="Inter"/>
-              <a:sym typeface="Inter"/>
-            </a:endParaRPr>
           </a:p>
           <a:p>
             <a:pPr marL="457200" lvl="0" indent="-292100" algn="l" rtl="0">
@@ -21638,7 +21067,7 @@
               <a:buChar char="●"/>
             </a:pPr>
             <a:r>
-              <a:rPr lang="en-US" sz="1000">
+              <a:rPr lang="en-US" sz="1000" dirty="0">
                 <a:solidFill>
                   <a:schemeClr val="hlink"/>
                 </a:solidFill>
@@ -21654,7 +21083,7 @@
               <a:t>BCP 79</a:t>
             </a:r>
             <a:r>
-              <a:rPr lang="en-US" sz="1000">
+              <a:rPr lang="en-US" sz="1000" dirty="0">
                 <a:solidFill>
                   <a:srgbClr val="434343"/>
                 </a:solidFill>
@@ -21665,15 +21094,6 @@
               </a:rPr>
               <a:t> (Patents, Participation)</a:t>
             </a:r>
-            <a:endParaRPr sz="1000">
-              <a:solidFill>
-                <a:srgbClr val="434343"/>
-              </a:solidFill>
-              <a:latin typeface="Inter"/>
-              <a:ea typeface="Inter"/>
-              <a:cs typeface="Inter"/>
-              <a:sym typeface="Inter"/>
-            </a:endParaRPr>
           </a:p>
           <a:p>
             <a:pPr marL="457200" lvl="0" indent="-292100" algn="l" rtl="0">
@@ -21694,7 +21114,7 @@
               <a:buChar char="●"/>
             </a:pPr>
             <a:r>
-              <a:rPr lang="en-US" sz="1000">
+              <a:rPr lang="en-US" sz="1000" dirty="0">
                 <a:solidFill>
                   <a:schemeClr val="hlink"/>
                 </a:solidFill>
@@ -21710,7 +21130,7 @@
               <a:t>https://www.ietf.org/privacy-policy/</a:t>
             </a:r>
             <a:r>
-              <a:rPr lang="en-US" sz="1000">
+              <a:rPr lang="en-US" sz="1000" dirty="0">
                 <a:solidFill>
                   <a:srgbClr val="434343"/>
                 </a:solidFill>
@@ -21721,15 +21141,6 @@
               </a:rPr>
               <a:t>(Privacy Policy)</a:t>
             </a:r>
-            <a:endParaRPr sz="1000">
-              <a:solidFill>
-                <a:srgbClr val="434343"/>
-              </a:solidFill>
-              <a:latin typeface="Inter"/>
-              <a:ea typeface="Inter"/>
-              <a:cs typeface="Inter"/>
-              <a:sym typeface="Inter"/>
-            </a:endParaRPr>
           </a:p>
         </p:txBody>
       </p:sp>
@@ -21817,10 +21228,10 @@
               <a:buNone/>
             </a:pPr>
             <a:r>
-              <a:rPr lang="en-US" sz="2400"/>
+              <a:rPr lang="en-US" sz="2400" dirty="0"/>
               <a:t>Note Really Well</a:t>
             </a:r>
-            <a:endParaRPr sz="2400" b="0" i="0" u="none" strike="noStrike" cap="none">
+            <a:endParaRPr lang="en-US" sz="2400" b="0" i="0" u="none" strike="noStrike" cap="none" dirty="0">
               <a:solidFill>
                 <a:schemeClr val="lt1"/>
               </a:solidFill>
@@ -21879,7 +21290,7 @@
               <a:buChar char="●"/>
             </a:pPr>
             <a:r>
-              <a:rPr lang="en-US" sz="1300">
+              <a:rPr lang="en-US" sz="1300" dirty="0">
                 <a:solidFill>
                   <a:srgbClr val="434343"/>
                 </a:solidFill>
@@ -21888,17 +21299,32 @@
                 <a:cs typeface="Inter"/>
                 <a:sym typeface="Inter"/>
               </a:rPr>
-              <a:t>IETF meetings, virtual meetings, and mailing lists are intended for professional collaboration and networking, as defined in the IETF Guidelines for Conduct (RFC 7154), the IETF Anti-Harassment Policy, and the IETF Anti-Harassment Procedures (RFC 7776). If you have any concerns about observed behavior, please talk to the Ombudsteam, who are available if you need confidentiality to raise concerns confident about harassment or other conduct in the IETF.</a:t>
+              <a:t>IETF meetings, virtual meetings, and mailing lists are intended for professional collaboration and networking, as defined in the IETF Guidelines for Conduct (RFC 7154), the IETF Anti-Harassment Policy, and the IETF Anti-Harassment Procedures (RFC 7776). If you have any concerns about observed behavior, please talk to the </a:t>
             </a:r>
-            <a:endParaRPr sz="1300">
-              <a:solidFill>
-                <a:srgbClr val="434343"/>
-              </a:solidFill>
-              <a:latin typeface="Inter"/>
-              <a:ea typeface="Inter"/>
-              <a:cs typeface="Inter"/>
-              <a:sym typeface="Inter"/>
-            </a:endParaRPr>
+            <a:r>
+              <a:rPr lang="en-US" sz="1300" dirty="0" err="1">
+                <a:solidFill>
+                  <a:srgbClr val="434343"/>
+                </a:solidFill>
+                <a:latin typeface="Inter"/>
+                <a:ea typeface="Inter"/>
+                <a:cs typeface="Inter"/>
+                <a:sym typeface="Inter"/>
+              </a:rPr>
+              <a:t>Ombudsteam</a:t>
+            </a:r>
+            <a:r>
+              <a:rPr lang="en-US" sz="1300" dirty="0">
+                <a:solidFill>
+                  <a:srgbClr val="434343"/>
+                </a:solidFill>
+                <a:latin typeface="Inter"/>
+                <a:ea typeface="Inter"/>
+                <a:cs typeface="Inter"/>
+                <a:sym typeface="Inter"/>
+              </a:rPr>
+              <a:t>, who are available if you need confidentiality to raise concerns confident about harassment or other conduct in the IETF.</a:t>
+            </a:r>
           </a:p>
           <a:p>
             <a:pPr marL="457200" marR="0" lvl="0" indent="-311150" algn="l" rtl="0">
@@ -21919,7 +21345,7 @@
               <a:buChar char="●"/>
             </a:pPr>
             <a:r>
-              <a:rPr lang="en-US" sz="1300">
+              <a:rPr lang="en-US" sz="1300" dirty="0">
                 <a:solidFill>
                   <a:srgbClr val="434343"/>
                 </a:solidFill>
@@ -21930,15 +21356,6 @@
               </a:rPr>
               <a:t>The IETF strives to create and maintain an environment in which people of many different backgrounds and identities are treated with dignity, decency, and respect. Those who participate in the IETF are expected to behave according to professional standards and demonstrate appropriate workplace behavior.</a:t>
             </a:r>
-            <a:endParaRPr sz="1300">
-              <a:solidFill>
-                <a:srgbClr val="434343"/>
-              </a:solidFill>
-              <a:latin typeface="Inter"/>
-              <a:ea typeface="Inter"/>
-              <a:cs typeface="Inter"/>
-              <a:sym typeface="Inter"/>
-            </a:endParaRPr>
           </a:p>
           <a:p>
             <a:pPr marL="457200" marR="0" lvl="0" indent="-311150" algn="l" rtl="0">
@@ -21959,7 +21376,7 @@
               <a:buChar char="●"/>
             </a:pPr>
             <a:r>
-              <a:rPr lang="en-US" sz="1300">
+              <a:rPr lang="en-US" sz="1300" dirty="0">
                 <a:solidFill>
                   <a:srgbClr val="434343"/>
                 </a:solidFill>
@@ -21970,15 +21387,6 @@
               </a:rPr>
               <a:t>IETF participants must not engage in harassment while at IETF meetings, virtual meetings, social events, or on mailing lists. Harassment is unwelcome hostile or intimidating behavior—in particular, speech or behavior that is aggressive or intimidates.</a:t>
             </a:r>
-            <a:endParaRPr sz="1300">
-              <a:solidFill>
-                <a:srgbClr val="434343"/>
-              </a:solidFill>
-              <a:latin typeface="Inter"/>
-              <a:ea typeface="Inter"/>
-              <a:cs typeface="Inter"/>
-              <a:sym typeface="Inter"/>
-            </a:endParaRPr>
           </a:p>
           <a:p>
             <a:pPr marL="457200" marR="0" lvl="0" indent="-311150" algn="l" rtl="0">
@@ -21999,7 +21407,7 @@
               <a:buChar char="●"/>
             </a:pPr>
             <a:r>
-              <a:rPr lang="en-US" sz="1300">
+              <a:rPr lang="en-US" sz="1300" dirty="0">
                 <a:solidFill>
                   <a:srgbClr val="434343"/>
                 </a:solidFill>
@@ -22011,7 +21419,7 @@
               <a:t>If you believe you have been harassed, notice that someone else is being harassed, </a:t>
             </a:r>
             <a:br>
-              <a:rPr lang="en-US" sz="1300">
+              <a:rPr lang="en-US" sz="1300" dirty="0">
                 <a:solidFill>
                   <a:srgbClr val="434343"/>
                 </a:solidFill>
@@ -22022,7 +21430,7 @@
               </a:rPr>
             </a:br>
             <a:r>
-              <a:rPr lang="en-US" sz="1300">
+              <a:rPr lang="en-US" sz="1300" dirty="0">
                 <a:solidFill>
                   <a:srgbClr val="434343"/>
                 </a:solidFill>
@@ -22034,7 +21442,7 @@
               <a:t>or have any other concerns, you are encouraged to raise your concern in confidence </a:t>
             </a:r>
             <a:br>
-              <a:rPr lang="en-US" sz="1300">
+              <a:rPr lang="en-US" sz="1300" dirty="0">
                 <a:solidFill>
                   <a:srgbClr val="434343"/>
                 </a:solidFill>
@@ -22045,7 +21453,7 @@
               </a:rPr>
             </a:br>
             <a:r>
-              <a:rPr lang="en-US" sz="1300">
+              <a:rPr lang="en-US" sz="1300" dirty="0">
                 <a:solidFill>
                   <a:srgbClr val="434343"/>
                 </a:solidFill>
@@ -22056,15 +21464,6 @@
               </a:rPr>
               <a:t>with one of the Ombudspersons.</a:t>
             </a:r>
-            <a:endParaRPr sz="1300">
-              <a:solidFill>
-                <a:srgbClr val="434343"/>
-              </a:solidFill>
-              <a:latin typeface="Inter"/>
-              <a:ea typeface="Inter"/>
-              <a:cs typeface="Inter"/>
-              <a:sym typeface="Inter"/>
-            </a:endParaRPr>
           </a:p>
         </p:txBody>
       </p:sp>
@@ -22153,9 +21552,9 @@
             </a:pPr>
             <a:r>
               <a:rPr lang="en-US" dirty="0"/>
-              <a:t>IETF 123 Meeting Tips</a:t>
+              <a:t>IETF 124 Meeting Tips</a:t>
             </a:r>
-            <a:endParaRPr sz="2400" dirty="0">
+            <a:endParaRPr lang="en-US" sz="2400" dirty="0">
               <a:solidFill>
                 <a:srgbClr val="FFFFFF"/>
               </a:solidFill>
@@ -22205,14 +21604,14 @@
               <a:buNone/>
             </a:pPr>
             <a:r>
-              <a:rPr lang="en-US" sz="1600" b="1">
+              <a:rPr lang="en-US" sz="1600" b="1" dirty="0">
                 <a:solidFill>
                   <a:srgbClr val="000000"/>
                 </a:solidFill>
               </a:rPr>
               <a:t>In-person participants</a:t>
             </a:r>
-            <a:endParaRPr sz="1600">
+            <a:endParaRPr lang="en-US" sz="1600" dirty="0">
               <a:solidFill>
                 <a:srgbClr val="000000"/>
               </a:solidFill>
@@ -22236,14 +21635,193 @@
               <a:buChar char="●"/>
             </a:pPr>
             <a:r>
-              <a:rPr lang="en-US" sz="1600">
+              <a:rPr lang="en-US" sz="1600" dirty="0">
                 <a:solidFill>
                   <a:srgbClr val="000000"/>
                 </a:solidFill>
               </a:rPr>
-              <a:t>Make sure to sign into the session via Datatracker or the QR Code in this session.</a:t>
+              <a:t>Make sure to sign into the session via </a:t>
             </a:r>
-            <a:endParaRPr sz="1600">
+            <a:r>
+              <a:rPr lang="en-US" sz="1600" dirty="0" err="1">
+                <a:solidFill>
+                  <a:srgbClr val="000000"/>
+                </a:solidFill>
+              </a:rPr>
+              <a:t>Datatracker</a:t>
+            </a:r>
+            <a:r>
+              <a:rPr lang="en-US" sz="1600" dirty="0">
+                <a:solidFill>
+                  <a:srgbClr val="000000"/>
+                </a:solidFill>
+              </a:rPr>
+              <a:t> or the QR Code in this session.</a:t>
+            </a:r>
+          </a:p>
+          <a:p>
+            <a:pPr marL="457200" lvl="0" indent="-330200" algn="l" rtl="0">
+              <a:lnSpc>
+                <a:spcPct val="110000"/>
+              </a:lnSpc>
+              <a:spcBef>
+                <a:spcPts val="0"/>
+              </a:spcBef>
+              <a:spcAft>
+                <a:spcPts val="0"/>
+              </a:spcAft>
+              <a:buClr>
+                <a:srgbClr val="000000"/>
+              </a:buClr>
+              <a:buSzPts val="1600"/>
+              <a:buChar char="●"/>
+            </a:pPr>
+            <a:r>
+              <a:rPr lang="en-US" sz="1600" dirty="0">
+                <a:solidFill>
+                  <a:srgbClr val="000000"/>
+                </a:solidFill>
+              </a:rPr>
+              <a:t>Use </a:t>
+            </a:r>
+            <a:r>
+              <a:rPr lang="en-US" sz="1600" dirty="0" err="1">
+                <a:solidFill>
+                  <a:srgbClr val="000000"/>
+                </a:solidFill>
+              </a:rPr>
+              <a:t>Meetecho</a:t>
+            </a:r>
+            <a:r>
+              <a:rPr lang="en-US" sz="1600" dirty="0">
+                <a:solidFill>
+                  <a:srgbClr val="000000"/>
+                </a:solidFill>
+              </a:rPr>
+              <a:t> (usually the “</a:t>
+            </a:r>
+            <a:r>
+              <a:rPr lang="en-US" sz="1600" dirty="0" err="1">
+                <a:solidFill>
+                  <a:srgbClr val="000000"/>
+                </a:solidFill>
+              </a:rPr>
+              <a:t>Meetecho</a:t>
+            </a:r>
+            <a:r>
+              <a:rPr lang="en-US" sz="1600" dirty="0">
+                <a:solidFill>
+                  <a:srgbClr val="000000"/>
+                </a:solidFill>
+              </a:rPr>
+              <a:t> lite”) client to:</a:t>
+            </a:r>
+          </a:p>
+          <a:p>
+            <a:pPr marL="914400" lvl="1" indent="-330200" algn="l" rtl="0">
+              <a:lnSpc>
+                <a:spcPct val="110000"/>
+              </a:lnSpc>
+              <a:spcBef>
+                <a:spcPts val="0"/>
+              </a:spcBef>
+              <a:spcAft>
+                <a:spcPts val="0"/>
+              </a:spcAft>
+              <a:buClr>
+                <a:srgbClr val="000000"/>
+              </a:buClr>
+              <a:buSzPts val="1600"/>
+              <a:buChar char="○"/>
+            </a:pPr>
+            <a:r>
+              <a:rPr lang="en-US" sz="1600" dirty="0">
+                <a:solidFill>
+                  <a:srgbClr val="000000"/>
+                </a:solidFill>
+              </a:rPr>
+              <a:t>join the mic queue</a:t>
+            </a:r>
+          </a:p>
+          <a:p>
+            <a:pPr marL="914400" lvl="1" indent="-330200" algn="l" rtl="0">
+              <a:lnSpc>
+                <a:spcPct val="110000"/>
+              </a:lnSpc>
+              <a:spcBef>
+                <a:spcPts val="0"/>
+              </a:spcBef>
+              <a:spcAft>
+                <a:spcPts val="0"/>
+              </a:spcAft>
+              <a:buClr>
+                <a:srgbClr val="000000"/>
+              </a:buClr>
+              <a:buSzPts val="1600"/>
+              <a:buChar char="○"/>
+            </a:pPr>
+            <a:r>
+              <a:rPr lang="en-US" sz="1600" dirty="0">
+                <a:solidFill>
+                  <a:srgbClr val="000000"/>
+                </a:solidFill>
+              </a:rPr>
+              <a:t>participate in shows of hands</a:t>
+            </a:r>
+          </a:p>
+          <a:p>
+            <a:pPr marL="457200" lvl="0" indent="-330200" algn="l" rtl="0">
+              <a:lnSpc>
+                <a:spcPct val="110000"/>
+              </a:lnSpc>
+              <a:spcBef>
+                <a:spcPts val="0"/>
+              </a:spcBef>
+              <a:spcAft>
+                <a:spcPts val="0"/>
+              </a:spcAft>
+              <a:buClr>
+                <a:srgbClr val="000000"/>
+              </a:buClr>
+              <a:buSzPts val="1600"/>
+              <a:buChar char="●"/>
+            </a:pPr>
+            <a:r>
+              <a:rPr lang="en-US" sz="1600" i="1" dirty="0">
+                <a:solidFill>
+                  <a:srgbClr val="000000"/>
+                </a:solidFill>
+              </a:rPr>
+              <a:t>Keep audio and video off if not using the onsite version.</a:t>
+            </a:r>
+            <a:endParaRPr lang="en-US" sz="1600" b="1" dirty="0">
+              <a:solidFill>
+                <a:srgbClr val="000000"/>
+              </a:solidFill>
+            </a:endParaRPr>
+          </a:p>
+          <a:p>
+            <a:pPr marL="0" lvl="0" indent="0" algn="l" rtl="0">
+              <a:lnSpc>
+                <a:spcPct val="110000"/>
+              </a:lnSpc>
+              <a:spcBef>
+                <a:spcPts val="300"/>
+              </a:spcBef>
+              <a:spcAft>
+                <a:spcPts val="0"/>
+              </a:spcAft>
+              <a:buNone/>
+            </a:pPr>
+            <a:r>
+              <a:rPr lang="en-US" sz="1600" b="1" dirty="0">
+                <a:solidFill>
+                  <a:srgbClr val="000000"/>
+                </a:solidFill>
+              </a:rPr>
+              <a:t>Remote participants </a:t>
+            </a:r>
+            <a:endParaRPr lang="en-US" sz="1600" dirty="0">
               <a:solidFill>
                 <a:srgbClr val="000000"/>
               </a:solidFill>
@@ -22255,7 +21833,7 @@
                 <a:spcPct val="110000"/>
               </a:lnSpc>
               <a:spcBef>
-                <a:spcPts val="0"/>
+                <a:spcPts val="300"/>
               </a:spcBef>
               <a:spcAft>
                 <a:spcPts val="0"/>
@@ -22267,80 +21845,13 @@
               <a:buChar char="●"/>
             </a:pPr>
             <a:r>
-              <a:rPr lang="en-US" sz="1600">
+              <a:rPr lang="en-US" sz="1600" dirty="0">
                 <a:solidFill>
                   <a:srgbClr val="000000"/>
                 </a:solidFill>
               </a:rPr>
-              <a:t>Use Meetecho (usually the “Meetecho lite”) client to:</a:t>
+              <a:t>Make sure your audio and video are off unless you are chairing or presenting during a session.</a:t>
             </a:r>
-            <a:endParaRPr sz="1600">
-              <a:solidFill>
-                <a:srgbClr val="000000"/>
-              </a:solidFill>
-            </a:endParaRPr>
-          </a:p>
-          <a:p>
-            <a:pPr marL="914400" lvl="1" indent="-330200" algn="l" rtl="0">
-              <a:lnSpc>
-                <a:spcPct val="110000"/>
-              </a:lnSpc>
-              <a:spcBef>
-                <a:spcPts val="0"/>
-              </a:spcBef>
-              <a:spcAft>
-                <a:spcPts val="0"/>
-              </a:spcAft>
-              <a:buClr>
-                <a:srgbClr val="000000"/>
-              </a:buClr>
-              <a:buSzPts val="1600"/>
-              <a:buChar char="○"/>
-            </a:pPr>
-            <a:r>
-              <a:rPr lang="en-US" sz="1600">
-                <a:solidFill>
-                  <a:srgbClr val="000000"/>
-                </a:solidFill>
-              </a:rPr>
-              <a:t>join the mic queue</a:t>
-            </a:r>
-            <a:endParaRPr sz="1600">
-              <a:solidFill>
-                <a:srgbClr val="000000"/>
-              </a:solidFill>
-            </a:endParaRPr>
-          </a:p>
-          <a:p>
-            <a:pPr marL="914400" lvl="1" indent="-330200" algn="l" rtl="0">
-              <a:lnSpc>
-                <a:spcPct val="110000"/>
-              </a:lnSpc>
-              <a:spcBef>
-                <a:spcPts val="0"/>
-              </a:spcBef>
-              <a:spcAft>
-                <a:spcPts val="0"/>
-              </a:spcAft>
-              <a:buClr>
-                <a:srgbClr val="000000"/>
-              </a:buClr>
-              <a:buSzPts val="1600"/>
-              <a:buChar char="○"/>
-            </a:pPr>
-            <a:r>
-              <a:rPr lang="en-US" sz="1600">
-                <a:solidFill>
-                  <a:srgbClr val="000000"/>
-                </a:solidFill>
-              </a:rPr>
-              <a:t>participate in shows of hands</a:t>
-            </a:r>
-            <a:endParaRPr sz="1600">
-              <a:solidFill>
-                <a:srgbClr val="000000"/>
-              </a:solidFill>
-            </a:endParaRPr>
           </a:p>
           <a:p>
             <a:pPr marL="457200" lvl="0" indent="-330200" algn="l" rtl="0">
@@ -22360,107 +21871,13 @@
               <a:buChar char="●"/>
             </a:pPr>
             <a:r>
-              <a:rPr lang="en-US" sz="1600" i="1">
-                <a:solidFill>
-                  <a:srgbClr val="000000"/>
-                </a:solidFill>
-              </a:rPr>
-              <a:t>Keep audio and video off if not using the onsite version.</a:t>
-            </a:r>
-            <a:endParaRPr sz="1600" b="1">
-              <a:solidFill>
-                <a:srgbClr val="000000"/>
-              </a:solidFill>
-            </a:endParaRPr>
-          </a:p>
-          <a:p>
-            <a:pPr marL="0" lvl="0" indent="0" algn="l" rtl="0">
-              <a:lnSpc>
-                <a:spcPct val="110000"/>
-              </a:lnSpc>
-              <a:spcBef>
-                <a:spcPts val="300"/>
-              </a:spcBef>
-              <a:spcAft>
-                <a:spcPts val="0"/>
-              </a:spcAft>
-              <a:buNone/>
-            </a:pPr>
-            <a:r>
-              <a:rPr lang="en-US" sz="1600" b="1">
-                <a:solidFill>
-                  <a:srgbClr val="000000"/>
-                </a:solidFill>
-              </a:rPr>
-              <a:t>Remote participants </a:t>
-            </a:r>
-            <a:endParaRPr sz="1600">
-              <a:solidFill>
-                <a:srgbClr val="000000"/>
-              </a:solidFill>
-            </a:endParaRPr>
-          </a:p>
-          <a:p>
-            <a:pPr marL="457200" lvl="0" indent="-330200" algn="l" rtl="0">
-              <a:lnSpc>
-                <a:spcPct val="110000"/>
-              </a:lnSpc>
-              <a:spcBef>
-                <a:spcPts val="300"/>
-              </a:spcBef>
-              <a:spcAft>
-                <a:spcPts val="0"/>
-              </a:spcAft>
-              <a:buClr>
-                <a:srgbClr val="000000"/>
-              </a:buClr>
-              <a:buSzPts val="1600"/>
-              <a:buChar char="●"/>
-            </a:pPr>
-            <a:r>
-              <a:rPr lang="en-US" sz="1600">
-                <a:solidFill>
-                  <a:srgbClr val="000000"/>
-                </a:solidFill>
-              </a:rPr>
-              <a:t>Make sure your audio and video are off unless you are chairing or presenting during a session.</a:t>
-            </a:r>
-            <a:endParaRPr sz="1600">
-              <a:solidFill>
-                <a:srgbClr val="000000"/>
-              </a:solidFill>
-            </a:endParaRPr>
-          </a:p>
-          <a:p>
-            <a:pPr marL="457200" lvl="0" indent="-330200" algn="l" rtl="0">
-              <a:lnSpc>
-                <a:spcPct val="110000"/>
-              </a:lnSpc>
-              <a:spcBef>
-                <a:spcPts val="0"/>
-              </a:spcBef>
-              <a:spcAft>
-                <a:spcPts val="0"/>
-              </a:spcAft>
-              <a:buClr>
-                <a:srgbClr val="000000"/>
-              </a:buClr>
-              <a:buSzPts val="1600"/>
-              <a:buChar char="●"/>
-            </a:pPr>
-            <a:r>
-              <a:rPr lang="en-US" sz="1600">
+              <a:rPr lang="en-US" sz="1600" dirty="0">
                 <a:solidFill>
                   <a:srgbClr val="000000"/>
                 </a:solidFill>
               </a:rPr>
               <a:t>Use of a headset is strongly recommended.</a:t>
             </a:r>
-            <a:endParaRPr sz="1600">
-              <a:solidFill>
-                <a:srgbClr val="000000"/>
-              </a:solidFill>
-            </a:endParaRPr>
           </a:p>
         </p:txBody>
       </p:sp>
@@ -22511,7 +21928,7 @@
               <a:rPr lang="en-US"/>
               <a:t>4</a:t>
             </a:fld>
-            <a:endParaRPr/>
+            <a:endParaRPr lang="en-US" dirty="0"/>
           </a:p>
         </p:txBody>
       </p:sp>
@@ -22553,7 +21970,7 @@
               <a:buNone/>
             </a:pPr>
             <a:r>
-              <a:rPr lang="en-US" sz="2400">
+              <a:rPr lang="en-US" sz="2400" dirty="0">
                 <a:solidFill>
                   <a:srgbClr val="FFE599"/>
                 </a:solidFill>
@@ -22564,15 +21981,6 @@
               </a:rPr>
               <a:t>This session is being recorded</a:t>
             </a:r>
-            <a:endParaRPr sz="2400">
-              <a:solidFill>
-                <a:srgbClr val="FFE599"/>
-              </a:solidFill>
-              <a:latin typeface="Montserrat"/>
-              <a:ea typeface="Montserrat"/>
-              <a:cs typeface="Montserrat"/>
-              <a:sym typeface="Montserrat"/>
-            </a:endParaRPr>
           </a:p>
         </p:txBody>
       </p:sp>
@@ -22658,10 +22066,9 @@
           <a:lstStyle/>
           <a:p>
             <a:r>
-              <a:rPr lang="de-CH" dirty="0"/>
+              <a:rPr lang="en-US" dirty="0"/>
               <a:t>Joint BMWG and IPPM Meeting</a:t>
             </a:r>
-            <a:endParaRPr lang="en-US" dirty="0"/>
           </a:p>
         </p:txBody>
       </p:sp>
@@ -22687,378 +22094,39 @@
           <a:lstStyle/>
           <a:p>
             <a:r>
-              <a:rPr lang="de-CH" dirty="0"/>
-              <a:t>Due </a:t>
-            </a:r>
-            <a:r>
-              <a:rPr lang="de-CH" dirty="0" err="1"/>
-              <a:t>to</a:t>
-            </a:r>
-            <a:r>
-              <a:rPr lang="de-CH" dirty="0"/>
-              <a:t> </a:t>
-            </a:r>
-            <a:r>
-              <a:rPr lang="de-CH" dirty="0" err="1"/>
-              <a:t>the</a:t>
-            </a:r>
-            <a:r>
-              <a:rPr lang="de-CH" dirty="0"/>
-              <a:t> </a:t>
-            </a:r>
-            <a:r>
-              <a:rPr lang="de-CH" dirty="0" err="1"/>
-              <a:t>similar</a:t>
-            </a:r>
-            <a:r>
-              <a:rPr lang="de-CH" dirty="0"/>
-              <a:t> </a:t>
-            </a:r>
-            <a:r>
-              <a:rPr lang="de-CH" dirty="0" err="1"/>
-              <a:t>topics</a:t>
-            </a:r>
-            <a:r>
-              <a:rPr lang="de-CH" dirty="0"/>
-              <a:t> </a:t>
-            </a:r>
-            <a:r>
-              <a:rPr lang="de-CH" dirty="0" err="1"/>
-              <a:t>we</a:t>
-            </a:r>
-            <a:r>
-              <a:rPr lang="de-CH" dirty="0"/>
-              <a:t> </a:t>
-            </a:r>
-            <a:r>
-              <a:rPr lang="de-CH" dirty="0" err="1"/>
-              <a:t>wanted</a:t>
-            </a:r>
-            <a:r>
-              <a:rPr lang="de-CH" dirty="0"/>
-              <a:t> </a:t>
-            </a:r>
-            <a:r>
-              <a:rPr lang="de-CH" dirty="0" err="1"/>
-              <a:t>to</a:t>
-            </a:r>
-            <a:r>
-              <a:rPr lang="de-CH" dirty="0"/>
-              <a:t> </a:t>
-            </a:r>
-            <a:r>
-              <a:rPr lang="de-CH" dirty="0" err="1"/>
-              <a:t>facilitate</a:t>
-            </a:r>
-            <a:r>
-              <a:rPr lang="de-CH" dirty="0"/>
-              <a:t> </a:t>
-            </a:r>
-            <a:r>
-              <a:rPr lang="de-CH" dirty="0" err="1"/>
-              <a:t>the</a:t>
-            </a:r>
-            <a:r>
-              <a:rPr lang="de-CH" dirty="0"/>
-              <a:t> </a:t>
-            </a:r>
-            <a:r>
-              <a:rPr lang="de-CH" dirty="0" err="1"/>
-              <a:t>exchange</a:t>
-            </a:r>
-            <a:r>
-              <a:rPr lang="de-CH" dirty="0"/>
-              <a:t> and </a:t>
-            </a:r>
-            <a:r>
-              <a:rPr lang="de-CH" dirty="0" err="1"/>
-              <a:t>discussions</a:t>
-            </a:r>
-            <a:r>
-              <a:rPr lang="de-CH" dirty="0"/>
-              <a:t> </a:t>
-            </a:r>
-            <a:r>
-              <a:rPr lang="de-CH" dirty="0" err="1"/>
-              <a:t>between</a:t>
-            </a:r>
-            <a:r>
-              <a:rPr lang="de-CH" dirty="0"/>
-              <a:t> </a:t>
-            </a:r>
-            <a:r>
-              <a:rPr lang="de-CH" dirty="0" err="1"/>
-              <a:t>both</a:t>
-            </a:r>
-            <a:r>
-              <a:rPr lang="de-CH" dirty="0"/>
-              <a:t> </a:t>
-            </a:r>
-            <a:r>
-              <a:rPr lang="de-CH" dirty="0" err="1"/>
-              <a:t>working</a:t>
-            </a:r>
-            <a:r>
-              <a:rPr lang="de-CH" dirty="0"/>
-              <a:t> </a:t>
-            </a:r>
-            <a:r>
-              <a:rPr lang="de-CH" dirty="0" err="1"/>
-              <a:t>group</a:t>
-            </a:r>
-            <a:r>
-              <a:rPr lang="de-CH" dirty="0"/>
-              <a:t> </a:t>
-            </a:r>
-            <a:r>
-              <a:rPr lang="de-CH" dirty="0" err="1"/>
-              <a:t>by</a:t>
-            </a:r>
-            <a:r>
-              <a:rPr lang="de-CH" dirty="0"/>
-              <a:t> </a:t>
-            </a:r>
-            <a:r>
-              <a:rPr lang="de-CH" dirty="0" err="1"/>
-              <a:t>having</a:t>
-            </a:r>
-            <a:r>
-              <a:rPr lang="de-CH" dirty="0"/>
-              <a:t> a </a:t>
-            </a:r>
-            <a:r>
-              <a:rPr lang="de-CH" dirty="0" err="1"/>
-              <a:t>joint</a:t>
-            </a:r>
-            <a:r>
-              <a:rPr lang="de-CH" dirty="0"/>
-              <a:t> </a:t>
-            </a:r>
-            <a:r>
-              <a:rPr lang="de-CH" dirty="0" err="1"/>
-              <a:t>session</a:t>
-            </a:r>
-            <a:r>
-              <a:rPr lang="de-CH" dirty="0"/>
-              <a:t> at IETF 123.</a:t>
+              <a:rPr lang="en-US" sz="1500" dirty="0"/>
+              <a:t>Due to similar topics we wanted to facilitate the exchange and discussions between both working groups by having a joint session again and start exploring a joint charter with Qin Wu together. Many thanks Qin for supporting us here.</a:t>
             </a:r>
           </a:p>
           <a:p>
+            <a:pPr>
+              <a:spcBef>
+                <a:spcPts val="1200"/>
+              </a:spcBef>
+            </a:pPr>
             <a:r>
-              <a:rPr lang="de-CH" dirty="0" err="1"/>
-              <a:t>Seeking</a:t>
+              <a:rPr lang="en-US" sz="1500" dirty="0"/>
+              <a:t>Qin will be presenting at the end of this session an overview about the current state of both working groups and </a:t>
             </a:r>
             <a:r>
-              <a:rPr lang="de-CH" dirty="0"/>
-              <a:t> </a:t>
+              <a:rPr lang="en-US" sz="1500"/>
+              <a:t>the benefits </a:t>
             </a:r>
             <a:r>
-              <a:rPr lang="de-CH" dirty="0" err="1"/>
-              <a:t>feedback</a:t>
-            </a:r>
-            <a:r>
-              <a:rPr lang="de-CH" dirty="0"/>
-              <a:t> </a:t>
-            </a:r>
-            <a:r>
-              <a:rPr lang="de-CH" dirty="0" err="1"/>
-              <a:t>from</a:t>
-            </a:r>
-            <a:r>
-              <a:rPr lang="de-CH" dirty="0"/>
-              <a:t> </a:t>
-            </a:r>
-            <a:r>
-              <a:rPr lang="de-CH" dirty="0" err="1"/>
-              <a:t>both</a:t>
-            </a:r>
-            <a:r>
-              <a:rPr lang="de-CH" dirty="0"/>
-              <a:t> </a:t>
-            </a:r>
-            <a:r>
-              <a:rPr lang="de-CH" dirty="0" err="1"/>
-              <a:t>working</a:t>
-            </a:r>
-            <a:r>
-              <a:rPr lang="de-CH" dirty="0"/>
-              <a:t> </a:t>
-            </a:r>
-            <a:r>
-              <a:rPr lang="de-CH" dirty="0" err="1"/>
-              <a:t>groups</a:t>
-            </a:r>
-            <a:r>
-              <a:rPr lang="de-CH" dirty="0"/>
-              <a:t>. </a:t>
+              <a:rPr lang="en-US" sz="1500" dirty="0"/>
+              <a:t>of a joint charter.</a:t>
             </a:r>
           </a:p>
           <a:p>
-            <a:pPr lvl="1"/>
+            <a:pPr>
+              <a:spcBef>
+                <a:spcPts val="1200"/>
+              </a:spcBef>
+            </a:pPr>
             <a:r>
-              <a:rPr lang="de-CH" dirty="0" err="1"/>
-              <a:t>Did</a:t>
+              <a:rPr lang="en-US" sz="1500" dirty="0"/>
+              <a:t>We are looking forward to as much feedback from both working groups during Qin's presentation, on the mailing list and at the next interim meeting on November 20th where we allocated another 30 minutes for joint chartering discussions.</a:t>
             </a:r>
-            <a:r>
-              <a:rPr lang="de-CH" dirty="0"/>
-              <a:t> </a:t>
-            </a:r>
-            <a:r>
-              <a:rPr lang="de-CH" dirty="0" err="1"/>
-              <a:t>help</a:t>
-            </a:r>
-            <a:r>
-              <a:rPr lang="de-CH" dirty="0"/>
-              <a:t> </a:t>
-            </a:r>
-            <a:r>
-              <a:rPr lang="de-CH" dirty="0" err="1"/>
-              <a:t>to</a:t>
-            </a:r>
-            <a:r>
-              <a:rPr lang="de-CH" dirty="0"/>
-              <a:t> </a:t>
-            </a:r>
-            <a:r>
-              <a:rPr lang="de-CH" dirty="0" err="1"/>
-              <a:t>familiarize</a:t>
-            </a:r>
-            <a:r>
-              <a:rPr lang="de-CH" dirty="0"/>
-              <a:t> </a:t>
-            </a:r>
-            <a:r>
-              <a:rPr lang="de-CH" dirty="0" err="1"/>
-              <a:t>which</a:t>
-            </a:r>
-            <a:r>
-              <a:rPr lang="de-CH" dirty="0"/>
-              <a:t> </a:t>
-            </a:r>
-            <a:r>
-              <a:rPr lang="de-CH" dirty="0" err="1"/>
-              <a:t>topics</a:t>
-            </a:r>
-            <a:r>
-              <a:rPr lang="de-CH" dirty="0"/>
-              <a:t> and </a:t>
-            </a:r>
-            <a:r>
-              <a:rPr lang="de-CH" dirty="0" err="1"/>
-              <a:t>documents</a:t>
-            </a:r>
-            <a:r>
-              <a:rPr lang="de-CH" dirty="0"/>
-              <a:t> </a:t>
-            </a:r>
-            <a:r>
-              <a:rPr lang="de-CH" dirty="0" err="1"/>
-              <a:t>are</a:t>
-            </a:r>
-            <a:r>
-              <a:rPr lang="de-CH" dirty="0"/>
-              <a:t> </a:t>
-            </a:r>
-            <a:r>
-              <a:rPr lang="de-CH" dirty="0" err="1"/>
-              <a:t>being</a:t>
-            </a:r>
-            <a:r>
-              <a:rPr lang="de-CH" dirty="0"/>
-              <a:t> </a:t>
-            </a:r>
-            <a:r>
-              <a:rPr lang="de-CH" dirty="0" err="1"/>
-              <a:t>discussed</a:t>
-            </a:r>
-            <a:r>
-              <a:rPr lang="de-CH" dirty="0"/>
-              <a:t> in </a:t>
-            </a:r>
-            <a:r>
-              <a:rPr lang="de-CH" dirty="0" err="1"/>
-              <a:t>each</a:t>
-            </a:r>
-            <a:r>
-              <a:rPr lang="de-CH" dirty="0"/>
-              <a:t> </a:t>
-            </a:r>
-            <a:r>
-              <a:rPr lang="de-CH" dirty="0" err="1"/>
-              <a:t>others</a:t>
-            </a:r>
-            <a:r>
-              <a:rPr lang="de-CH" dirty="0"/>
-              <a:t> </a:t>
-            </a:r>
-            <a:r>
-              <a:rPr lang="de-CH" dirty="0" err="1"/>
-              <a:t>working</a:t>
-            </a:r>
-            <a:r>
-              <a:rPr lang="de-CH" dirty="0"/>
-              <a:t> </a:t>
-            </a:r>
-            <a:r>
-              <a:rPr lang="de-CH" dirty="0" err="1"/>
-              <a:t>group</a:t>
-            </a:r>
-            <a:r>
-              <a:rPr lang="de-CH" dirty="0"/>
-              <a:t>? </a:t>
-            </a:r>
-          </a:p>
-          <a:p>
-            <a:pPr lvl="1"/>
-            <a:r>
-              <a:rPr lang="de-CH" dirty="0" err="1"/>
-              <a:t>Would</a:t>
-            </a:r>
-            <a:r>
-              <a:rPr lang="de-CH" dirty="0"/>
-              <a:t> </a:t>
-            </a:r>
-            <a:r>
-              <a:rPr lang="de-CH" dirty="0" err="1"/>
-              <a:t>you</a:t>
-            </a:r>
-            <a:r>
-              <a:rPr lang="de-CH" dirty="0"/>
-              <a:t> like </a:t>
-            </a:r>
-            <a:r>
-              <a:rPr lang="de-CH" dirty="0" err="1"/>
-              <a:t>to</a:t>
-            </a:r>
-            <a:r>
-              <a:rPr lang="de-CH" dirty="0"/>
-              <a:t> </a:t>
-            </a:r>
-            <a:r>
-              <a:rPr lang="de-CH" dirty="0" err="1"/>
-              <a:t>see</a:t>
-            </a:r>
-            <a:r>
-              <a:rPr lang="de-CH" dirty="0"/>
-              <a:t> </a:t>
-            </a:r>
-            <a:r>
-              <a:rPr lang="de-CH" dirty="0" err="1"/>
-              <a:t>more</a:t>
-            </a:r>
-            <a:r>
-              <a:rPr lang="de-CH" dirty="0"/>
-              <a:t> such </a:t>
-            </a:r>
-            <a:r>
-              <a:rPr lang="de-CH" dirty="0" err="1"/>
-              <a:t>activities</a:t>
-            </a:r>
-            <a:r>
-              <a:rPr lang="de-CH" dirty="0"/>
-              <a:t>?</a:t>
-            </a:r>
-            <a:endParaRPr lang="en-001" dirty="0"/>
           </a:p>
         </p:txBody>
       </p:sp>
@@ -23096,7 +22164,7 @@
               <a:rPr lang="en-US" smtClean="0"/>
               <a:t>5</a:t>
             </a:fld>
-            <a:endParaRPr lang="en-US"/>
+            <a:endParaRPr lang="en-US" dirty="0"/>
           </a:p>
         </p:txBody>
       </p:sp>
@@ -23180,7 +22248,7 @@
               <a:rPr lang="en-US" sz="2400" dirty="0"/>
               <a:t>BMWG charter</a:t>
             </a:r>
-            <a:endParaRPr sz="2400" b="0" i="0" u="none" strike="noStrike" cap="none" dirty="0">
+            <a:endParaRPr lang="en-US" sz="2400" b="0" i="0" u="none" strike="noStrike" cap="none" dirty="0">
               <a:solidFill>
                 <a:schemeClr val="lt1"/>
               </a:solidFill>
@@ -23537,7 +22605,7 @@
               <a:rPr lang="en-US" sz="2400" dirty="0"/>
               <a:t>IPPM charter</a:t>
             </a:r>
-            <a:endParaRPr sz="2400" b="0" i="0" u="none" strike="noStrike" cap="none" dirty="0">
+            <a:endParaRPr lang="en-US" sz="2400" b="0" i="0" u="none" strike="noStrike" cap="none" dirty="0">
               <a:solidFill>
                 <a:schemeClr val="lt1"/>
               </a:solidFill>
@@ -23884,10 +22952,9 @@
           <a:lstStyle/>
           <a:p>
             <a:r>
-              <a:rPr lang="en-001" dirty="0"/>
+              <a:rPr lang="en-US" dirty="0"/>
               <a:t>Notetaker</a:t>
             </a:r>
-            <a:endParaRPr lang="en-US" dirty="0"/>
           </a:p>
         </p:txBody>
       </p:sp>
@@ -23913,7 +22980,7 @@
           <a:lstStyle/>
           <a:p>
             <a:r>
-              <a:rPr lang="en-001" dirty="0"/>
+              <a:rPr lang="en-US" dirty="0"/>
               <a:t>We need a volunteer for notetaking.</a:t>
             </a:r>
           </a:p>
@@ -23922,17 +22989,8 @@
               <a:rPr lang="en-US" dirty="0">
                 <a:hlinkClick r:id="rId3"/>
               </a:rPr>
-              <a:t>https://notes.ietf.org/notes-ietf-123-bmwg-ippm</a:t>
+              <a:t>https://notes.ietf.org/notes-ietf-124-bmwg-ippm </a:t>
             </a:r>
-            <a:r>
-              <a:rPr lang="en-001" dirty="0">
-                <a:hlinkClick r:id="rId3"/>
-              </a:rPr>
-              <a:t> </a:t>
-            </a:r>
-            <a:endParaRPr lang="en-001" dirty="0"/>
-          </a:p>
-          <a:p>
             <a:endParaRPr lang="en-US" dirty="0"/>
           </a:p>
         </p:txBody>
@@ -23971,7 +23029,7 @@
               <a:rPr lang="en-US" smtClean="0"/>
               <a:t>8</a:t>
             </a:fld>
-            <a:endParaRPr lang="en-US"/>
+            <a:endParaRPr lang="en-US" dirty="0"/>
           </a:p>
         </p:txBody>
       </p:sp>
@@ -24028,25 +23086,8 @@
           <a:p>
             <a:r>
               <a:rPr lang="en-US" dirty="0"/>
-              <a:t>Agenda</a:t>
+              <a:t>Agenda – Working Group Documents</a:t>
             </a:r>
-            <a:r>
-              <a:rPr lang="en-001" dirty="0"/>
-              <a:t> – </a:t>
-            </a:r>
-            <a:r>
-              <a:rPr lang="de-CH" dirty="0"/>
-              <a:t>Working Group</a:t>
-            </a:r>
-            <a:r>
-              <a:rPr lang="en-001" dirty="0"/>
-              <a:t> </a:t>
-            </a:r>
-            <a:r>
-              <a:rPr lang="de-CH" dirty="0" err="1"/>
-              <a:t>Documents</a:t>
-            </a:r>
-            <a:endParaRPr lang="en-US" dirty="0"/>
           </a:p>
         </p:txBody>
       </p:sp>
@@ -24084,16 +23125,16 @@
               <a:rPr lang="en-US" smtClean="0"/>
               <a:t>9</a:t>
             </a:fld>
-            <a:endParaRPr lang="en-US"/>
+            <a:endParaRPr lang="en-US" dirty="0"/>
           </a:p>
         </p:txBody>
       </p:sp>
       <p:pic>
         <p:nvPicPr>
-          <p:cNvPr id="8" name="Picture 7">
+          <p:cNvPr id="5" name="Picture 4">
             <a:extLst>
               <a:ext uri="{FF2B5EF4-FFF2-40B4-BE49-F238E27FC236}">
-                <a16:creationId xmlns:a16="http://schemas.microsoft.com/office/drawing/2014/main" id="{0FE2E727-241A-266F-6298-ED3732DB7159}"/>
+                <a16:creationId xmlns:a16="http://schemas.microsoft.com/office/drawing/2014/main" id="{C77538C2-7C9A-3216-1AE2-BF708EE8B9D4}"/>
               </a:ext>
             </a:extLst>
           </p:cNvPr>
@@ -24110,8 +23151,8 @@
         </p:blipFill>
         <p:spPr>
           <a:xfrm>
-            <a:off x="471900" y="1935218"/>
-            <a:ext cx="5489700" cy="3047730"/>
+            <a:off x="471900" y="1821097"/>
+            <a:ext cx="7344800" cy="3238952"/>
           </a:xfrm>
           <a:prstGeom prst="rect">
             <a:avLst/>
@@ -24975,14 +24016,6 @@
 </file>
 
 <file path=customXml/item1.xml><?xml version="1.0" encoding="utf-8"?>
-<p:properties xmlns:p="http://schemas.microsoft.com/office/2006/metadata/properties" xmlns:xsi="http://www.w3.org/2001/XMLSchema-instance" xmlns:pc="http://schemas.microsoft.com/office/infopath/2007/PartnerControls">
-  <documentManagement>
-    <_activity xmlns="3e5e162a-5953-4fde-83b3-9639e6ab13bb" xsi:nil="true"/>
-  </documentManagement>
-</p:properties>
-</file>
-
-<file path=customXml/item2.xml><?xml version="1.0" encoding="utf-8"?>
 <?mso-contentType ?>
 <FormTemplates xmlns="http://schemas.microsoft.com/sharepoint/v3/contenttype/forms">
   <Display>DocumentLibraryForm</Display>
@@ -24991,7 +24024,7 @@
 </FormTemplates>
 </file>
 
-<file path=customXml/item3.xml><?xml version="1.0" encoding="utf-8"?>
+<file path=customXml/item2.xml><?xml version="1.0" encoding="utf-8"?>
 <ct:contentTypeSchema xmlns:ct="http://schemas.microsoft.com/office/2006/metadata/contentType" xmlns:ma="http://schemas.microsoft.com/office/2006/metadata/properties/metaAttributes" ct:_="" ma:_="" ma:contentTypeName="Dokument" ma:contentTypeID="0x01010028792A905D4FBE4781303B372FFF56B7" ma:contentTypeVersion="18" ma:contentTypeDescription="Ein neues Dokument erstellen." ma:contentTypeScope="" ma:versionID="1bed101c48ab8d637c0f10f3a19033d6">
   <xsd:schema xmlns:xsd="http://www.w3.org/2001/XMLSchema" xmlns:xs="http://www.w3.org/2001/XMLSchema" xmlns:p="http://schemas.microsoft.com/office/2006/metadata/properties" xmlns:ns3="3e5e162a-5953-4fde-83b3-9639e6ab13bb" xmlns:ns4="266fa233-377d-43d6-82a1-e70154e55ff7" targetNamespace="http://schemas.microsoft.com/office/2006/metadata/properties" ma:root="true" ma:fieldsID="ad54ca06dfd6fdd081bd33575dcf7e57" ns3:_="" ns4:_="">
     <xsd:import namespace="3e5e162a-5953-4fde-83b3-9639e6ab13bb"/>
@@ -25244,24 +24277,15 @@
 </ct:contentTypeSchema>
 </file>
 
-<file path=customXml/itemProps1.xml><?xml version="1.0" encoding="utf-8"?>
-<ds:datastoreItem xmlns:ds="http://schemas.openxmlformats.org/officeDocument/2006/customXml" ds:itemID="{3D7021EF-4D3D-4708-92FB-F2CD02CEF7A1}">
-  <ds:schemaRefs>
-    <ds:schemaRef ds:uri="http://schemas.openxmlformats.org/package/2006/metadata/core-properties"/>
-    <ds:schemaRef ds:uri="http://schemas.microsoft.com/office/2006/documentManagement/types"/>
-    <ds:schemaRef ds:uri="http://schemas.microsoft.com/office/infopath/2007/PartnerControls"/>
-    <ds:schemaRef ds:uri="http://purl.org/dc/elements/1.1/"/>
-    <ds:schemaRef ds:uri="http://schemas.microsoft.com/office/2006/metadata/properties"/>
-    <ds:schemaRef ds:uri="3e5e162a-5953-4fde-83b3-9639e6ab13bb"/>
-    <ds:schemaRef ds:uri="266fa233-377d-43d6-82a1-e70154e55ff7"/>
-    <ds:schemaRef ds:uri="http://purl.org/dc/terms/"/>
-    <ds:schemaRef ds:uri="http://www.w3.org/XML/1998/namespace"/>
-    <ds:schemaRef ds:uri="http://purl.org/dc/dcmitype/"/>
-  </ds:schemaRefs>
-</ds:datastoreItem>
+<file path=customXml/item3.xml><?xml version="1.0" encoding="utf-8"?>
+<p:properties xmlns:p="http://schemas.microsoft.com/office/2006/metadata/properties" xmlns:xsi="http://www.w3.org/2001/XMLSchema-instance" xmlns:pc="http://schemas.microsoft.com/office/infopath/2007/PartnerControls">
+  <documentManagement>
+    <_activity xmlns="3e5e162a-5953-4fde-83b3-9639e6ab13bb" xsi:nil="true"/>
+  </documentManagement>
+</p:properties>
 </file>
 
-<file path=customXml/itemProps2.xml><?xml version="1.0" encoding="utf-8"?>
+<file path=customXml/itemProps1.xml><?xml version="1.0" encoding="utf-8"?>
 <ds:datastoreItem xmlns:ds="http://schemas.openxmlformats.org/officeDocument/2006/customXml" ds:itemID="{9104BBC9-6B71-4DC1-A0E0-1E198363AC7F}">
   <ds:schemaRefs>
     <ds:schemaRef ds:uri="http://schemas.microsoft.com/sharepoint/v3/contenttype/forms"/>
@@ -25269,7 +24293,7 @@
 </ds:datastoreItem>
 </file>
 
-<file path=customXml/itemProps3.xml><?xml version="1.0" encoding="utf-8"?>
+<file path=customXml/itemProps2.xml><?xml version="1.0" encoding="utf-8"?>
 <ds:datastoreItem xmlns:ds="http://schemas.openxmlformats.org/officeDocument/2006/customXml" ds:itemID="{F4805544-B524-4E4A-B7C1-6ABFC599928D}">
   <ds:schemaRefs>
     <ds:schemaRef ds:uri="http://schemas.microsoft.com/office/2006/metadata/contentType"/>
@@ -25288,6 +24312,23 @@
 </ds:datastoreItem>
 </file>
 
+<file path=customXml/itemProps3.xml><?xml version="1.0" encoding="utf-8"?>
+<ds:datastoreItem xmlns:ds="http://schemas.openxmlformats.org/officeDocument/2006/customXml" ds:itemID="{3D7021EF-4D3D-4708-92FB-F2CD02CEF7A1}">
+  <ds:schemaRefs>
+    <ds:schemaRef ds:uri="http://schemas.openxmlformats.org/package/2006/metadata/core-properties"/>
+    <ds:schemaRef ds:uri="http://schemas.microsoft.com/office/2006/documentManagement/types"/>
+    <ds:schemaRef ds:uri="http://schemas.microsoft.com/office/infopath/2007/PartnerControls"/>
+    <ds:schemaRef ds:uri="http://purl.org/dc/elements/1.1/"/>
+    <ds:schemaRef ds:uri="http://schemas.microsoft.com/office/2006/metadata/properties"/>
+    <ds:schemaRef ds:uri="3e5e162a-5953-4fde-83b3-9639e6ab13bb"/>
+    <ds:schemaRef ds:uri="266fa233-377d-43d6-82a1-e70154e55ff7"/>
+    <ds:schemaRef ds:uri="http://purl.org/dc/terms/"/>
+    <ds:schemaRef ds:uri="http://www.w3.org/XML/1998/namespace"/>
+    <ds:schemaRef ds:uri="http://purl.org/dc/dcmitype/"/>
+  </ds:schemaRefs>
+</ds:datastoreItem>
+</file>
+
 <file path=docMetadata/LabelInfo.xml><?xml version="1.0" encoding="utf-8"?>
 <clbl:labelList xmlns:clbl="http://schemas.microsoft.com/office/2020/mipLabelMetadata">
   <clbl:label id="{2e1fccfb-80ca-4fe1-a574-1516544edb53}" enabled="1" method="Standard" siteId="{364e5b87-c1c7-420d-9bee-c35d19b557a1}" removed="0"/>

--- a/ietf124-Montreal/Slides/chair-slides-bmwg-ippm.pptx
+++ b/ietf124-Montreal/Slides/chair-slides-bmwg-ippm.pptx
@@ -345,99 +345,6 @@
         <pc:sldMkLst>
           <pc:docMk/>
           <pc:sldMk cId="2128497270" sldId="269"/>
-        </pc:sldMkLst>
-      </pc:sldChg>
-    </pc:docChg>
-  </pc:docChgLst>
-  <pc:docChgLst>
-    <pc:chgData name="Graf Thomas, SCS-INI-NET-VNC-E2E" userId="487bc3e3-9ce7-4cdd-b7b4-8899ea88d289" providerId="ADAL" clId="{4403439A-50EC-49D8-B7F6-3D7264685FDE}"/>
-    <pc:docChg chg="undo custSel addSld modSld sldOrd">
-      <pc:chgData name="Graf Thomas, SCS-INI-NET-VNC-E2E" userId="487bc3e3-9ce7-4cdd-b7b4-8899ea88d289" providerId="ADAL" clId="{4403439A-50EC-49D8-B7F6-3D7264685FDE}" dt="2025-07-21T05:25:01.641" v="1423" actId="1076"/>
-      <pc:docMkLst>
-        <pc:docMk/>
-      </pc:docMkLst>
-      <pc:sldChg chg="modSp mod">
-        <pc:chgData name="Graf Thomas, SCS-INI-NET-VNC-E2E" userId="487bc3e3-9ce7-4cdd-b7b4-8899ea88d289" providerId="ADAL" clId="{4403439A-50EC-49D8-B7F6-3D7264685FDE}" dt="2025-07-10T05:43:59.555" v="6" actId="20577"/>
-        <pc:sldMkLst>
-          <pc:docMk/>
-          <pc:sldMk cId="0" sldId="256"/>
-        </pc:sldMkLst>
-      </pc:sldChg>
-      <pc:sldChg chg="ord">
-        <pc:chgData name="Graf Thomas, SCS-INI-NET-VNC-E2E" userId="487bc3e3-9ce7-4cdd-b7b4-8899ea88d289" providerId="ADAL" clId="{4403439A-50EC-49D8-B7F6-3D7264685FDE}" dt="2025-07-10T06:22:20.341" v="686"/>
-        <pc:sldMkLst>
-          <pc:docMk/>
-          <pc:sldMk cId="0" sldId="259"/>
-        </pc:sldMkLst>
-      </pc:sldChg>
-      <pc:sldChg chg="modSp mod">
-        <pc:chgData name="Graf Thomas, SCS-INI-NET-VNC-E2E" userId="487bc3e3-9ce7-4cdd-b7b4-8899ea88d289" providerId="ADAL" clId="{4403439A-50EC-49D8-B7F6-3D7264685FDE}" dt="2025-07-10T05:48:14.572" v="76" actId="20577"/>
-        <pc:sldMkLst>
-          <pc:docMk/>
-          <pc:sldMk cId="0" sldId="260"/>
-        </pc:sldMkLst>
-      </pc:sldChg>
-      <pc:sldChg chg="modSp mod">
-        <pc:chgData name="Graf Thomas, SCS-INI-NET-VNC-E2E" userId="487bc3e3-9ce7-4cdd-b7b4-8899ea88d289" providerId="ADAL" clId="{4403439A-50EC-49D8-B7F6-3D7264685FDE}" dt="2025-07-10T05:44:34.935" v="15" actId="20577"/>
-        <pc:sldMkLst>
-          <pc:docMk/>
-          <pc:sldMk cId="3471097262" sldId="261"/>
-        </pc:sldMkLst>
-      </pc:sldChg>
-      <pc:sldChg chg="addSp delSp modSp mod">
-        <pc:chgData name="Graf Thomas, SCS-INI-NET-VNC-E2E" userId="487bc3e3-9ce7-4cdd-b7b4-8899ea88d289" providerId="ADAL" clId="{4403439A-50EC-49D8-B7F6-3D7264685FDE}" dt="2025-07-21T05:25:01.641" v="1423" actId="1076"/>
-        <pc:sldMkLst>
-          <pc:docMk/>
-          <pc:sldMk cId="2332748115" sldId="263"/>
-        </pc:sldMkLst>
-      </pc:sldChg>
-      <pc:sldChg chg="addSp delSp modSp mod">
-        <pc:chgData name="Graf Thomas, SCS-INI-NET-VNC-E2E" userId="487bc3e3-9ce7-4cdd-b7b4-8899ea88d289" providerId="ADAL" clId="{4403439A-50EC-49D8-B7F6-3D7264685FDE}" dt="2025-07-14T15:38:27.636" v="757" actId="1076"/>
-        <pc:sldMkLst>
-          <pc:docMk/>
-          <pc:sldMk cId="703495152" sldId="264"/>
-        </pc:sldMkLst>
-      </pc:sldChg>
-      <pc:sldChg chg="modSp mod">
-        <pc:chgData name="Graf Thomas, SCS-INI-NET-VNC-E2E" userId="487bc3e3-9ce7-4cdd-b7b4-8899ea88d289" providerId="ADAL" clId="{4403439A-50EC-49D8-B7F6-3D7264685FDE}" dt="2025-07-10T06:06:38.835" v="223" actId="14100"/>
-        <pc:sldMkLst>
-          <pc:docMk/>
-          <pc:sldMk cId="1372742302" sldId="266"/>
-        </pc:sldMkLst>
-      </pc:sldChg>
-      <pc:sldChg chg="modSp add mod">
-        <pc:chgData name="Graf Thomas, SCS-INI-NET-VNC-E2E" userId="487bc3e3-9ce7-4cdd-b7b4-8899ea88d289" providerId="ADAL" clId="{4403439A-50EC-49D8-B7F6-3D7264685FDE}" dt="2025-07-10T06:00:40.529" v="209" actId="20577"/>
-        <pc:sldMkLst>
-          <pc:docMk/>
-          <pc:sldMk cId="1383312952" sldId="267"/>
-        </pc:sldMkLst>
-      </pc:sldChg>
-      <pc:sldChg chg="modSp add mod ord">
-        <pc:chgData name="Graf Thomas, SCS-INI-NET-VNC-E2E" userId="487bc3e3-9ce7-4cdd-b7b4-8899ea88d289" providerId="ADAL" clId="{4403439A-50EC-49D8-B7F6-3D7264685FDE}" dt="2025-07-10T06:00:34.413" v="207" actId="20577"/>
-        <pc:sldMkLst>
-          <pc:docMk/>
-          <pc:sldMk cId="1659843495" sldId="268"/>
-        </pc:sldMkLst>
-      </pc:sldChg>
-      <pc:sldChg chg="modSp add mod">
-        <pc:chgData name="Graf Thomas, SCS-INI-NET-VNC-E2E" userId="487bc3e3-9ce7-4cdd-b7b4-8899ea88d289" providerId="ADAL" clId="{4403439A-50EC-49D8-B7F6-3D7264685FDE}" dt="2025-07-10T06:19:40.757" v="684" actId="20577"/>
-        <pc:sldMkLst>
-          <pc:docMk/>
-          <pc:sldMk cId="2128497270" sldId="269"/>
-        </pc:sldMkLst>
-      </pc:sldChg>
-      <pc:sldChg chg="modSp add mod ord">
-        <pc:chgData name="Graf Thomas, SCS-INI-NET-VNC-E2E" userId="487bc3e3-9ce7-4cdd-b7b4-8899ea88d289" providerId="ADAL" clId="{4403439A-50EC-49D8-B7F6-3D7264685FDE}" dt="2025-07-15T09:01:50.650" v="1407" actId="20577"/>
-        <pc:sldMkLst>
-          <pc:docMk/>
-          <pc:sldMk cId="2434865477" sldId="270"/>
-        </pc:sldMkLst>
-      </pc:sldChg>
-      <pc:sldChg chg="addSp delSp modSp add mod">
-        <pc:chgData name="Graf Thomas, SCS-INI-NET-VNC-E2E" userId="487bc3e3-9ce7-4cdd-b7b4-8899ea88d289" providerId="ADAL" clId="{4403439A-50EC-49D8-B7F6-3D7264685FDE}" dt="2025-07-14T15:38:57.390" v="780" actId="1076"/>
-        <pc:sldMkLst>
-          <pc:docMk/>
-          <pc:sldMk cId="1859012803" sldId="271"/>
         </pc:sldMkLst>
       </pc:sldChg>
     </pc:docChg>
@@ -888,6 +795,99 @@
         <pc:sldMkLst>
           <pc:docMk/>
           <pc:sldMk cId="333926329" sldId="272"/>
+        </pc:sldMkLst>
+      </pc:sldChg>
+    </pc:docChg>
+  </pc:docChgLst>
+  <pc:docChgLst>
+    <pc:chgData name="Graf Thomas, SCS-INI-NET-VNC-E2E" userId="487bc3e3-9ce7-4cdd-b7b4-8899ea88d289" providerId="ADAL" clId="{4403439A-50EC-49D8-B7F6-3D7264685FDE}"/>
+    <pc:docChg chg="undo custSel addSld modSld sldOrd">
+      <pc:chgData name="Graf Thomas, SCS-INI-NET-VNC-E2E" userId="487bc3e3-9ce7-4cdd-b7b4-8899ea88d289" providerId="ADAL" clId="{4403439A-50EC-49D8-B7F6-3D7264685FDE}" dt="2025-07-21T05:25:01.641" v="1423" actId="1076"/>
+      <pc:docMkLst>
+        <pc:docMk/>
+      </pc:docMkLst>
+      <pc:sldChg chg="modSp mod">
+        <pc:chgData name="Graf Thomas, SCS-INI-NET-VNC-E2E" userId="487bc3e3-9ce7-4cdd-b7b4-8899ea88d289" providerId="ADAL" clId="{4403439A-50EC-49D8-B7F6-3D7264685FDE}" dt="2025-07-10T05:43:59.555" v="6" actId="20577"/>
+        <pc:sldMkLst>
+          <pc:docMk/>
+          <pc:sldMk cId="0" sldId="256"/>
+        </pc:sldMkLst>
+      </pc:sldChg>
+      <pc:sldChg chg="ord">
+        <pc:chgData name="Graf Thomas, SCS-INI-NET-VNC-E2E" userId="487bc3e3-9ce7-4cdd-b7b4-8899ea88d289" providerId="ADAL" clId="{4403439A-50EC-49D8-B7F6-3D7264685FDE}" dt="2025-07-10T06:22:20.341" v="686"/>
+        <pc:sldMkLst>
+          <pc:docMk/>
+          <pc:sldMk cId="0" sldId="259"/>
+        </pc:sldMkLst>
+      </pc:sldChg>
+      <pc:sldChg chg="modSp mod">
+        <pc:chgData name="Graf Thomas, SCS-INI-NET-VNC-E2E" userId="487bc3e3-9ce7-4cdd-b7b4-8899ea88d289" providerId="ADAL" clId="{4403439A-50EC-49D8-B7F6-3D7264685FDE}" dt="2025-07-10T05:48:14.572" v="76" actId="20577"/>
+        <pc:sldMkLst>
+          <pc:docMk/>
+          <pc:sldMk cId="0" sldId="260"/>
+        </pc:sldMkLst>
+      </pc:sldChg>
+      <pc:sldChg chg="modSp mod">
+        <pc:chgData name="Graf Thomas, SCS-INI-NET-VNC-E2E" userId="487bc3e3-9ce7-4cdd-b7b4-8899ea88d289" providerId="ADAL" clId="{4403439A-50EC-49D8-B7F6-3D7264685FDE}" dt="2025-07-10T05:44:34.935" v="15" actId="20577"/>
+        <pc:sldMkLst>
+          <pc:docMk/>
+          <pc:sldMk cId="3471097262" sldId="261"/>
+        </pc:sldMkLst>
+      </pc:sldChg>
+      <pc:sldChg chg="addSp delSp modSp mod">
+        <pc:chgData name="Graf Thomas, SCS-INI-NET-VNC-E2E" userId="487bc3e3-9ce7-4cdd-b7b4-8899ea88d289" providerId="ADAL" clId="{4403439A-50EC-49D8-B7F6-3D7264685FDE}" dt="2025-07-21T05:25:01.641" v="1423" actId="1076"/>
+        <pc:sldMkLst>
+          <pc:docMk/>
+          <pc:sldMk cId="2332748115" sldId="263"/>
+        </pc:sldMkLst>
+      </pc:sldChg>
+      <pc:sldChg chg="addSp delSp modSp mod">
+        <pc:chgData name="Graf Thomas, SCS-INI-NET-VNC-E2E" userId="487bc3e3-9ce7-4cdd-b7b4-8899ea88d289" providerId="ADAL" clId="{4403439A-50EC-49D8-B7F6-3D7264685FDE}" dt="2025-07-14T15:38:27.636" v="757" actId="1076"/>
+        <pc:sldMkLst>
+          <pc:docMk/>
+          <pc:sldMk cId="703495152" sldId="264"/>
+        </pc:sldMkLst>
+      </pc:sldChg>
+      <pc:sldChg chg="modSp mod">
+        <pc:chgData name="Graf Thomas, SCS-INI-NET-VNC-E2E" userId="487bc3e3-9ce7-4cdd-b7b4-8899ea88d289" providerId="ADAL" clId="{4403439A-50EC-49D8-B7F6-3D7264685FDE}" dt="2025-07-10T06:06:38.835" v="223" actId="14100"/>
+        <pc:sldMkLst>
+          <pc:docMk/>
+          <pc:sldMk cId="1372742302" sldId="266"/>
+        </pc:sldMkLst>
+      </pc:sldChg>
+      <pc:sldChg chg="modSp add mod">
+        <pc:chgData name="Graf Thomas, SCS-INI-NET-VNC-E2E" userId="487bc3e3-9ce7-4cdd-b7b4-8899ea88d289" providerId="ADAL" clId="{4403439A-50EC-49D8-B7F6-3D7264685FDE}" dt="2025-07-10T06:00:40.529" v="209" actId="20577"/>
+        <pc:sldMkLst>
+          <pc:docMk/>
+          <pc:sldMk cId="1383312952" sldId="267"/>
+        </pc:sldMkLst>
+      </pc:sldChg>
+      <pc:sldChg chg="modSp add mod ord">
+        <pc:chgData name="Graf Thomas, SCS-INI-NET-VNC-E2E" userId="487bc3e3-9ce7-4cdd-b7b4-8899ea88d289" providerId="ADAL" clId="{4403439A-50EC-49D8-B7F6-3D7264685FDE}" dt="2025-07-10T06:00:34.413" v="207" actId="20577"/>
+        <pc:sldMkLst>
+          <pc:docMk/>
+          <pc:sldMk cId="1659843495" sldId="268"/>
+        </pc:sldMkLst>
+      </pc:sldChg>
+      <pc:sldChg chg="modSp add mod">
+        <pc:chgData name="Graf Thomas, SCS-INI-NET-VNC-E2E" userId="487bc3e3-9ce7-4cdd-b7b4-8899ea88d289" providerId="ADAL" clId="{4403439A-50EC-49D8-B7F6-3D7264685FDE}" dt="2025-07-10T06:19:40.757" v="684" actId="20577"/>
+        <pc:sldMkLst>
+          <pc:docMk/>
+          <pc:sldMk cId="2128497270" sldId="269"/>
+        </pc:sldMkLst>
+      </pc:sldChg>
+      <pc:sldChg chg="modSp add mod ord">
+        <pc:chgData name="Graf Thomas, SCS-INI-NET-VNC-E2E" userId="487bc3e3-9ce7-4cdd-b7b4-8899ea88d289" providerId="ADAL" clId="{4403439A-50EC-49D8-B7F6-3D7264685FDE}" dt="2025-07-15T09:01:50.650" v="1407" actId="20577"/>
+        <pc:sldMkLst>
+          <pc:docMk/>
+          <pc:sldMk cId="2434865477" sldId="270"/>
+        </pc:sldMkLst>
+      </pc:sldChg>
+      <pc:sldChg chg="addSp delSp modSp add mod">
+        <pc:chgData name="Graf Thomas, SCS-INI-NET-VNC-E2E" userId="487bc3e3-9ce7-4cdd-b7b4-8899ea88d289" providerId="ADAL" clId="{4403439A-50EC-49D8-B7F6-3D7264685FDE}" dt="2025-07-14T15:38:57.390" v="780" actId="1076"/>
+        <pc:sldMkLst>
+          <pc:docMk/>
+          <pc:sldMk cId="1859012803" sldId="271"/>
         </pc:sldMkLst>
       </pc:sldChg>
     </pc:docChg>
@@ -19662,8 +19662,97 @@
           <a:bodyPr/>
           <a:lstStyle/>
           <a:p>
+            <a:r>
+              <a:rPr lang="de-CH" sz="1400" b="1" dirty="0">
+                <a:hlinkClick r:id="rId3"/>
+              </a:rPr>
+              <a:t>draft-ietf-bmwg-mlrsearch</a:t>
+            </a:r>
+            <a:r>
+              <a:rPr lang="de-CH" sz="1400" b="1" dirty="0"/>
+              <a:t> </a:t>
+            </a:r>
+            <a:r>
+              <a:rPr lang="en-US" sz="1400" dirty="0"/>
+              <a:t>submitted to IESG for publication</a:t>
+            </a:r>
+          </a:p>
+          <a:p>
             <a:pPr lvl="1"/>
-            <a:endParaRPr lang="en-US" sz="1400" dirty="0"/>
+            <a:r>
+              <a:rPr lang="de-CH" sz="1200" dirty="0"/>
+              <a:t>Revised I-D Needed</a:t>
+            </a:r>
+          </a:p>
+          <a:p>
+            <a:r>
+              <a:rPr lang="de-CH" sz="1400" b="1" dirty="0">
+                <a:hlinkClick r:id="rId4"/>
+              </a:rPr>
+              <a:t>draft-ietf-bmwg-network-tester-cfg</a:t>
+            </a:r>
+            <a:r>
+              <a:rPr lang="de-CH" sz="1400" dirty="0"/>
+              <a:t> passed WGLC</a:t>
+            </a:r>
+          </a:p>
+          <a:p>
+            <a:pPr lvl="1"/>
+            <a:r>
+              <a:rPr lang="de-CH" sz="1200" dirty="0"/>
+              <a:t>Cross-posting to NMOP and OPSAWG</a:t>
+            </a:r>
+          </a:p>
+          <a:p>
+            <a:pPr lvl="1"/>
+            <a:r>
+              <a:rPr lang="de-CH" sz="1200" dirty="0"/>
+              <a:t>New revision in preparation to address the Yangdoctors review</a:t>
+            </a:r>
+          </a:p>
+          <a:p>
+            <a:r>
+              <a:rPr lang="de-CH" sz="1400" b="1" dirty="0">
+                <a:hlinkClick r:id="rId5"/>
+              </a:rPr>
+              <a:t>draft-ietf-bmwg-sr-bench-meth</a:t>
+            </a:r>
+            <a:r>
+              <a:rPr lang="de-CH" sz="1400" b="1" dirty="0"/>
+              <a:t> </a:t>
+            </a:r>
+            <a:r>
+              <a:rPr lang="de-CH" sz="1400" dirty="0"/>
+              <a:t>preparing for the WGLC</a:t>
+            </a:r>
+          </a:p>
+          <a:p>
+            <a:r>
+              <a:rPr lang="de-CH" sz="1400" b="1" dirty="0">
+                <a:hlinkClick r:id="rId6"/>
+              </a:rPr>
+              <a:t>draft-cprjgf-bmwg-powerbench</a:t>
+            </a:r>
+            <a:r>
+              <a:rPr lang="de-CH" sz="1400" b="1" dirty="0"/>
+              <a:t> </a:t>
+            </a:r>
+            <a:r>
+              <a:rPr lang="de-CH" sz="1400" dirty="0"/>
+              <a:t>in adoption call</a:t>
+            </a:r>
+          </a:p>
+          <a:p>
+            <a:r>
+              <a:rPr lang="de-CH" sz="1400" dirty="0"/>
+              <a:t>To resume the discussion for revisiting BMWG RFCs in order to update RFC 2544</a:t>
+            </a:r>
+          </a:p>
+          <a:p>
+            <a:r>
+              <a:rPr lang="en-US" sz="1400" dirty="0"/>
+              <a:t>Expired WG documents (more than 10 years old) to be moved to Dead state if there is no further interest</a:t>
+            </a:r>
           </a:p>
         </p:txBody>
       </p:sp>

--- a/ietf124-Montreal/Slides/chair-slides-bmwg-ippm.pptx
+++ b/ietf124-Montreal/Slides/chair-slides-bmwg-ippm.pptx
@@ -19362,10 +19362,10 @@
       </p:sp>
       <p:pic>
         <p:nvPicPr>
-          <p:cNvPr id="5" name="Picture 4">
+          <p:cNvPr id="8" name="Picture 7">
             <a:extLst>
               <a:ext uri="{FF2B5EF4-FFF2-40B4-BE49-F238E27FC236}">
-                <a16:creationId xmlns:a16="http://schemas.microsoft.com/office/drawing/2014/main" id="{955DED86-4359-400B-59BB-069A3354E9A8}"/>
+                <a16:creationId xmlns:a16="http://schemas.microsoft.com/office/drawing/2014/main" id="{89CAAE8C-AD6B-C359-A366-CE2EAD39C893}"/>
               </a:ext>
             </a:extLst>
           </p:cNvPr>
@@ -19382,8 +19382,8 @@
         </p:blipFill>
         <p:spPr>
           <a:xfrm>
-            <a:off x="471900" y="2361717"/>
-            <a:ext cx="7344800" cy="1543265"/>
+            <a:off x="541926" y="2131915"/>
+            <a:ext cx="7325747" cy="1505160"/>
           </a:xfrm>
           <a:prstGeom prst="rect">
             <a:avLst/>
@@ -21244,7 +21244,7 @@
         <p:fade/>
       </p:transition>
     </mc:Choice>
-    <mc:Fallback xmlns:ahyp="http://schemas.microsoft.com/office/drawing/2018/hyperlinkcolor" xmlns:p15="http://schemas.microsoft.com/office/powerpoint/2012/main" xmlns:com="http://schemas.openxmlformats.org/drawingml/2006/compatibility" xmlns:pvml="urn:schemas-microsoft-com:office:powerpoint" xmlns:v="urn:schemas-microsoft-com:vml" xmlns:o="urn:schemas-microsoft-com:office:office" xmlns:dgm="http://schemas.openxmlformats.org/drawingml/2006/diagram" xmlns:c="http://schemas.openxmlformats.org/drawingml/2006/chart" xmlns:mv="urn:schemas-microsoft-com:mac:vml" xmlns="">
+    <mc:Fallback xmlns="" xmlns:mv="urn:schemas-microsoft-com:mac:vml" xmlns:c="http://schemas.openxmlformats.org/drawingml/2006/chart" xmlns:dgm="http://schemas.openxmlformats.org/drawingml/2006/diagram" xmlns:o="urn:schemas-microsoft-com:office:office" xmlns:v="urn:schemas-microsoft-com:vml" xmlns:pvml="urn:schemas-microsoft-com:office:powerpoint" xmlns:com="http://schemas.openxmlformats.org/drawingml/2006/compatibility" xmlns:p15="http://schemas.microsoft.com/office/powerpoint/2012/main" xmlns:ahyp="http://schemas.microsoft.com/office/drawing/2018/hyperlinkcolor">
       <p:transition spd="slow">
         <p:fade/>
       </p:transition>
@@ -21567,7 +21567,7 @@
         <p:fade/>
       </p:transition>
     </mc:Choice>
-    <mc:Fallback xmlns:ahyp="http://schemas.microsoft.com/office/drawing/2018/hyperlinkcolor" xmlns:p15="http://schemas.microsoft.com/office/powerpoint/2012/main" xmlns:com="http://schemas.openxmlformats.org/drawingml/2006/compatibility" xmlns:pvml="urn:schemas-microsoft-com:office:powerpoint" xmlns:v="urn:schemas-microsoft-com:vml" xmlns:o="urn:schemas-microsoft-com:office:office" xmlns:dgm="http://schemas.openxmlformats.org/drawingml/2006/diagram" xmlns:c="http://schemas.openxmlformats.org/drawingml/2006/chart" xmlns:mv="urn:schemas-microsoft-com:mac:vml" xmlns="">
+    <mc:Fallback xmlns="" xmlns:mv="urn:schemas-microsoft-com:mac:vml" xmlns:c="http://schemas.openxmlformats.org/drawingml/2006/chart" xmlns:dgm="http://schemas.openxmlformats.org/drawingml/2006/diagram" xmlns:o="urn:schemas-microsoft-com:office:office" xmlns:v="urn:schemas-microsoft-com:vml" xmlns:pvml="urn:schemas-microsoft-com:office:powerpoint" xmlns:com="http://schemas.openxmlformats.org/drawingml/2006/compatibility" xmlns:p15="http://schemas.microsoft.com/office/powerpoint/2012/main" xmlns:ahyp="http://schemas.microsoft.com/office/drawing/2018/hyperlinkcolor">
       <p:transition spd="slow">
         <p:fade/>
       </p:transition>
@@ -24105,15 +24105,6 @@
 </file>
 
 <file path=customXml/item1.xml><?xml version="1.0" encoding="utf-8"?>
-<?mso-contentType ?>
-<FormTemplates xmlns="http://schemas.microsoft.com/sharepoint/v3/contenttype/forms">
-  <Display>DocumentLibraryForm</Display>
-  <Edit>DocumentLibraryForm</Edit>
-  <New>DocumentLibraryForm</New>
-</FormTemplates>
-</file>
-
-<file path=customXml/item2.xml><?xml version="1.0" encoding="utf-8"?>
 <ct:contentTypeSchema xmlns:ct="http://schemas.microsoft.com/office/2006/metadata/contentType" xmlns:ma="http://schemas.microsoft.com/office/2006/metadata/properties/metaAttributes" ct:_="" ma:_="" ma:contentTypeName="Dokument" ma:contentTypeID="0x01010028792A905D4FBE4781303B372FFF56B7" ma:contentTypeVersion="18" ma:contentTypeDescription="Ein neues Dokument erstellen." ma:contentTypeScope="" ma:versionID="1bed101c48ab8d637c0f10f3a19033d6">
   <xsd:schema xmlns:xsd="http://www.w3.org/2001/XMLSchema" xmlns:xs="http://www.w3.org/2001/XMLSchema" xmlns:p="http://schemas.microsoft.com/office/2006/metadata/properties" xmlns:ns3="3e5e162a-5953-4fde-83b3-9639e6ab13bb" xmlns:ns4="266fa233-377d-43d6-82a1-e70154e55ff7" targetNamespace="http://schemas.microsoft.com/office/2006/metadata/properties" ma:root="true" ma:fieldsID="ad54ca06dfd6fdd081bd33575dcf7e57" ns3:_="" ns4:_="">
     <xsd:import namespace="3e5e162a-5953-4fde-83b3-9639e6ab13bb"/>
@@ -24366,6 +24357,15 @@
 </ct:contentTypeSchema>
 </file>
 
+<file path=customXml/item2.xml><?xml version="1.0" encoding="utf-8"?>
+<?mso-contentType ?>
+<FormTemplates xmlns="http://schemas.microsoft.com/sharepoint/v3/contenttype/forms">
+  <Display>DocumentLibraryForm</Display>
+  <Edit>DocumentLibraryForm</Edit>
+  <New>DocumentLibraryForm</New>
+</FormTemplates>
+</file>
+
 <file path=customXml/item3.xml><?xml version="1.0" encoding="utf-8"?>
 <p:properties xmlns:p="http://schemas.microsoft.com/office/2006/metadata/properties" xmlns:xsi="http://www.w3.org/2001/XMLSchema-instance" xmlns:pc="http://schemas.microsoft.com/office/infopath/2007/PartnerControls">
   <documentManagement>
@@ -24375,14 +24375,6 @@
 </file>
 
 <file path=customXml/itemProps1.xml><?xml version="1.0" encoding="utf-8"?>
-<ds:datastoreItem xmlns:ds="http://schemas.openxmlformats.org/officeDocument/2006/customXml" ds:itemID="{9104BBC9-6B71-4DC1-A0E0-1E198363AC7F}">
-  <ds:schemaRefs>
-    <ds:schemaRef ds:uri="http://schemas.microsoft.com/sharepoint/v3/contenttype/forms"/>
-  </ds:schemaRefs>
-</ds:datastoreItem>
-</file>
-
-<file path=customXml/itemProps2.xml><?xml version="1.0" encoding="utf-8"?>
 <ds:datastoreItem xmlns:ds="http://schemas.openxmlformats.org/officeDocument/2006/customXml" ds:itemID="{F4805544-B524-4E4A-B7C1-6ABFC599928D}">
   <ds:schemaRefs>
     <ds:schemaRef ds:uri="http://schemas.microsoft.com/office/2006/metadata/contentType"/>
@@ -24397,6 +24389,14 @@
     <ds:schemaRef ds:uri="http://purl.org/dc/elements/1.1/"/>
     <ds:schemaRef ds:uri="http://purl.org/dc/terms/"/>
     <ds:schemaRef ds:uri="http://schemas.microsoft.com/internal/obd"/>
+  </ds:schemaRefs>
+</ds:datastoreItem>
+</file>
+
+<file path=customXml/itemProps2.xml><?xml version="1.0" encoding="utf-8"?>
+<ds:datastoreItem xmlns:ds="http://schemas.openxmlformats.org/officeDocument/2006/customXml" ds:itemID="{9104BBC9-6B71-4DC1-A0E0-1E198363AC7F}">
+  <ds:schemaRefs>
+    <ds:schemaRef ds:uri="http://schemas.microsoft.com/sharepoint/v3/contenttype/forms"/>
   </ds:schemaRefs>
 </ds:datastoreItem>
 </file>
